--- a/Slide_2_Fragment.pptx
+++ b/Slide_2_Fragment.pptx
@@ -6,7 +6,7 @@
     <p:sldMasterId id="2147483661" r:id="rId2"/>
   </p:sldMasterIdLst>
   <p:notesMasterIdLst>
-    <p:notesMasterId r:id="rId20"/>
+    <p:notesMasterId r:id="rId29"/>
   </p:notesMasterIdLst>
   <p:sldIdLst>
     <p:sldId id="256" r:id="rId3"/>
@@ -26,6 +26,15 @@
     <p:sldId id="270" r:id="rId17"/>
     <p:sldId id="271" r:id="rId18"/>
     <p:sldId id="272" r:id="rId19"/>
+    <p:sldId id="273" r:id="rId20"/>
+    <p:sldId id="279" r:id="rId21"/>
+    <p:sldId id="280" r:id="rId22"/>
+    <p:sldId id="274" r:id="rId23"/>
+    <p:sldId id="275" r:id="rId24"/>
+    <p:sldId id="276" r:id="rId25"/>
+    <p:sldId id="277" r:id="rId26"/>
+    <p:sldId id="278" r:id="rId27"/>
+    <p:sldId id="281" r:id="rId28"/>
   </p:sldIdLst>
   <p:sldSz cx="9144000" cy="5143500" type="screen16x9"/>
   <p:notesSz cx="6858000" cy="9144000"/>
@@ -1597,6 +1606,250 @@
 </p:notes>
 </file>
 
+<file path=ppt/notesSlides/notesSlide18.xml><?xml version="1.0" encoding="utf-8"?>
+<p:notes xmlns:a="http://schemas.openxmlformats.org/drawingml/2006/main" xmlns:r="http://schemas.openxmlformats.org/officeDocument/2006/relationships" xmlns:p="http://schemas.openxmlformats.org/presentationml/2006/main" showMasterSp="0" showMasterPhAnim="0">
+  <p:cSld>
+    <p:spTree>
+      <p:nvGrpSpPr>
+        <p:cNvPr id="1" name="Shape 196"/>
+        <p:cNvGrpSpPr/>
+        <p:nvPr/>
+      </p:nvGrpSpPr>
+      <p:grpSpPr>
+        <a:xfrm>
+          <a:off x="0" y="0"/>
+          <a:ext cx="0" cy="0"/>
+          <a:chOff x="0" y="0"/>
+          <a:chExt cx="0" cy="0"/>
+        </a:xfrm>
+      </p:grpSpPr>
+      <p:sp>
+        <p:nvSpPr>
+          <p:cNvPr id="197" name="Shape 197"/>
+          <p:cNvSpPr>
+            <a:spLocks noGrp="1" noRot="1" noChangeAspect="1"/>
+          </p:cNvSpPr>
+          <p:nvPr>
+            <p:ph type="sldImg" idx="2"/>
+          </p:nvPr>
+        </p:nvSpPr>
+        <p:spPr>
+          <a:xfrm>
+            <a:off x="381000" y="685800"/>
+            <a:ext cx="6096000" cy="3429000"/>
+          </a:xfrm>
+          <a:custGeom>
+            <a:avLst/>
+            <a:gdLst/>
+            <a:ahLst/>
+            <a:cxnLst/>
+            <a:rect l="0" t="0" r="0" b="0"/>
+            <a:pathLst>
+              <a:path w="120000" h="120000" extrusionOk="0">
+                <a:moveTo>
+                  <a:pt x="0" y="0"/>
+                </a:moveTo>
+                <a:lnTo>
+                  <a:pt x="120000" y="0"/>
+                </a:lnTo>
+                <a:lnTo>
+                  <a:pt x="120000" y="120000"/>
+                </a:lnTo>
+                <a:lnTo>
+                  <a:pt x="0" y="120000"/>
+                </a:lnTo>
+                <a:close/>
+              </a:path>
+            </a:pathLst>
+          </a:custGeom>
+          <a:noFill/>
+          <a:ln w="9525" cap="flat" cmpd="sng">
+            <a:solidFill>
+              <a:srgbClr val="000000"/>
+            </a:solidFill>
+            <a:prstDash val="solid"/>
+            <a:round/>
+            <a:headEnd type="none" w="med" len="med"/>
+            <a:tailEnd type="none" w="med" len="med"/>
+          </a:ln>
+        </p:spPr>
+      </p:sp>
+      <p:sp>
+        <p:nvSpPr>
+          <p:cNvPr id="198" name="Shape 198"/>
+          <p:cNvSpPr txBox="1">
+            <a:spLocks noGrp="1"/>
+          </p:cNvSpPr>
+          <p:nvPr>
+            <p:ph type="body" idx="1"/>
+          </p:nvPr>
+        </p:nvSpPr>
+        <p:spPr>
+          <a:xfrm>
+            <a:off x="685800" y="4343400"/>
+            <a:ext cx="5486399" cy="4114800"/>
+          </a:xfrm>
+          <a:prstGeom prst="rect">
+            <a:avLst/>
+          </a:prstGeom>
+          <a:noFill/>
+          <a:ln>
+            <a:noFill/>
+          </a:ln>
+        </p:spPr>
+        <p:txBody>
+          <a:bodyPr lIns="91425" tIns="91425" rIns="91425" bIns="91425" anchor="t" anchorCtr="0">
+            <a:noAutofit/>
+          </a:bodyPr>
+          <a:lstStyle/>
+          <a:p>
+            <a:pPr marL="0" marR="0" lvl="0" indent="0" algn="l" rtl="0">
+              <a:spcBef>
+                <a:spcPts val="0"/>
+              </a:spcBef>
+              <a:buSzPct val="25000"/>
+              <a:buFont typeface="Arial"/>
+              <a:buNone/>
+            </a:pPr>
+            <a:endParaRPr sz="1100" b="0" i="0" u="none" strike="noStrike" cap="none" dirty="0"/>
+          </a:p>
+        </p:txBody>
+      </p:sp>
+    </p:spTree>
+    <p:extLst>
+      <p:ext uri="{BB962C8B-B14F-4D97-AF65-F5344CB8AC3E}">
+        <p14:creationId xmlns:p14="http://schemas.microsoft.com/office/powerpoint/2010/main" val="485560280"/>
+      </p:ext>
+    </p:extLst>
+  </p:cSld>
+  <p:clrMapOvr>
+    <a:masterClrMapping/>
+  </p:clrMapOvr>
+</p:notes>
+</file>
+
+<file path=ppt/notesSlides/notesSlide19.xml><?xml version="1.0" encoding="utf-8"?>
+<p:notes xmlns:a="http://schemas.openxmlformats.org/drawingml/2006/main" xmlns:r="http://schemas.openxmlformats.org/officeDocument/2006/relationships" xmlns:p="http://schemas.openxmlformats.org/presentationml/2006/main" showMasterSp="0" showMasterPhAnim="0">
+  <p:cSld>
+    <p:spTree>
+      <p:nvGrpSpPr>
+        <p:cNvPr id="1" name="Shape 196"/>
+        <p:cNvGrpSpPr/>
+        <p:nvPr/>
+      </p:nvGrpSpPr>
+      <p:grpSpPr>
+        <a:xfrm>
+          <a:off x="0" y="0"/>
+          <a:ext cx="0" cy="0"/>
+          <a:chOff x="0" y="0"/>
+          <a:chExt cx="0" cy="0"/>
+        </a:xfrm>
+      </p:grpSpPr>
+      <p:sp>
+        <p:nvSpPr>
+          <p:cNvPr id="197" name="Shape 197"/>
+          <p:cNvSpPr>
+            <a:spLocks noGrp="1" noRot="1" noChangeAspect="1"/>
+          </p:cNvSpPr>
+          <p:nvPr>
+            <p:ph type="sldImg" idx="2"/>
+          </p:nvPr>
+        </p:nvSpPr>
+        <p:spPr>
+          <a:xfrm>
+            <a:off x="381000" y="685800"/>
+            <a:ext cx="6096000" cy="3429000"/>
+          </a:xfrm>
+          <a:custGeom>
+            <a:avLst/>
+            <a:gdLst/>
+            <a:ahLst/>
+            <a:cxnLst/>
+            <a:rect l="0" t="0" r="0" b="0"/>
+            <a:pathLst>
+              <a:path w="120000" h="120000" extrusionOk="0">
+                <a:moveTo>
+                  <a:pt x="0" y="0"/>
+                </a:moveTo>
+                <a:lnTo>
+                  <a:pt x="120000" y="0"/>
+                </a:lnTo>
+                <a:lnTo>
+                  <a:pt x="120000" y="120000"/>
+                </a:lnTo>
+                <a:lnTo>
+                  <a:pt x="0" y="120000"/>
+                </a:lnTo>
+                <a:close/>
+              </a:path>
+            </a:pathLst>
+          </a:custGeom>
+          <a:noFill/>
+          <a:ln w="9525" cap="flat" cmpd="sng">
+            <a:solidFill>
+              <a:srgbClr val="000000"/>
+            </a:solidFill>
+            <a:prstDash val="solid"/>
+            <a:round/>
+            <a:headEnd type="none" w="med" len="med"/>
+            <a:tailEnd type="none" w="med" len="med"/>
+          </a:ln>
+        </p:spPr>
+      </p:sp>
+      <p:sp>
+        <p:nvSpPr>
+          <p:cNvPr id="198" name="Shape 198"/>
+          <p:cNvSpPr txBox="1">
+            <a:spLocks noGrp="1"/>
+          </p:cNvSpPr>
+          <p:nvPr>
+            <p:ph type="body" idx="1"/>
+          </p:nvPr>
+        </p:nvSpPr>
+        <p:spPr>
+          <a:xfrm>
+            <a:off x="685800" y="4343400"/>
+            <a:ext cx="5486399" cy="4114800"/>
+          </a:xfrm>
+          <a:prstGeom prst="rect">
+            <a:avLst/>
+          </a:prstGeom>
+          <a:noFill/>
+          <a:ln>
+            <a:noFill/>
+          </a:ln>
+        </p:spPr>
+        <p:txBody>
+          <a:bodyPr lIns="91425" tIns="91425" rIns="91425" bIns="91425" anchor="t" anchorCtr="0">
+            <a:noAutofit/>
+          </a:bodyPr>
+          <a:lstStyle/>
+          <a:p>
+            <a:pPr marL="0" marR="0" lvl="0" indent="0" algn="l" rtl="0">
+              <a:spcBef>
+                <a:spcPts val="0"/>
+              </a:spcBef>
+              <a:buSzPct val="25000"/>
+              <a:buFont typeface="Arial"/>
+              <a:buNone/>
+            </a:pPr>
+            <a:endParaRPr sz="1100" b="0" i="0" u="none" strike="noStrike" cap="none" dirty="0"/>
+          </a:p>
+        </p:txBody>
+      </p:sp>
+    </p:spTree>
+    <p:extLst>
+      <p:ext uri="{BB962C8B-B14F-4D97-AF65-F5344CB8AC3E}">
+        <p14:creationId xmlns:p14="http://schemas.microsoft.com/office/powerpoint/2010/main" val="269441500"/>
+      </p:ext>
+    </p:extLst>
+  </p:cSld>
+  <p:clrMapOvr>
+    <a:masterClrMapping/>
+  </p:clrMapOvr>
+</p:notes>
+</file>
+
 <file path=ppt/notesSlides/notesSlide2.xml><?xml version="1.0" encoding="utf-8"?>
 <p:notes xmlns:a="http://schemas.openxmlformats.org/drawingml/2006/main" xmlns:r="http://schemas.openxmlformats.org/officeDocument/2006/relationships" xmlns:p="http://schemas.openxmlformats.org/presentationml/2006/main" showMasterSp="0" showMasterPhAnim="0">
   <p:cSld>
@@ -1710,6 +1963,860 @@
     <p:extLst>
       <p:ext uri="{BB962C8B-B14F-4D97-AF65-F5344CB8AC3E}">
         <p14:creationId xmlns:p14="http://schemas.microsoft.com/office/powerpoint/2010/main" val="243268139"/>
+      </p:ext>
+    </p:extLst>
+  </p:cSld>
+  <p:clrMapOvr>
+    <a:masterClrMapping/>
+  </p:clrMapOvr>
+</p:notes>
+</file>
+
+<file path=ppt/notesSlides/notesSlide20.xml><?xml version="1.0" encoding="utf-8"?>
+<p:notes xmlns:a="http://schemas.openxmlformats.org/drawingml/2006/main" xmlns:r="http://schemas.openxmlformats.org/officeDocument/2006/relationships" xmlns:p="http://schemas.openxmlformats.org/presentationml/2006/main" showMasterSp="0" showMasterPhAnim="0">
+  <p:cSld>
+    <p:spTree>
+      <p:nvGrpSpPr>
+        <p:cNvPr id="1" name="Shape 196"/>
+        <p:cNvGrpSpPr/>
+        <p:nvPr/>
+      </p:nvGrpSpPr>
+      <p:grpSpPr>
+        <a:xfrm>
+          <a:off x="0" y="0"/>
+          <a:ext cx="0" cy="0"/>
+          <a:chOff x="0" y="0"/>
+          <a:chExt cx="0" cy="0"/>
+        </a:xfrm>
+      </p:grpSpPr>
+      <p:sp>
+        <p:nvSpPr>
+          <p:cNvPr id="197" name="Shape 197"/>
+          <p:cNvSpPr>
+            <a:spLocks noGrp="1" noRot="1" noChangeAspect="1"/>
+          </p:cNvSpPr>
+          <p:nvPr>
+            <p:ph type="sldImg" idx="2"/>
+          </p:nvPr>
+        </p:nvSpPr>
+        <p:spPr>
+          <a:xfrm>
+            <a:off x="381000" y="685800"/>
+            <a:ext cx="6096000" cy="3429000"/>
+          </a:xfrm>
+          <a:custGeom>
+            <a:avLst/>
+            <a:gdLst/>
+            <a:ahLst/>
+            <a:cxnLst/>
+            <a:rect l="0" t="0" r="0" b="0"/>
+            <a:pathLst>
+              <a:path w="120000" h="120000" extrusionOk="0">
+                <a:moveTo>
+                  <a:pt x="0" y="0"/>
+                </a:moveTo>
+                <a:lnTo>
+                  <a:pt x="120000" y="0"/>
+                </a:lnTo>
+                <a:lnTo>
+                  <a:pt x="120000" y="120000"/>
+                </a:lnTo>
+                <a:lnTo>
+                  <a:pt x="0" y="120000"/>
+                </a:lnTo>
+                <a:close/>
+              </a:path>
+            </a:pathLst>
+          </a:custGeom>
+          <a:noFill/>
+          <a:ln w="9525" cap="flat" cmpd="sng">
+            <a:solidFill>
+              <a:srgbClr val="000000"/>
+            </a:solidFill>
+            <a:prstDash val="solid"/>
+            <a:round/>
+            <a:headEnd type="none" w="med" len="med"/>
+            <a:tailEnd type="none" w="med" len="med"/>
+          </a:ln>
+        </p:spPr>
+      </p:sp>
+      <p:sp>
+        <p:nvSpPr>
+          <p:cNvPr id="198" name="Shape 198"/>
+          <p:cNvSpPr txBox="1">
+            <a:spLocks noGrp="1"/>
+          </p:cNvSpPr>
+          <p:nvPr>
+            <p:ph type="body" idx="1"/>
+          </p:nvPr>
+        </p:nvSpPr>
+        <p:spPr>
+          <a:xfrm>
+            <a:off x="685800" y="4343400"/>
+            <a:ext cx="5486399" cy="4114800"/>
+          </a:xfrm>
+          <a:prstGeom prst="rect">
+            <a:avLst/>
+          </a:prstGeom>
+          <a:noFill/>
+          <a:ln>
+            <a:noFill/>
+          </a:ln>
+        </p:spPr>
+        <p:txBody>
+          <a:bodyPr lIns="91425" tIns="91425" rIns="91425" bIns="91425" anchor="t" anchorCtr="0">
+            <a:noAutofit/>
+          </a:bodyPr>
+          <a:lstStyle/>
+          <a:p>
+            <a:pPr marL="0" marR="0" lvl="0" indent="0" algn="l" rtl="0">
+              <a:spcBef>
+                <a:spcPts val="0"/>
+              </a:spcBef>
+              <a:buSzPct val="25000"/>
+              <a:buFont typeface="Arial"/>
+              <a:buNone/>
+            </a:pPr>
+            <a:endParaRPr sz="1100" b="0" i="0" u="none" strike="noStrike" cap="none" dirty="0"/>
+          </a:p>
+        </p:txBody>
+      </p:sp>
+    </p:spTree>
+    <p:extLst>
+      <p:ext uri="{BB962C8B-B14F-4D97-AF65-F5344CB8AC3E}">
+        <p14:creationId xmlns:p14="http://schemas.microsoft.com/office/powerpoint/2010/main" val="1239036029"/>
+      </p:ext>
+    </p:extLst>
+  </p:cSld>
+  <p:clrMapOvr>
+    <a:masterClrMapping/>
+  </p:clrMapOvr>
+</p:notes>
+</file>
+
+<file path=ppt/notesSlides/notesSlide21.xml><?xml version="1.0" encoding="utf-8"?>
+<p:notes xmlns:a="http://schemas.openxmlformats.org/drawingml/2006/main" xmlns:r="http://schemas.openxmlformats.org/officeDocument/2006/relationships" xmlns:p="http://schemas.openxmlformats.org/presentationml/2006/main" showMasterSp="0" showMasterPhAnim="0">
+  <p:cSld>
+    <p:spTree>
+      <p:nvGrpSpPr>
+        <p:cNvPr id="1" name="Shape 196"/>
+        <p:cNvGrpSpPr/>
+        <p:nvPr/>
+      </p:nvGrpSpPr>
+      <p:grpSpPr>
+        <a:xfrm>
+          <a:off x="0" y="0"/>
+          <a:ext cx="0" cy="0"/>
+          <a:chOff x="0" y="0"/>
+          <a:chExt cx="0" cy="0"/>
+        </a:xfrm>
+      </p:grpSpPr>
+      <p:sp>
+        <p:nvSpPr>
+          <p:cNvPr id="197" name="Shape 197"/>
+          <p:cNvSpPr>
+            <a:spLocks noGrp="1" noRot="1" noChangeAspect="1"/>
+          </p:cNvSpPr>
+          <p:nvPr>
+            <p:ph type="sldImg" idx="2"/>
+          </p:nvPr>
+        </p:nvSpPr>
+        <p:spPr>
+          <a:xfrm>
+            <a:off x="381000" y="685800"/>
+            <a:ext cx="6096000" cy="3429000"/>
+          </a:xfrm>
+          <a:custGeom>
+            <a:avLst/>
+            <a:gdLst/>
+            <a:ahLst/>
+            <a:cxnLst/>
+            <a:rect l="0" t="0" r="0" b="0"/>
+            <a:pathLst>
+              <a:path w="120000" h="120000" extrusionOk="0">
+                <a:moveTo>
+                  <a:pt x="0" y="0"/>
+                </a:moveTo>
+                <a:lnTo>
+                  <a:pt x="120000" y="0"/>
+                </a:lnTo>
+                <a:lnTo>
+                  <a:pt x="120000" y="120000"/>
+                </a:lnTo>
+                <a:lnTo>
+                  <a:pt x="0" y="120000"/>
+                </a:lnTo>
+                <a:close/>
+              </a:path>
+            </a:pathLst>
+          </a:custGeom>
+          <a:noFill/>
+          <a:ln w="9525" cap="flat" cmpd="sng">
+            <a:solidFill>
+              <a:srgbClr val="000000"/>
+            </a:solidFill>
+            <a:prstDash val="solid"/>
+            <a:round/>
+            <a:headEnd type="none" w="med" len="med"/>
+            <a:tailEnd type="none" w="med" len="med"/>
+          </a:ln>
+        </p:spPr>
+      </p:sp>
+      <p:sp>
+        <p:nvSpPr>
+          <p:cNvPr id="198" name="Shape 198"/>
+          <p:cNvSpPr txBox="1">
+            <a:spLocks noGrp="1"/>
+          </p:cNvSpPr>
+          <p:nvPr>
+            <p:ph type="body" idx="1"/>
+          </p:nvPr>
+        </p:nvSpPr>
+        <p:spPr>
+          <a:xfrm>
+            <a:off x="685800" y="4343400"/>
+            <a:ext cx="5486399" cy="4114800"/>
+          </a:xfrm>
+          <a:prstGeom prst="rect">
+            <a:avLst/>
+          </a:prstGeom>
+          <a:noFill/>
+          <a:ln>
+            <a:noFill/>
+          </a:ln>
+        </p:spPr>
+        <p:txBody>
+          <a:bodyPr lIns="91425" tIns="91425" rIns="91425" bIns="91425" anchor="t" anchorCtr="0">
+            <a:noAutofit/>
+          </a:bodyPr>
+          <a:lstStyle/>
+          <a:p>
+            <a:pPr marL="0" marR="0" lvl="0" indent="0" algn="l" rtl="0">
+              <a:spcBef>
+                <a:spcPts val="0"/>
+              </a:spcBef>
+              <a:buSzPct val="25000"/>
+              <a:buFont typeface="Arial"/>
+              <a:buNone/>
+            </a:pPr>
+            <a:endParaRPr sz="1100" b="0" i="0" u="none" strike="noStrike" cap="none" dirty="0"/>
+          </a:p>
+        </p:txBody>
+      </p:sp>
+    </p:spTree>
+    <p:extLst>
+      <p:ext uri="{BB962C8B-B14F-4D97-AF65-F5344CB8AC3E}">
+        <p14:creationId xmlns:p14="http://schemas.microsoft.com/office/powerpoint/2010/main" val="1194953865"/>
+      </p:ext>
+    </p:extLst>
+  </p:cSld>
+  <p:clrMapOvr>
+    <a:masterClrMapping/>
+  </p:clrMapOvr>
+</p:notes>
+</file>
+
+<file path=ppt/notesSlides/notesSlide22.xml><?xml version="1.0" encoding="utf-8"?>
+<p:notes xmlns:a="http://schemas.openxmlformats.org/drawingml/2006/main" xmlns:r="http://schemas.openxmlformats.org/officeDocument/2006/relationships" xmlns:p="http://schemas.openxmlformats.org/presentationml/2006/main" showMasterSp="0" showMasterPhAnim="0">
+  <p:cSld>
+    <p:spTree>
+      <p:nvGrpSpPr>
+        <p:cNvPr id="1" name="Shape 196"/>
+        <p:cNvGrpSpPr/>
+        <p:nvPr/>
+      </p:nvGrpSpPr>
+      <p:grpSpPr>
+        <a:xfrm>
+          <a:off x="0" y="0"/>
+          <a:ext cx="0" cy="0"/>
+          <a:chOff x="0" y="0"/>
+          <a:chExt cx="0" cy="0"/>
+        </a:xfrm>
+      </p:grpSpPr>
+      <p:sp>
+        <p:nvSpPr>
+          <p:cNvPr id="197" name="Shape 197"/>
+          <p:cNvSpPr>
+            <a:spLocks noGrp="1" noRot="1" noChangeAspect="1"/>
+          </p:cNvSpPr>
+          <p:nvPr>
+            <p:ph type="sldImg" idx="2"/>
+          </p:nvPr>
+        </p:nvSpPr>
+        <p:spPr>
+          <a:xfrm>
+            <a:off x="381000" y="685800"/>
+            <a:ext cx="6096000" cy="3429000"/>
+          </a:xfrm>
+          <a:custGeom>
+            <a:avLst/>
+            <a:gdLst/>
+            <a:ahLst/>
+            <a:cxnLst/>
+            <a:rect l="0" t="0" r="0" b="0"/>
+            <a:pathLst>
+              <a:path w="120000" h="120000" extrusionOk="0">
+                <a:moveTo>
+                  <a:pt x="0" y="0"/>
+                </a:moveTo>
+                <a:lnTo>
+                  <a:pt x="120000" y="0"/>
+                </a:lnTo>
+                <a:lnTo>
+                  <a:pt x="120000" y="120000"/>
+                </a:lnTo>
+                <a:lnTo>
+                  <a:pt x="0" y="120000"/>
+                </a:lnTo>
+                <a:close/>
+              </a:path>
+            </a:pathLst>
+          </a:custGeom>
+          <a:noFill/>
+          <a:ln w="9525" cap="flat" cmpd="sng">
+            <a:solidFill>
+              <a:srgbClr val="000000"/>
+            </a:solidFill>
+            <a:prstDash val="solid"/>
+            <a:round/>
+            <a:headEnd type="none" w="med" len="med"/>
+            <a:tailEnd type="none" w="med" len="med"/>
+          </a:ln>
+        </p:spPr>
+      </p:sp>
+      <p:sp>
+        <p:nvSpPr>
+          <p:cNvPr id="198" name="Shape 198"/>
+          <p:cNvSpPr txBox="1">
+            <a:spLocks noGrp="1"/>
+          </p:cNvSpPr>
+          <p:nvPr>
+            <p:ph type="body" idx="1"/>
+          </p:nvPr>
+        </p:nvSpPr>
+        <p:spPr>
+          <a:xfrm>
+            <a:off x="685800" y="4343400"/>
+            <a:ext cx="5486399" cy="4114800"/>
+          </a:xfrm>
+          <a:prstGeom prst="rect">
+            <a:avLst/>
+          </a:prstGeom>
+          <a:noFill/>
+          <a:ln>
+            <a:noFill/>
+          </a:ln>
+        </p:spPr>
+        <p:txBody>
+          <a:bodyPr lIns="91425" tIns="91425" rIns="91425" bIns="91425" anchor="t" anchorCtr="0">
+            <a:noAutofit/>
+          </a:bodyPr>
+          <a:lstStyle/>
+          <a:p>
+            <a:pPr marL="0" marR="0" lvl="0" indent="0" algn="l" rtl="0">
+              <a:spcBef>
+                <a:spcPts val="0"/>
+              </a:spcBef>
+              <a:buSzPct val="25000"/>
+              <a:buFont typeface="Arial"/>
+              <a:buNone/>
+            </a:pPr>
+            <a:endParaRPr sz="1100" b="0" i="0" u="none" strike="noStrike" cap="none" dirty="0"/>
+          </a:p>
+        </p:txBody>
+      </p:sp>
+    </p:spTree>
+    <p:extLst>
+      <p:ext uri="{BB962C8B-B14F-4D97-AF65-F5344CB8AC3E}">
+        <p14:creationId xmlns:p14="http://schemas.microsoft.com/office/powerpoint/2010/main" val="1947346619"/>
+      </p:ext>
+    </p:extLst>
+  </p:cSld>
+  <p:clrMapOvr>
+    <a:masterClrMapping/>
+  </p:clrMapOvr>
+</p:notes>
+</file>
+
+<file path=ppt/notesSlides/notesSlide23.xml><?xml version="1.0" encoding="utf-8"?>
+<p:notes xmlns:a="http://schemas.openxmlformats.org/drawingml/2006/main" xmlns:r="http://schemas.openxmlformats.org/officeDocument/2006/relationships" xmlns:p="http://schemas.openxmlformats.org/presentationml/2006/main" showMasterSp="0" showMasterPhAnim="0">
+  <p:cSld>
+    <p:spTree>
+      <p:nvGrpSpPr>
+        <p:cNvPr id="1" name="Shape 196"/>
+        <p:cNvGrpSpPr/>
+        <p:nvPr/>
+      </p:nvGrpSpPr>
+      <p:grpSpPr>
+        <a:xfrm>
+          <a:off x="0" y="0"/>
+          <a:ext cx="0" cy="0"/>
+          <a:chOff x="0" y="0"/>
+          <a:chExt cx="0" cy="0"/>
+        </a:xfrm>
+      </p:grpSpPr>
+      <p:sp>
+        <p:nvSpPr>
+          <p:cNvPr id="197" name="Shape 197"/>
+          <p:cNvSpPr>
+            <a:spLocks noGrp="1" noRot="1" noChangeAspect="1"/>
+          </p:cNvSpPr>
+          <p:nvPr>
+            <p:ph type="sldImg" idx="2"/>
+          </p:nvPr>
+        </p:nvSpPr>
+        <p:spPr>
+          <a:xfrm>
+            <a:off x="381000" y="685800"/>
+            <a:ext cx="6096000" cy="3429000"/>
+          </a:xfrm>
+          <a:custGeom>
+            <a:avLst/>
+            <a:gdLst/>
+            <a:ahLst/>
+            <a:cxnLst/>
+            <a:rect l="0" t="0" r="0" b="0"/>
+            <a:pathLst>
+              <a:path w="120000" h="120000" extrusionOk="0">
+                <a:moveTo>
+                  <a:pt x="0" y="0"/>
+                </a:moveTo>
+                <a:lnTo>
+                  <a:pt x="120000" y="0"/>
+                </a:lnTo>
+                <a:lnTo>
+                  <a:pt x="120000" y="120000"/>
+                </a:lnTo>
+                <a:lnTo>
+                  <a:pt x="0" y="120000"/>
+                </a:lnTo>
+                <a:close/>
+              </a:path>
+            </a:pathLst>
+          </a:custGeom>
+          <a:noFill/>
+          <a:ln w="9525" cap="flat" cmpd="sng">
+            <a:solidFill>
+              <a:srgbClr val="000000"/>
+            </a:solidFill>
+            <a:prstDash val="solid"/>
+            <a:round/>
+            <a:headEnd type="none" w="med" len="med"/>
+            <a:tailEnd type="none" w="med" len="med"/>
+          </a:ln>
+        </p:spPr>
+      </p:sp>
+      <p:sp>
+        <p:nvSpPr>
+          <p:cNvPr id="198" name="Shape 198"/>
+          <p:cNvSpPr txBox="1">
+            <a:spLocks noGrp="1"/>
+          </p:cNvSpPr>
+          <p:nvPr>
+            <p:ph type="body" idx="1"/>
+          </p:nvPr>
+        </p:nvSpPr>
+        <p:spPr>
+          <a:xfrm>
+            <a:off x="685800" y="4343400"/>
+            <a:ext cx="5486399" cy="4114800"/>
+          </a:xfrm>
+          <a:prstGeom prst="rect">
+            <a:avLst/>
+          </a:prstGeom>
+          <a:noFill/>
+          <a:ln>
+            <a:noFill/>
+          </a:ln>
+        </p:spPr>
+        <p:txBody>
+          <a:bodyPr lIns="91425" tIns="91425" rIns="91425" bIns="91425" anchor="t" anchorCtr="0">
+            <a:noAutofit/>
+          </a:bodyPr>
+          <a:lstStyle/>
+          <a:p>
+            <a:pPr marL="0" marR="0" lvl="0" indent="0" algn="l" rtl="0">
+              <a:spcBef>
+                <a:spcPts val="0"/>
+              </a:spcBef>
+              <a:buSzPct val="25000"/>
+              <a:buFont typeface="Arial"/>
+              <a:buNone/>
+            </a:pPr>
+            <a:endParaRPr sz="1100" b="0" i="0" u="none" strike="noStrike" cap="none" dirty="0"/>
+          </a:p>
+        </p:txBody>
+      </p:sp>
+    </p:spTree>
+    <p:extLst>
+      <p:ext uri="{BB962C8B-B14F-4D97-AF65-F5344CB8AC3E}">
+        <p14:creationId xmlns:p14="http://schemas.microsoft.com/office/powerpoint/2010/main" val="1063958031"/>
+      </p:ext>
+    </p:extLst>
+  </p:cSld>
+  <p:clrMapOvr>
+    <a:masterClrMapping/>
+  </p:clrMapOvr>
+</p:notes>
+</file>
+
+<file path=ppt/notesSlides/notesSlide24.xml><?xml version="1.0" encoding="utf-8"?>
+<p:notes xmlns:a="http://schemas.openxmlformats.org/drawingml/2006/main" xmlns:r="http://schemas.openxmlformats.org/officeDocument/2006/relationships" xmlns:p="http://schemas.openxmlformats.org/presentationml/2006/main" showMasterSp="0" showMasterPhAnim="0">
+  <p:cSld>
+    <p:spTree>
+      <p:nvGrpSpPr>
+        <p:cNvPr id="1" name="Shape 196"/>
+        <p:cNvGrpSpPr/>
+        <p:nvPr/>
+      </p:nvGrpSpPr>
+      <p:grpSpPr>
+        <a:xfrm>
+          <a:off x="0" y="0"/>
+          <a:ext cx="0" cy="0"/>
+          <a:chOff x="0" y="0"/>
+          <a:chExt cx="0" cy="0"/>
+        </a:xfrm>
+      </p:grpSpPr>
+      <p:sp>
+        <p:nvSpPr>
+          <p:cNvPr id="197" name="Shape 197"/>
+          <p:cNvSpPr>
+            <a:spLocks noGrp="1" noRot="1" noChangeAspect="1"/>
+          </p:cNvSpPr>
+          <p:nvPr>
+            <p:ph type="sldImg" idx="2"/>
+          </p:nvPr>
+        </p:nvSpPr>
+        <p:spPr>
+          <a:xfrm>
+            <a:off x="381000" y="685800"/>
+            <a:ext cx="6096000" cy="3429000"/>
+          </a:xfrm>
+          <a:custGeom>
+            <a:avLst/>
+            <a:gdLst/>
+            <a:ahLst/>
+            <a:cxnLst/>
+            <a:rect l="0" t="0" r="0" b="0"/>
+            <a:pathLst>
+              <a:path w="120000" h="120000" extrusionOk="0">
+                <a:moveTo>
+                  <a:pt x="0" y="0"/>
+                </a:moveTo>
+                <a:lnTo>
+                  <a:pt x="120000" y="0"/>
+                </a:lnTo>
+                <a:lnTo>
+                  <a:pt x="120000" y="120000"/>
+                </a:lnTo>
+                <a:lnTo>
+                  <a:pt x="0" y="120000"/>
+                </a:lnTo>
+                <a:close/>
+              </a:path>
+            </a:pathLst>
+          </a:custGeom>
+          <a:noFill/>
+          <a:ln w="9525" cap="flat" cmpd="sng">
+            <a:solidFill>
+              <a:srgbClr val="000000"/>
+            </a:solidFill>
+            <a:prstDash val="solid"/>
+            <a:round/>
+            <a:headEnd type="none" w="med" len="med"/>
+            <a:tailEnd type="none" w="med" len="med"/>
+          </a:ln>
+        </p:spPr>
+      </p:sp>
+      <p:sp>
+        <p:nvSpPr>
+          <p:cNvPr id="198" name="Shape 198"/>
+          <p:cNvSpPr txBox="1">
+            <a:spLocks noGrp="1"/>
+          </p:cNvSpPr>
+          <p:nvPr>
+            <p:ph type="body" idx="1"/>
+          </p:nvPr>
+        </p:nvSpPr>
+        <p:spPr>
+          <a:xfrm>
+            <a:off x="685800" y="4343400"/>
+            <a:ext cx="5486399" cy="4114800"/>
+          </a:xfrm>
+          <a:prstGeom prst="rect">
+            <a:avLst/>
+          </a:prstGeom>
+          <a:noFill/>
+          <a:ln>
+            <a:noFill/>
+          </a:ln>
+        </p:spPr>
+        <p:txBody>
+          <a:bodyPr lIns="91425" tIns="91425" rIns="91425" bIns="91425" anchor="t" anchorCtr="0">
+            <a:noAutofit/>
+          </a:bodyPr>
+          <a:lstStyle/>
+          <a:p>
+            <a:pPr marL="0" marR="0" lvl="0" indent="0" algn="l" rtl="0">
+              <a:spcBef>
+                <a:spcPts val="0"/>
+              </a:spcBef>
+              <a:buSzPct val="25000"/>
+              <a:buFont typeface="Arial"/>
+              <a:buNone/>
+            </a:pPr>
+            <a:endParaRPr sz="1100" b="0" i="0" u="none" strike="noStrike" cap="none" dirty="0"/>
+          </a:p>
+        </p:txBody>
+      </p:sp>
+    </p:spTree>
+    <p:extLst>
+      <p:ext uri="{BB962C8B-B14F-4D97-AF65-F5344CB8AC3E}">
+        <p14:creationId xmlns:p14="http://schemas.microsoft.com/office/powerpoint/2010/main" val="2007905771"/>
+      </p:ext>
+    </p:extLst>
+  </p:cSld>
+  <p:clrMapOvr>
+    <a:masterClrMapping/>
+  </p:clrMapOvr>
+</p:notes>
+</file>
+
+<file path=ppt/notesSlides/notesSlide25.xml><?xml version="1.0" encoding="utf-8"?>
+<p:notes xmlns:a="http://schemas.openxmlformats.org/drawingml/2006/main" xmlns:r="http://schemas.openxmlformats.org/officeDocument/2006/relationships" xmlns:p="http://schemas.openxmlformats.org/presentationml/2006/main" showMasterSp="0" showMasterPhAnim="0">
+  <p:cSld>
+    <p:spTree>
+      <p:nvGrpSpPr>
+        <p:cNvPr id="1" name="Shape 196"/>
+        <p:cNvGrpSpPr/>
+        <p:nvPr/>
+      </p:nvGrpSpPr>
+      <p:grpSpPr>
+        <a:xfrm>
+          <a:off x="0" y="0"/>
+          <a:ext cx="0" cy="0"/>
+          <a:chOff x="0" y="0"/>
+          <a:chExt cx="0" cy="0"/>
+        </a:xfrm>
+      </p:grpSpPr>
+      <p:sp>
+        <p:nvSpPr>
+          <p:cNvPr id="197" name="Shape 197"/>
+          <p:cNvSpPr>
+            <a:spLocks noGrp="1" noRot="1" noChangeAspect="1"/>
+          </p:cNvSpPr>
+          <p:nvPr>
+            <p:ph type="sldImg" idx="2"/>
+          </p:nvPr>
+        </p:nvSpPr>
+        <p:spPr>
+          <a:xfrm>
+            <a:off x="381000" y="685800"/>
+            <a:ext cx="6096000" cy="3429000"/>
+          </a:xfrm>
+          <a:custGeom>
+            <a:avLst/>
+            <a:gdLst/>
+            <a:ahLst/>
+            <a:cxnLst/>
+            <a:rect l="0" t="0" r="0" b="0"/>
+            <a:pathLst>
+              <a:path w="120000" h="120000" extrusionOk="0">
+                <a:moveTo>
+                  <a:pt x="0" y="0"/>
+                </a:moveTo>
+                <a:lnTo>
+                  <a:pt x="120000" y="0"/>
+                </a:lnTo>
+                <a:lnTo>
+                  <a:pt x="120000" y="120000"/>
+                </a:lnTo>
+                <a:lnTo>
+                  <a:pt x="0" y="120000"/>
+                </a:lnTo>
+                <a:close/>
+              </a:path>
+            </a:pathLst>
+          </a:custGeom>
+          <a:noFill/>
+          <a:ln w="9525" cap="flat" cmpd="sng">
+            <a:solidFill>
+              <a:srgbClr val="000000"/>
+            </a:solidFill>
+            <a:prstDash val="solid"/>
+            <a:round/>
+            <a:headEnd type="none" w="med" len="med"/>
+            <a:tailEnd type="none" w="med" len="med"/>
+          </a:ln>
+        </p:spPr>
+      </p:sp>
+      <p:sp>
+        <p:nvSpPr>
+          <p:cNvPr id="198" name="Shape 198"/>
+          <p:cNvSpPr txBox="1">
+            <a:spLocks noGrp="1"/>
+          </p:cNvSpPr>
+          <p:nvPr>
+            <p:ph type="body" idx="1"/>
+          </p:nvPr>
+        </p:nvSpPr>
+        <p:spPr>
+          <a:xfrm>
+            <a:off x="685800" y="4343400"/>
+            <a:ext cx="5486399" cy="4114800"/>
+          </a:xfrm>
+          <a:prstGeom prst="rect">
+            <a:avLst/>
+          </a:prstGeom>
+          <a:noFill/>
+          <a:ln>
+            <a:noFill/>
+          </a:ln>
+        </p:spPr>
+        <p:txBody>
+          <a:bodyPr lIns="91425" tIns="91425" rIns="91425" bIns="91425" anchor="t" anchorCtr="0">
+            <a:noAutofit/>
+          </a:bodyPr>
+          <a:lstStyle/>
+          <a:p>
+            <a:pPr marL="0" marR="0" lvl="0" indent="0" algn="l" rtl="0">
+              <a:spcBef>
+                <a:spcPts val="0"/>
+              </a:spcBef>
+              <a:buSzPct val="25000"/>
+              <a:buFont typeface="Arial"/>
+              <a:buNone/>
+            </a:pPr>
+            <a:endParaRPr sz="1100" b="0" i="0" u="none" strike="noStrike" cap="none" dirty="0"/>
+          </a:p>
+        </p:txBody>
+      </p:sp>
+    </p:spTree>
+    <p:extLst>
+      <p:ext uri="{BB962C8B-B14F-4D97-AF65-F5344CB8AC3E}">
+        <p14:creationId xmlns:p14="http://schemas.microsoft.com/office/powerpoint/2010/main" val="1610120709"/>
+      </p:ext>
+    </p:extLst>
+  </p:cSld>
+  <p:clrMapOvr>
+    <a:masterClrMapping/>
+  </p:clrMapOvr>
+</p:notes>
+</file>
+
+<file path=ppt/notesSlides/notesSlide26.xml><?xml version="1.0" encoding="utf-8"?>
+<p:notes xmlns:a="http://schemas.openxmlformats.org/drawingml/2006/main" xmlns:r="http://schemas.openxmlformats.org/officeDocument/2006/relationships" xmlns:p="http://schemas.openxmlformats.org/presentationml/2006/main" showMasterSp="0" showMasterPhAnim="0">
+  <p:cSld>
+    <p:spTree>
+      <p:nvGrpSpPr>
+        <p:cNvPr id="1" name="Shape 196"/>
+        <p:cNvGrpSpPr/>
+        <p:nvPr/>
+      </p:nvGrpSpPr>
+      <p:grpSpPr>
+        <a:xfrm>
+          <a:off x="0" y="0"/>
+          <a:ext cx="0" cy="0"/>
+          <a:chOff x="0" y="0"/>
+          <a:chExt cx="0" cy="0"/>
+        </a:xfrm>
+      </p:grpSpPr>
+      <p:sp>
+        <p:nvSpPr>
+          <p:cNvPr id="197" name="Shape 197"/>
+          <p:cNvSpPr>
+            <a:spLocks noGrp="1" noRot="1" noChangeAspect="1"/>
+          </p:cNvSpPr>
+          <p:nvPr>
+            <p:ph type="sldImg" idx="2"/>
+          </p:nvPr>
+        </p:nvSpPr>
+        <p:spPr>
+          <a:xfrm>
+            <a:off x="381000" y="685800"/>
+            <a:ext cx="6096000" cy="3429000"/>
+          </a:xfrm>
+          <a:custGeom>
+            <a:avLst/>
+            <a:gdLst/>
+            <a:ahLst/>
+            <a:cxnLst/>
+            <a:rect l="0" t="0" r="0" b="0"/>
+            <a:pathLst>
+              <a:path w="120000" h="120000" extrusionOk="0">
+                <a:moveTo>
+                  <a:pt x="0" y="0"/>
+                </a:moveTo>
+                <a:lnTo>
+                  <a:pt x="120000" y="0"/>
+                </a:lnTo>
+                <a:lnTo>
+                  <a:pt x="120000" y="120000"/>
+                </a:lnTo>
+                <a:lnTo>
+                  <a:pt x="0" y="120000"/>
+                </a:lnTo>
+                <a:close/>
+              </a:path>
+            </a:pathLst>
+          </a:custGeom>
+          <a:noFill/>
+          <a:ln w="9525" cap="flat" cmpd="sng">
+            <a:solidFill>
+              <a:srgbClr val="000000"/>
+            </a:solidFill>
+            <a:prstDash val="solid"/>
+            <a:round/>
+            <a:headEnd type="none" w="med" len="med"/>
+            <a:tailEnd type="none" w="med" len="med"/>
+          </a:ln>
+        </p:spPr>
+      </p:sp>
+      <p:sp>
+        <p:nvSpPr>
+          <p:cNvPr id="198" name="Shape 198"/>
+          <p:cNvSpPr txBox="1">
+            <a:spLocks noGrp="1"/>
+          </p:cNvSpPr>
+          <p:nvPr>
+            <p:ph type="body" idx="1"/>
+          </p:nvPr>
+        </p:nvSpPr>
+        <p:spPr>
+          <a:xfrm>
+            <a:off x="685800" y="4343400"/>
+            <a:ext cx="5486399" cy="4114800"/>
+          </a:xfrm>
+          <a:prstGeom prst="rect">
+            <a:avLst/>
+          </a:prstGeom>
+          <a:noFill/>
+          <a:ln>
+            <a:noFill/>
+          </a:ln>
+        </p:spPr>
+        <p:txBody>
+          <a:bodyPr lIns="91425" tIns="91425" rIns="91425" bIns="91425" anchor="t" anchorCtr="0">
+            <a:noAutofit/>
+          </a:bodyPr>
+          <a:lstStyle/>
+          <a:p>
+            <a:pPr marL="0" marR="0" lvl="0" indent="0" algn="l" rtl="0">
+              <a:spcBef>
+                <a:spcPts val="0"/>
+              </a:spcBef>
+              <a:buSzPct val="25000"/>
+              <a:buFont typeface="Arial"/>
+              <a:buNone/>
+            </a:pPr>
+            <a:endParaRPr sz="1100" b="0" i="0" u="none" strike="noStrike" cap="none" dirty="0"/>
+          </a:p>
+        </p:txBody>
+      </p:sp>
+    </p:spTree>
+    <p:extLst>
+      <p:ext uri="{BB962C8B-B14F-4D97-AF65-F5344CB8AC3E}">
+        <p14:creationId xmlns:p14="http://schemas.microsoft.com/office/powerpoint/2010/main" val="1034949299"/>
       </p:ext>
     </p:extLst>
   </p:cSld>
@@ -15210,67 +16317,6 @@
       </p:grpSpPr>
       <p:sp>
         <p:nvSpPr>
-          <p:cNvPr id="200" name="Shape 200"/>
-          <p:cNvSpPr txBox="1">
-            <a:spLocks noGrp="1"/>
-          </p:cNvSpPr>
-          <p:nvPr>
-            <p:ph type="title"/>
-          </p:nvPr>
-        </p:nvSpPr>
-        <p:spPr>
-          <a:xfrm>
-            <a:off x="311700" y="898775"/>
-            <a:ext cx="8626800" cy="572699"/>
-          </a:xfrm>
-          <a:prstGeom prst="rect">
-            <a:avLst/>
-          </a:prstGeom>
-          <a:noFill/>
-          <a:ln>
-            <a:noFill/>
-          </a:ln>
-        </p:spPr>
-        <p:txBody>
-          <a:bodyPr lIns="91425" tIns="91425" rIns="91425" bIns="91425" anchor="t" anchorCtr="0">
-            <a:noAutofit/>
-          </a:bodyPr>
-          <a:lstStyle/>
-          <a:p>
-            <a:pPr marL="457200" marR="0" lvl="0" indent="-228600" algn="l" rtl="0">
-              <a:lnSpc>
-                <a:spcPct val="100000"/>
-              </a:lnSpc>
-              <a:spcBef>
-                <a:spcPts val="0"/>
-              </a:spcBef>
-              <a:spcAft>
-                <a:spcPts val="0"/>
-              </a:spcAft>
-              <a:buClr>
-                <a:schemeClr val="dk1"/>
-              </a:buClr>
-              <a:buSzPct val="100000"/>
-              <a:buFont typeface="Arial"/>
-              <a:buChar char="❖"/>
-            </a:pPr>
-            <a:r>
-              <a:rPr lang="vi" sz="2800" b="1" i="0" u="none" strike="noStrike" cap="none">
-                <a:solidFill>
-                  <a:schemeClr val="dk1"/>
-                </a:solidFill>
-                <a:latin typeface="Arial"/>
-                <a:ea typeface="Arial"/>
-                <a:cs typeface="Arial"/>
-                <a:sym typeface="Arial"/>
-              </a:rPr>
-              <a:t>Truyền dữ liệu giữa Activity đến Fragment</a:t>
-            </a:r>
-          </a:p>
-        </p:txBody>
-      </p:sp>
-      <p:sp>
-        <p:nvSpPr>
           <p:cNvPr id="201" name="Shape 201"/>
           <p:cNvSpPr txBox="1">
             <a:spLocks noGrp="1"/>
@@ -15298,34 +16344,279 @@
           </a:bodyPr>
           <a:lstStyle/>
           <a:p>
-            <a:pPr marL="457200" marR="0" lvl="0" indent="-393700" algn="l" rtl="0">
-              <a:lnSpc>
-                <a:spcPct val="115000"/>
-              </a:lnSpc>
-              <a:spcBef>
-                <a:spcPts val="0"/>
-              </a:spcBef>
-              <a:spcAft>
-                <a:spcPts val="0"/>
-              </a:spcAft>
-              <a:buClr>
-                <a:schemeClr val="dk2"/>
-              </a:buClr>
+            <a:pPr marL="457200" indent="-393700">
+              <a:spcAft>
+                <a:spcPts val="0"/>
+              </a:spcAft>
               <a:buSzPct val="100000"/>
               <a:buFont typeface="Arial"/>
               <a:buChar char="●"/>
             </a:pPr>
             <a:r>
-              <a:rPr lang="vi" sz="2500" b="0" i="0" u="none" strike="noStrike" cap="none" dirty="0">
-                <a:solidFill>
-                  <a:schemeClr val="dk2"/>
-                </a:solidFill>
-                <a:latin typeface="Arial"/>
-                <a:ea typeface="Arial"/>
-                <a:cs typeface="Arial"/>
-                <a:sym typeface="Arial"/>
-              </a:rPr>
-              <a:t>truyền dữ liệu ở activity:fragment.setArguments(bundle)</a:t>
+              <a:rPr lang="en-US" sz="2800" dirty="0"/>
+              <a:t>add(): </a:t>
+            </a:r>
+            <a:r>
+              <a:rPr lang="en-US" sz="2800" dirty="0" err="1"/>
+              <a:t>là</a:t>
+            </a:r>
+            <a:r>
+              <a:rPr lang="en-US" sz="2800" dirty="0"/>
+              <a:t> </a:t>
+            </a:r>
+            <a:r>
+              <a:rPr lang="en-US" sz="2800" dirty="0" err="1"/>
+              <a:t>thêm</a:t>
+            </a:r>
+            <a:r>
+              <a:rPr lang="en-US" sz="2800" dirty="0"/>
+              <a:t> 1 fragment </a:t>
+            </a:r>
+            <a:r>
+              <a:rPr lang="en-US" sz="2800" dirty="0" err="1"/>
+              <a:t>vào</a:t>
+            </a:r>
+            <a:r>
+              <a:rPr lang="en-US" sz="2800" dirty="0"/>
+              <a:t> 1 View </a:t>
+            </a:r>
+            <a:r>
+              <a:rPr lang="en-US" sz="2800" dirty="0" err="1"/>
+              <a:t>được</a:t>
+            </a:r>
+            <a:r>
+              <a:rPr lang="en-US" sz="2800" dirty="0"/>
+              <a:t> </a:t>
+            </a:r>
+            <a:r>
+              <a:rPr lang="en-US" sz="2800" dirty="0" err="1"/>
+              <a:t>khai</a:t>
+            </a:r>
+            <a:r>
+              <a:rPr lang="en-US" sz="2800" dirty="0"/>
+              <a:t> </a:t>
+            </a:r>
+            <a:r>
+              <a:rPr lang="en-US" sz="2800" dirty="0" err="1"/>
+              <a:t>báo</a:t>
+            </a:r>
+            <a:r>
+              <a:rPr lang="en-US" sz="2800" dirty="0"/>
+              <a:t> </a:t>
+            </a:r>
+            <a:r>
+              <a:rPr lang="en-US" sz="2800" dirty="0" err="1"/>
+              <a:t>trước</a:t>
+            </a:r>
+            <a:r>
+              <a:rPr lang="en-US" sz="2800" dirty="0"/>
+              <a:t> </a:t>
+            </a:r>
+            <a:r>
+              <a:rPr lang="en-US" sz="2800" dirty="0" err="1"/>
+              <a:t>trong</a:t>
+            </a:r>
+            <a:r>
+              <a:rPr lang="en-US" sz="2800" dirty="0"/>
+              <a:t> file xml</a:t>
+            </a:r>
+          </a:p>
+          <a:p>
+            <a:pPr marL="457200" indent="-393700">
+              <a:spcAft>
+                <a:spcPts val="0"/>
+              </a:spcAft>
+              <a:buSzPct val="100000"/>
+              <a:buFont typeface="Arial"/>
+              <a:buChar char="●"/>
+            </a:pPr>
+            <a:r>
+              <a:rPr lang="en-US" sz="2800" dirty="0"/>
+              <a:t>replace(): </a:t>
+            </a:r>
+            <a:r>
+              <a:rPr lang="en-US" sz="2800" dirty="0" err="1"/>
+              <a:t>là</a:t>
+            </a:r>
+            <a:r>
+              <a:rPr lang="en-US" sz="2800" dirty="0"/>
+              <a:t> </a:t>
+            </a:r>
+            <a:r>
+              <a:rPr lang="en-US" sz="2800" dirty="0" err="1"/>
+              <a:t>thay</a:t>
+            </a:r>
+            <a:r>
+              <a:rPr lang="en-US" sz="2800" dirty="0"/>
+              <a:t> </a:t>
+            </a:r>
+            <a:r>
+              <a:rPr lang="en-US" sz="2800" dirty="0" err="1"/>
+              <a:t>thế</a:t>
+            </a:r>
+            <a:r>
+              <a:rPr lang="en-US" sz="2800" dirty="0"/>
+              <a:t> 1 fragment </a:t>
+            </a:r>
+            <a:r>
+              <a:rPr lang="en-US" sz="2800" dirty="0" err="1"/>
+              <a:t>cũ</a:t>
+            </a:r>
+            <a:r>
+              <a:rPr lang="en-US" sz="2800" dirty="0"/>
+              <a:t> </a:t>
+            </a:r>
+            <a:r>
+              <a:rPr lang="en-US" sz="2800" dirty="0" err="1"/>
+              <a:t>bằng</a:t>
+            </a:r>
+            <a:r>
+              <a:rPr lang="en-US" sz="2800" dirty="0"/>
+              <a:t> 1 fragment </a:t>
+            </a:r>
+            <a:r>
+              <a:rPr lang="en-US" sz="2800" dirty="0" err="1"/>
+              <a:t>mới</a:t>
+            </a:r>
+            <a:r>
+              <a:rPr lang="en-US" sz="2800" dirty="0"/>
+              <a:t> </a:t>
+            </a:r>
+            <a:r>
+              <a:rPr lang="en-US" sz="2800" dirty="0" err="1"/>
+              <a:t>vào</a:t>
+            </a:r>
+            <a:r>
+              <a:rPr lang="en-US" sz="2800" dirty="0"/>
+              <a:t> View </a:t>
+            </a:r>
+            <a:r>
+              <a:rPr lang="en-US" sz="2800" dirty="0" err="1"/>
+              <a:t>được</a:t>
+            </a:r>
+            <a:r>
+              <a:rPr lang="en-US" sz="2800" dirty="0"/>
+              <a:t> </a:t>
+            </a:r>
+            <a:r>
+              <a:rPr lang="en-US" sz="2800" dirty="0" err="1"/>
+              <a:t>khai</a:t>
+            </a:r>
+            <a:r>
+              <a:rPr lang="en-US" sz="2800" dirty="0"/>
+              <a:t> </a:t>
+            </a:r>
+            <a:r>
+              <a:rPr lang="en-US" sz="2800" dirty="0" err="1"/>
+              <a:t>báo</a:t>
+            </a:r>
+            <a:r>
+              <a:rPr lang="en-US" sz="2800" dirty="0"/>
+              <a:t> </a:t>
+            </a:r>
+            <a:r>
+              <a:rPr lang="en-US" sz="2800" dirty="0" err="1"/>
+              <a:t>trước</a:t>
+            </a:r>
+            <a:r>
+              <a:rPr lang="en-US" sz="2800" dirty="0"/>
+              <a:t> </a:t>
+            </a:r>
+            <a:r>
+              <a:rPr lang="en-US" sz="2800" dirty="0" err="1"/>
+              <a:t>trong</a:t>
+            </a:r>
+            <a:r>
+              <a:rPr lang="en-US" sz="2800" dirty="0"/>
+              <a:t> file xml. </a:t>
+            </a:r>
+            <a:r>
+              <a:rPr lang="en-US" sz="2800" dirty="0" err="1"/>
+              <a:t>Nếu</a:t>
+            </a:r>
+            <a:r>
+              <a:rPr lang="en-US" sz="2800" dirty="0"/>
+              <a:t> </a:t>
+            </a:r>
+            <a:r>
+              <a:rPr lang="en-US" sz="2800" dirty="0" err="1"/>
+              <a:t>trong</a:t>
+            </a:r>
+            <a:r>
+              <a:rPr lang="en-US" sz="2800" dirty="0"/>
+              <a:t> View </a:t>
+            </a:r>
+            <a:r>
+              <a:rPr lang="en-US" sz="2800" dirty="0" err="1"/>
+              <a:t>chưa</a:t>
+            </a:r>
+            <a:r>
+              <a:rPr lang="en-US" sz="2800" dirty="0"/>
+              <a:t> </a:t>
+            </a:r>
+            <a:r>
+              <a:rPr lang="en-US" sz="2800" dirty="0" err="1"/>
+              <a:t>chứa</a:t>
+            </a:r>
+            <a:r>
+              <a:rPr lang="en-US" sz="2800" dirty="0"/>
+              <a:t> fragment </a:t>
+            </a:r>
+            <a:r>
+              <a:rPr lang="en-US" sz="2800" dirty="0" err="1"/>
+              <a:t>nào</a:t>
+            </a:r>
+            <a:r>
+              <a:rPr lang="en-US" sz="2800" dirty="0"/>
+              <a:t> </a:t>
+            </a:r>
+            <a:r>
+              <a:rPr lang="en-US" sz="2800" dirty="0" err="1"/>
+              <a:t>thì</a:t>
+            </a:r>
+            <a:r>
+              <a:rPr lang="en-US" sz="2800" dirty="0"/>
+              <a:t> </a:t>
+            </a:r>
+            <a:r>
+              <a:rPr lang="en-US" sz="2800" dirty="0" err="1"/>
+              <a:t>nó</a:t>
+            </a:r>
+            <a:r>
+              <a:rPr lang="en-US" sz="2800" dirty="0"/>
+              <a:t> </a:t>
+            </a:r>
+            <a:r>
+              <a:rPr lang="en-US" sz="2800" dirty="0" err="1"/>
+              <a:t>sẽ</a:t>
+            </a:r>
+            <a:r>
+              <a:rPr lang="en-US" sz="2800" dirty="0"/>
+              <a:t> </a:t>
+            </a:r>
+            <a:r>
+              <a:rPr lang="en-US" sz="2800" dirty="0" err="1"/>
+              <a:t>thêm</a:t>
+            </a:r>
+            <a:r>
+              <a:rPr lang="en-US" sz="2800" dirty="0"/>
+              <a:t> </a:t>
+            </a:r>
+            <a:r>
+              <a:rPr lang="en-US" sz="2800" dirty="0" err="1"/>
+              <a:t>mới</a:t>
+            </a:r>
+            <a:r>
+              <a:rPr lang="en-US" sz="2800" dirty="0"/>
+              <a:t> fragment </a:t>
+            </a:r>
+            <a:r>
+              <a:rPr lang="en-US" sz="2800" dirty="0" err="1"/>
+              <a:t>vào</a:t>
+            </a:r>
+            <a:r>
+              <a:rPr lang="en-US" sz="2800" dirty="0"/>
+              <a:t> View.</a:t>
             </a:r>
           </a:p>
           <a:p>
@@ -15334,7 +16625,7 @@
                 <a:spcPct val="115000"/>
               </a:lnSpc>
               <a:spcBef>
-                <a:spcPts val="1600"/>
+                <a:spcPts val="0"/>
               </a:spcBef>
               <a:spcAft>
                 <a:spcPts val="0"/>
@@ -15346,26 +16637,1419 @@
               <a:buFont typeface="Arial"/>
               <a:buChar char="●"/>
             </a:pPr>
-            <a:r>
-              <a:rPr lang="vi" sz="2500" b="0" i="0" u="none" strike="noStrike" cap="none" dirty="0">
-                <a:solidFill>
-                  <a:schemeClr val="dk2"/>
-                </a:solidFill>
-                <a:latin typeface="Arial"/>
-                <a:ea typeface="Arial"/>
-                <a:cs typeface="Arial"/>
-                <a:sym typeface="Arial"/>
-              </a:rPr>
-              <a:t>nhận dữ liệu ở fragment:Bundle abc=getArguments()</a:t>
+            <a:endParaRPr lang="en-US" sz="2500" b="0" i="0" u="none" strike="noStrike" cap="none" dirty="0" smtClean="0">
+              <a:solidFill>
+                <a:srgbClr val="FF0000"/>
+              </a:solidFill>
+              <a:latin typeface="Arial"/>
+              <a:ea typeface="Arial"/>
+              <a:cs typeface="Arial"/>
+              <a:sym typeface="Arial"/>
+            </a:endParaRPr>
+          </a:p>
+        </p:txBody>
+      </p:sp>
+      <p:sp>
+        <p:nvSpPr>
+          <p:cNvPr id="202" name="Shape 202"/>
+          <p:cNvSpPr txBox="1">
+            <a:spLocks noGrp="1"/>
+          </p:cNvSpPr>
+          <p:nvPr>
+            <p:ph type="title"/>
+          </p:nvPr>
+        </p:nvSpPr>
+        <p:spPr>
+          <a:xfrm>
+            <a:off x="311699" y="139602"/>
+            <a:ext cx="8520599" cy="981354"/>
+          </a:xfrm>
+          <a:prstGeom prst="rect">
+            <a:avLst/>
+          </a:prstGeom>
+          <a:solidFill>
+            <a:srgbClr val="0A59B0"/>
+          </a:solidFill>
+          <a:ln>
+            <a:noFill/>
+          </a:ln>
+        </p:spPr>
+        <p:txBody>
+          <a:bodyPr lIns="91425" tIns="91425" rIns="91425" bIns="91425" anchor="t" anchorCtr="0">
+            <a:noAutofit/>
+          </a:bodyPr>
+          <a:lstStyle/>
+          <a:p>
+            <a:pPr>
+              <a:buSzPct val="25000"/>
+            </a:pPr>
+            <a:r>
+              <a:rPr lang="en-US" b="1" dirty="0" err="1">
+                <a:solidFill>
+                  <a:schemeClr val="bg1"/>
+                </a:solidFill>
+              </a:rPr>
+              <a:t>Sự</a:t>
+            </a:r>
+            <a:r>
+              <a:rPr lang="en-US" b="1" dirty="0">
+                <a:solidFill>
+                  <a:schemeClr val="bg1"/>
+                </a:solidFill>
+              </a:rPr>
+              <a:t> </a:t>
+            </a:r>
+            <a:r>
+              <a:rPr lang="en-US" b="1" dirty="0" err="1">
+                <a:solidFill>
+                  <a:schemeClr val="bg1"/>
+                </a:solidFill>
+              </a:rPr>
+              <a:t>khác</a:t>
+            </a:r>
+            <a:r>
+              <a:rPr lang="en-US" b="1" dirty="0">
+                <a:solidFill>
+                  <a:schemeClr val="bg1"/>
+                </a:solidFill>
+              </a:rPr>
+              <a:t> </a:t>
+            </a:r>
+            <a:r>
+              <a:rPr lang="en-US" b="1" dirty="0" err="1">
+                <a:solidFill>
+                  <a:schemeClr val="bg1"/>
+                </a:solidFill>
+              </a:rPr>
+              <a:t>nhau</a:t>
+            </a:r>
+            <a:r>
+              <a:rPr lang="en-US" b="1" dirty="0">
+                <a:solidFill>
+                  <a:schemeClr val="bg1"/>
+                </a:solidFill>
+              </a:rPr>
+              <a:t> </a:t>
+            </a:r>
+            <a:r>
+              <a:rPr lang="en-US" b="1" dirty="0" err="1">
+                <a:solidFill>
+                  <a:schemeClr val="bg1"/>
+                </a:solidFill>
+              </a:rPr>
+              <a:t>giữa</a:t>
+            </a:r>
+            <a:r>
+              <a:rPr lang="en-US" b="1" dirty="0">
+                <a:solidFill>
+                  <a:schemeClr val="bg1"/>
+                </a:solidFill>
+              </a:rPr>
+              <a:t> add() </a:t>
+            </a:r>
+            <a:r>
+              <a:rPr lang="en-US" b="1" dirty="0" err="1">
+                <a:solidFill>
+                  <a:schemeClr val="bg1"/>
+                </a:solidFill>
+              </a:rPr>
+              <a:t>và</a:t>
+            </a:r>
+            <a:r>
+              <a:rPr lang="en-US" b="1" dirty="0">
+                <a:solidFill>
+                  <a:schemeClr val="bg1"/>
+                </a:solidFill>
+              </a:rPr>
+              <a:t> replace() </a:t>
+            </a:r>
+            <a:r>
+              <a:rPr lang="en-US" b="1" dirty="0" err="1">
+                <a:solidFill>
+                  <a:schemeClr val="bg1"/>
+                </a:solidFill>
+              </a:rPr>
+              <a:t>trong</a:t>
+            </a:r>
+            <a:r>
+              <a:rPr lang="en-US" b="1" dirty="0">
+                <a:solidFill>
+                  <a:schemeClr val="bg1"/>
+                </a:solidFill>
+              </a:rPr>
+              <a:t> </a:t>
+            </a:r>
+            <a:r>
+              <a:rPr lang="en-US" b="1" dirty="0" smtClean="0">
+                <a:solidFill>
+                  <a:schemeClr val="bg1"/>
+                </a:solidFill>
+              </a:rPr>
+              <a:t>Fragment</a:t>
+            </a:r>
+            <a:endParaRPr lang="vi" sz="2800" b="1" i="0" u="none" strike="noStrike" cap="none" dirty="0">
+              <a:solidFill>
+                <a:srgbClr val="FFFFFF"/>
+              </a:solidFill>
+              <a:latin typeface="Arial"/>
+              <a:ea typeface="Arial"/>
+              <a:cs typeface="Arial"/>
+              <a:sym typeface="Arial"/>
+            </a:endParaRPr>
+          </a:p>
+        </p:txBody>
+      </p:sp>
+      <p:sp>
+        <p:nvSpPr>
+          <p:cNvPr id="203" name="Shape 203"/>
+          <p:cNvSpPr/>
+          <p:nvPr/>
+        </p:nvSpPr>
+        <p:spPr>
+          <a:xfrm>
+            <a:off x="146050" y="4657725"/>
+            <a:ext cx="457200" cy="342899"/>
+          </a:xfrm>
+          <a:prstGeom prst="ellipse">
+            <a:avLst/>
+          </a:prstGeom>
+          <a:solidFill>
+            <a:srgbClr val="0A59B0"/>
+          </a:solidFill>
+          <a:ln>
+            <a:noFill/>
+          </a:ln>
+        </p:spPr>
+        <p:txBody>
+          <a:bodyPr lIns="0" tIns="0" rIns="0" bIns="0" anchor="ctr" anchorCtr="1">
+            <a:noAutofit/>
+          </a:bodyPr>
+          <a:lstStyle/>
+          <a:p>
+            <a:pPr marL="0" marR="0" lvl="0" indent="0" algn="ctr" rtl="0">
+              <a:lnSpc>
+                <a:spcPct val="100000"/>
+              </a:lnSpc>
+              <a:spcBef>
+                <a:spcPts val="0"/>
+              </a:spcBef>
+              <a:spcAft>
+                <a:spcPts val="0"/>
+              </a:spcAft>
+              <a:buClr>
+                <a:srgbClr val="000000"/>
+              </a:buClr>
+              <a:buSzPct val="25000"/>
+              <a:buFont typeface="Arial"/>
+              <a:buNone/>
+            </a:pPr>
+            <a:r>
+              <a:rPr lang="vi" sz="1400" b="0" i="0" u="none" strike="noStrike" cap="none">
+                <a:solidFill>
+                  <a:srgbClr val="000000"/>
+                </a:solidFill>
+                <a:latin typeface="Arial"/>
+                <a:ea typeface="Arial"/>
+                <a:cs typeface="Arial"/>
+                <a:sym typeface="Arial"/>
+              </a:rPr>
+              <a:t> </a:t>
+            </a:r>
+          </a:p>
+        </p:txBody>
+      </p:sp>
+    </p:spTree>
+  </p:cSld>
+  <p:clrMapOvr>
+    <a:masterClrMapping/>
+  </p:clrMapOvr>
+</p:sld>
+</file>
+
+<file path=ppt/slides/slide18.xml><?xml version="1.0" encoding="utf-8"?>
+<p:sld xmlns:a="http://schemas.openxmlformats.org/drawingml/2006/main" xmlns:r="http://schemas.openxmlformats.org/officeDocument/2006/relationships" xmlns:p="http://schemas.openxmlformats.org/presentationml/2006/main">
+  <p:cSld>
+    <p:spTree>
+      <p:nvGrpSpPr>
+        <p:cNvPr id="1" name="Shape 199"/>
+        <p:cNvGrpSpPr/>
+        <p:nvPr/>
+      </p:nvGrpSpPr>
+      <p:grpSpPr>
+        <a:xfrm>
+          <a:off x="0" y="0"/>
+          <a:ext cx="0" cy="0"/>
+          <a:chOff x="0" y="0"/>
+          <a:chExt cx="0" cy="0"/>
+        </a:xfrm>
+      </p:grpSpPr>
+      <p:sp>
+        <p:nvSpPr>
+          <p:cNvPr id="201" name="Shape 201"/>
+          <p:cNvSpPr txBox="1">
+            <a:spLocks noGrp="1"/>
+          </p:cNvSpPr>
+          <p:nvPr>
+            <p:ph type="body" idx="1"/>
+          </p:nvPr>
+        </p:nvSpPr>
+        <p:spPr>
+          <a:xfrm>
+            <a:off x="311700" y="751438"/>
+            <a:ext cx="8520599" cy="3817537"/>
+          </a:xfrm>
+          <a:prstGeom prst="rect">
+            <a:avLst/>
+          </a:prstGeom>
+          <a:noFill/>
+          <a:ln>
+            <a:noFill/>
+          </a:ln>
+        </p:spPr>
+        <p:txBody>
+          <a:bodyPr lIns="91425" tIns="91425" rIns="91425" bIns="91425" anchor="t" anchorCtr="0">
+            <a:noAutofit/>
+          </a:bodyPr>
+          <a:lstStyle/>
+          <a:p>
+            <a:r>
+              <a:rPr lang="en-US" dirty="0" err="1"/>
+              <a:t>Và</a:t>
+            </a:r>
+            <a:r>
+              <a:rPr lang="en-US" dirty="0"/>
+              <a:t> </a:t>
+            </a:r>
+            <a:r>
+              <a:rPr lang="en-US" dirty="0" err="1"/>
+              <a:t>khi</a:t>
+            </a:r>
+            <a:r>
+              <a:rPr lang="en-US" dirty="0"/>
+              <a:t> </a:t>
+            </a:r>
+            <a:r>
+              <a:rPr lang="en-US" dirty="0" err="1"/>
+              <a:t>thực</a:t>
+            </a:r>
+            <a:r>
+              <a:rPr lang="en-US" dirty="0"/>
+              <a:t> </a:t>
+            </a:r>
+            <a:r>
+              <a:rPr lang="en-US" dirty="0" err="1"/>
+              <a:t>hiện</a:t>
+            </a:r>
+            <a:r>
+              <a:rPr lang="en-US" dirty="0"/>
+              <a:t> </a:t>
+            </a:r>
+            <a:r>
+              <a:rPr lang="en-US" dirty="0" err="1"/>
+              <a:t>gọi</a:t>
+            </a:r>
+            <a:r>
+              <a:rPr lang="en-US" dirty="0"/>
+              <a:t> </a:t>
+            </a:r>
+            <a:r>
+              <a:rPr lang="en-US" dirty="0" err="1"/>
+              <a:t>hàm</a:t>
+            </a:r>
+            <a:r>
+              <a:rPr lang="en-US" dirty="0"/>
+              <a:t> add() </a:t>
+            </a:r>
+            <a:r>
+              <a:rPr lang="en-US" dirty="0" err="1"/>
+              <a:t>thì</a:t>
+            </a:r>
+            <a:r>
+              <a:rPr lang="en-US" dirty="0"/>
+              <a:t> fragment </a:t>
+            </a:r>
+            <a:r>
+              <a:rPr lang="en-US" dirty="0" err="1"/>
+              <a:t>cũ</a:t>
+            </a:r>
+            <a:r>
+              <a:rPr lang="en-US" dirty="0"/>
+              <a:t> </a:t>
+            </a:r>
+            <a:r>
+              <a:rPr lang="en-US" dirty="0" err="1"/>
+              <a:t>sẽ</a:t>
+            </a:r>
+            <a:r>
+              <a:rPr lang="en-US" dirty="0"/>
+              <a:t> </a:t>
+            </a:r>
+            <a:r>
+              <a:rPr lang="en-US" dirty="0" err="1"/>
+              <a:t>không</a:t>
+            </a:r>
+            <a:r>
+              <a:rPr lang="en-US" dirty="0"/>
+              <a:t> </a:t>
+            </a:r>
+            <a:r>
+              <a:rPr lang="en-US" dirty="0" err="1"/>
+              <a:t>gọi</a:t>
+            </a:r>
+            <a:r>
+              <a:rPr lang="en-US" dirty="0"/>
+              <a:t> </a:t>
+            </a:r>
+            <a:r>
+              <a:rPr lang="en-US" dirty="0" err="1"/>
+              <a:t>vào</a:t>
+            </a:r>
+            <a:r>
+              <a:rPr lang="en-US" dirty="0"/>
+              <a:t> </a:t>
+            </a:r>
+            <a:r>
+              <a:rPr lang="en-US" dirty="0" err="1"/>
+              <a:t>hàm</a:t>
+            </a:r>
+            <a:r>
+              <a:rPr lang="en-US" dirty="0"/>
+              <a:t> </a:t>
+            </a:r>
+            <a:r>
+              <a:rPr lang="en-US" dirty="0" err="1"/>
+              <a:t>onPause</a:t>
+            </a:r>
+            <a:r>
+              <a:rPr lang="en-US" dirty="0"/>
+              <a:t>() </a:t>
+            </a:r>
+            <a:r>
+              <a:rPr lang="en-US" dirty="0" err="1"/>
+              <a:t>mà</a:t>
+            </a:r>
+            <a:r>
+              <a:rPr lang="en-US" dirty="0"/>
+              <a:t> </a:t>
+            </a:r>
+            <a:r>
+              <a:rPr lang="en-US" dirty="0" err="1"/>
+              <a:t>các</a:t>
+            </a:r>
+            <a:r>
+              <a:rPr lang="en-US" dirty="0"/>
+              <a:t> </a:t>
+            </a:r>
+            <a:r>
+              <a:rPr lang="en-US" dirty="0" err="1"/>
+              <a:t>tiến</a:t>
+            </a:r>
+            <a:r>
+              <a:rPr lang="en-US" dirty="0"/>
+              <a:t> </a:t>
+            </a:r>
+            <a:r>
+              <a:rPr lang="en-US" dirty="0" err="1"/>
+              <a:t>trình</a:t>
+            </a:r>
+            <a:r>
+              <a:rPr lang="en-US" dirty="0"/>
+              <a:t> </a:t>
+            </a:r>
+            <a:r>
+              <a:rPr lang="en-US" dirty="0" err="1"/>
+              <a:t>của</a:t>
+            </a:r>
+            <a:r>
+              <a:rPr lang="en-US" dirty="0"/>
+              <a:t> </a:t>
+            </a:r>
+            <a:r>
+              <a:rPr lang="en-US" dirty="0" err="1"/>
+              <a:t>nó</a:t>
+            </a:r>
+            <a:r>
+              <a:rPr lang="en-US" dirty="0"/>
+              <a:t> </a:t>
+            </a:r>
+            <a:r>
+              <a:rPr lang="en-US" dirty="0" err="1"/>
+              <a:t>vẫn</a:t>
+            </a:r>
+            <a:r>
+              <a:rPr lang="en-US" dirty="0"/>
+              <a:t> </a:t>
+            </a:r>
+            <a:r>
+              <a:rPr lang="en-US" dirty="0" err="1"/>
+              <a:t>chạy</a:t>
+            </a:r>
+            <a:r>
+              <a:rPr lang="en-US" dirty="0"/>
+              <a:t> </a:t>
+            </a:r>
+            <a:r>
+              <a:rPr lang="en-US" dirty="0" err="1"/>
+              <a:t>bình</a:t>
+            </a:r>
+            <a:r>
+              <a:rPr lang="en-US" dirty="0"/>
+              <a:t> </a:t>
+            </a:r>
+            <a:r>
+              <a:rPr lang="en-US" dirty="0" err="1"/>
+              <a:t>thường</a:t>
+            </a:r>
+            <a:r>
+              <a:rPr lang="en-US" dirty="0"/>
+              <a:t>, </a:t>
+            </a:r>
+            <a:r>
+              <a:rPr lang="en-US" dirty="0" err="1"/>
+              <a:t>chỉ</a:t>
+            </a:r>
+            <a:r>
+              <a:rPr lang="en-US" dirty="0"/>
+              <a:t> </a:t>
+            </a:r>
+            <a:r>
+              <a:rPr lang="en-US" dirty="0" err="1"/>
+              <a:t>đơn</a:t>
+            </a:r>
+            <a:r>
+              <a:rPr lang="en-US" dirty="0"/>
+              <a:t> </a:t>
+            </a:r>
+            <a:r>
+              <a:rPr lang="en-US" dirty="0" err="1"/>
+              <a:t>giản</a:t>
+            </a:r>
+            <a:r>
+              <a:rPr lang="en-US" dirty="0"/>
+              <a:t> </a:t>
+            </a:r>
+            <a:r>
+              <a:rPr lang="en-US" dirty="0" err="1"/>
+              <a:t>là</a:t>
+            </a:r>
+            <a:r>
+              <a:rPr lang="en-US" dirty="0"/>
+              <a:t> View </a:t>
+            </a:r>
+            <a:r>
+              <a:rPr lang="en-US" dirty="0" err="1"/>
+              <a:t>của</a:t>
+            </a:r>
+            <a:r>
+              <a:rPr lang="en-US" dirty="0"/>
+              <a:t> </a:t>
+            </a:r>
+            <a:r>
+              <a:rPr lang="en-US" dirty="0" err="1"/>
+              <a:t>nó</a:t>
+            </a:r>
+            <a:r>
+              <a:rPr lang="en-US" dirty="0"/>
+              <a:t> </a:t>
+            </a:r>
+            <a:r>
+              <a:rPr lang="en-US" dirty="0" err="1"/>
+              <a:t>được</a:t>
+            </a:r>
+            <a:r>
+              <a:rPr lang="en-US" dirty="0"/>
+              <a:t> </a:t>
+            </a:r>
+            <a:r>
+              <a:rPr lang="en-US" dirty="0" err="1"/>
+              <a:t>che</a:t>
+            </a:r>
+            <a:r>
+              <a:rPr lang="en-US" dirty="0"/>
+              <a:t> </a:t>
+            </a:r>
+            <a:r>
+              <a:rPr lang="en-US" dirty="0" err="1"/>
+              <a:t>đi</a:t>
+            </a:r>
+            <a:r>
+              <a:rPr lang="en-US" dirty="0"/>
+              <a:t> </a:t>
+            </a:r>
+            <a:r>
+              <a:rPr lang="en-US" dirty="0" err="1"/>
+              <a:t>bởi</a:t>
+            </a:r>
+            <a:r>
+              <a:rPr lang="en-US" dirty="0"/>
+              <a:t> 1 View </a:t>
+            </a:r>
+            <a:r>
+              <a:rPr lang="en-US" dirty="0" err="1"/>
+              <a:t>mới</a:t>
+            </a:r>
+            <a:r>
+              <a:rPr lang="en-US" dirty="0"/>
+              <a:t> </a:t>
+            </a:r>
+            <a:r>
+              <a:rPr lang="en-US" dirty="0" err="1"/>
+              <a:t>mà</a:t>
+            </a:r>
+            <a:r>
+              <a:rPr lang="en-US" dirty="0"/>
+              <a:t> </a:t>
+            </a:r>
+            <a:r>
+              <a:rPr lang="en-US" dirty="0" err="1"/>
+              <a:t>thôi</a:t>
+            </a:r>
+            <a:r>
+              <a:rPr lang="en-US" dirty="0"/>
+              <a:t>. </a:t>
+            </a:r>
+            <a:r>
+              <a:rPr lang="en-US" dirty="0" err="1"/>
+              <a:t>Như</a:t>
+            </a:r>
+            <a:r>
+              <a:rPr lang="en-US" dirty="0"/>
+              <a:t> </a:t>
+            </a:r>
+            <a:r>
+              <a:rPr lang="en-US" dirty="0" err="1"/>
+              <a:t>vậy</a:t>
+            </a:r>
+            <a:r>
+              <a:rPr lang="en-US" dirty="0"/>
+              <a:t> </a:t>
+            </a:r>
+            <a:r>
+              <a:rPr lang="en-US" dirty="0" err="1"/>
+              <a:t>khi</a:t>
+            </a:r>
+            <a:r>
+              <a:rPr lang="en-US" dirty="0"/>
+              <a:t> </a:t>
+            </a:r>
+            <a:r>
+              <a:rPr lang="en-US" dirty="0" err="1"/>
+              <a:t>bạn</a:t>
+            </a:r>
+            <a:r>
+              <a:rPr lang="en-US" dirty="0"/>
+              <a:t> </a:t>
+            </a:r>
+            <a:r>
+              <a:rPr lang="en-US" dirty="0" err="1"/>
+              <a:t>ấn</a:t>
+            </a:r>
+            <a:r>
+              <a:rPr lang="en-US" dirty="0"/>
+              <a:t> </a:t>
+            </a:r>
+            <a:r>
+              <a:rPr lang="en-US" dirty="0" err="1"/>
+              <a:t>nút</a:t>
+            </a:r>
+            <a:r>
+              <a:rPr lang="en-US" dirty="0"/>
+              <a:t> "Back" </a:t>
+            </a:r>
+            <a:r>
+              <a:rPr lang="en-US" dirty="0" err="1"/>
+              <a:t>cứng</a:t>
+            </a:r>
+            <a:r>
+              <a:rPr lang="en-US" dirty="0"/>
+              <a:t> </a:t>
+            </a:r>
+            <a:r>
+              <a:rPr lang="en-US" dirty="0" err="1"/>
+              <a:t>trên</a:t>
+            </a:r>
+            <a:r>
+              <a:rPr lang="en-US" dirty="0"/>
+              <a:t> </a:t>
+            </a:r>
+            <a:r>
+              <a:rPr lang="en-US" dirty="0" err="1"/>
+              <a:t>bàn</a:t>
+            </a:r>
+            <a:r>
+              <a:rPr lang="en-US" dirty="0"/>
+              <a:t> </a:t>
+            </a:r>
+            <a:r>
+              <a:rPr lang="en-US" dirty="0" err="1"/>
+              <a:t>phím</a:t>
+            </a:r>
+            <a:r>
+              <a:rPr lang="en-US" dirty="0"/>
+              <a:t> hay </a:t>
+            </a:r>
+            <a:r>
+              <a:rPr lang="en-US" dirty="0" err="1"/>
+              <a:t>là</a:t>
+            </a:r>
+            <a:r>
+              <a:rPr lang="en-US" dirty="0"/>
+              <a:t> </a:t>
+            </a:r>
+            <a:r>
+              <a:rPr lang="en-US" dirty="0" err="1"/>
+              <a:t>gọi</a:t>
+            </a:r>
+            <a:r>
+              <a:rPr lang="en-US" dirty="0"/>
+              <a:t> </a:t>
+            </a:r>
+            <a:r>
+              <a:rPr lang="en-US" dirty="0" err="1"/>
+              <a:t>sự</a:t>
+            </a:r>
+            <a:r>
+              <a:rPr lang="en-US" dirty="0"/>
+              <a:t> </a:t>
+            </a:r>
+            <a:r>
+              <a:rPr lang="en-US" dirty="0" err="1"/>
+              <a:t>kiện</a:t>
+            </a:r>
+            <a:r>
+              <a:rPr lang="en-US" dirty="0"/>
+              <a:t> </a:t>
+            </a:r>
+            <a:r>
+              <a:rPr lang="en-US" b="1" dirty="0" err="1"/>
+              <a:t>popBackStack</a:t>
+            </a:r>
+            <a:r>
+              <a:rPr lang="en-US" b="1" dirty="0"/>
+              <a:t>()</a:t>
+            </a:r>
+            <a:r>
+              <a:rPr lang="en-US" dirty="0"/>
+              <a:t> </a:t>
+            </a:r>
+            <a:r>
+              <a:rPr lang="en-US" dirty="0" err="1"/>
+              <a:t>để</a:t>
+            </a:r>
+            <a:r>
+              <a:rPr lang="en-US" dirty="0"/>
+              <a:t> remove fragment </a:t>
+            </a:r>
+            <a:r>
+              <a:rPr lang="en-US" dirty="0" err="1"/>
+              <a:t>hiện</a:t>
+            </a:r>
+            <a:r>
+              <a:rPr lang="en-US" dirty="0"/>
+              <a:t> </a:t>
+            </a:r>
+            <a:r>
+              <a:rPr lang="en-US" dirty="0" err="1"/>
+              <a:t>tại</a:t>
+            </a:r>
+            <a:r>
+              <a:rPr lang="en-US" dirty="0"/>
+              <a:t> </a:t>
+            </a:r>
+            <a:r>
+              <a:rPr lang="en-US" dirty="0" err="1"/>
+              <a:t>thì</a:t>
+            </a:r>
+            <a:r>
+              <a:rPr lang="en-US" dirty="0"/>
+              <a:t> fragment </a:t>
+            </a:r>
+            <a:r>
+              <a:rPr lang="en-US" dirty="0" err="1"/>
+              <a:t>cũ</a:t>
+            </a:r>
+            <a:r>
+              <a:rPr lang="en-US" dirty="0"/>
+              <a:t> </a:t>
+            </a:r>
+            <a:r>
+              <a:rPr lang="en-US" dirty="0" err="1"/>
+              <a:t>sẽ</a:t>
+            </a:r>
+            <a:r>
+              <a:rPr lang="en-US" dirty="0"/>
+              <a:t> </a:t>
+            </a:r>
+            <a:r>
+              <a:rPr lang="en-US" dirty="0" err="1"/>
+              <a:t>không</a:t>
+            </a:r>
+            <a:r>
+              <a:rPr lang="en-US" dirty="0"/>
+              <a:t> </a:t>
+            </a:r>
+            <a:r>
+              <a:rPr lang="en-US" dirty="0" err="1"/>
+              <a:t>được</a:t>
+            </a:r>
+            <a:r>
+              <a:rPr lang="en-US" dirty="0"/>
+              <a:t> </a:t>
+            </a:r>
+            <a:r>
+              <a:rPr lang="en-US" dirty="0" err="1"/>
+              <a:t>khởi</a:t>
+            </a:r>
+            <a:r>
+              <a:rPr lang="en-US" dirty="0"/>
+              <a:t> </a:t>
+            </a:r>
+            <a:r>
+              <a:rPr lang="en-US" dirty="0" err="1"/>
+              <a:t>tạo</a:t>
+            </a:r>
+            <a:r>
+              <a:rPr lang="en-US" dirty="0"/>
+              <a:t> </a:t>
+            </a:r>
+            <a:r>
+              <a:rPr lang="en-US" dirty="0" err="1"/>
+              <a:t>lại</a:t>
+            </a:r>
+            <a:r>
+              <a:rPr lang="en-US" dirty="0"/>
+              <a:t> (</a:t>
+            </a:r>
+            <a:r>
+              <a:rPr lang="en-US" dirty="0" err="1"/>
+              <a:t>các</a:t>
+            </a:r>
+            <a:r>
+              <a:rPr lang="en-US" dirty="0"/>
+              <a:t> </a:t>
+            </a:r>
+            <a:r>
+              <a:rPr lang="en-US" dirty="0" err="1"/>
+              <a:t>hàm</a:t>
+            </a:r>
+            <a:r>
+              <a:rPr lang="en-US" dirty="0"/>
+              <a:t> </a:t>
+            </a:r>
+            <a:r>
+              <a:rPr lang="en-US" b="1" dirty="0" err="1"/>
+              <a:t>onResume</a:t>
+            </a:r>
+            <a:r>
+              <a:rPr lang="en-US" b="1" dirty="0"/>
+              <a:t>(), </a:t>
+            </a:r>
+            <a:r>
+              <a:rPr lang="en-US" b="1" dirty="0" err="1"/>
+              <a:t>onCreate</a:t>
+            </a:r>
+            <a:r>
+              <a:rPr lang="en-US" b="1" dirty="0"/>
+              <a:t>(), </a:t>
+            </a:r>
+            <a:r>
+              <a:rPr lang="en-US" b="1" dirty="0" err="1"/>
+              <a:t>onCreateView</a:t>
+            </a:r>
+            <a:r>
+              <a:rPr lang="en-US" b="1" dirty="0"/>
+              <a:t>()</a:t>
+            </a:r>
+            <a:r>
+              <a:rPr lang="en-US" dirty="0"/>
+              <a:t> </a:t>
+            </a:r>
+            <a:r>
+              <a:rPr lang="en-US" dirty="0" err="1"/>
+              <a:t>không</a:t>
+            </a:r>
+            <a:r>
+              <a:rPr lang="en-US" dirty="0"/>
+              <a:t> </a:t>
+            </a:r>
+            <a:r>
+              <a:rPr lang="en-US" dirty="0" err="1"/>
+              <a:t>được</a:t>
+            </a:r>
+            <a:r>
+              <a:rPr lang="en-US" dirty="0"/>
+              <a:t> </a:t>
+            </a:r>
+            <a:r>
+              <a:rPr lang="en-US" dirty="0" err="1"/>
+              <a:t>gọi</a:t>
+            </a:r>
+            <a:r>
+              <a:rPr lang="en-US" dirty="0"/>
+              <a:t> </a:t>
+            </a:r>
+            <a:r>
+              <a:rPr lang="en-US" dirty="0" err="1"/>
+              <a:t>vì</a:t>
+            </a:r>
+            <a:r>
+              <a:rPr lang="en-US" dirty="0"/>
+              <a:t> </a:t>
+            </a:r>
+            <a:r>
+              <a:rPr lang="en-US" dirty="0" err="1"/>
+              <a:t>thực</a:t>
+            </a:r>
+            <a:r>
+              <a:rPr lang="en-US" dirty="0"/>
+              <a:t> </a:t>
+            </a:r>
+            <a:r>
+              <a:rPr lang="en-US" dirty="0" err="1"/>
+              <a:t>chất</a:t>
+            </a:r>
+            <a:r>
+              <a:rPr lang="en-US" dirty="0"/>
+              <a:t> </a:t>
+            </a:r>
+            <a:r>
+              <a:rPr lang="en-US" dirty="0" err="1"/>
+              <a:t>nó</a:t>
+            </a:r>
+            <a:r>
+              <a:rPr lang="en-US" dirty="0"/>
+              <a:t> </a:t>
+            </a:r>
+            <a:r>
+              <a:rPr lang="en-US" dirty="0" err="1"/>
+              <a:t>chưa</a:t>
+            </a:r>
+            <a:r>
+              <a:rPr lang="en-US" dirty="0"/>
+              <a:t> </a:t>
+            </a:r>
+            <a:r>
+              <a:rPr lang="en-US" dirty="0" err="1"/>
+              <a:t>bị</a:t>
+            </a:r>
+            <a:r>
+              <a:rPr lang="en-US" dirty="0"/>
+              <a:t> kill hay </a:t>
+            </a:r>
+            <a:r>
+              <a:rPr lang="en-US" dirty="0" err="1"/>
+              <a:t>là</a:t>
+            </a:r>
+            <a:r>
+              <a:rPr lang="en-US" dirty="0"/>
+              <a:t> </a:t>
+            </a:r>
+            <a:r>
+              <a:rPr lang="en-US" dirty="0" err="1"/>
+              <a:t>lưu</a:t>
+            </a:r>
+            <a:r>
+              <a:rPr lang="en-US" dirty="0"/>
+              <a:t> </a:t>
+            </a:r>
+            <a:r>
+              <a:rPr lang="en-US" dirty="0" err="1"/>
+              <a:t>vào</a:t>
+            </a:r>
+            <a:r>
+              <a:rPr lang="en-US" dirty="0"/>
+              <a:t> </a:t>
+            </a:r>
+            <a:r>
+              <a:rPr lang="en-US" dirty="0" err="1"/>
+              <a:t>trạng</a:t>
+            </a:r>
+            <a:r>
+              <a:rPr lang="en-US" dirty="0"/>
+              <a:t> </a:t>
+            </a:r>
+            <a:r>
+              <a:rPr lang="en-US" dirty="0" err="1"/>
+              <a:t>thái</a:t>
+            </a:r>
+            <a:r>
+              <a:rPr lang="en-US" dirty="0"/>
+              <a:t> </a:t>
+            </a:r>
+            <a:r>
+              <a:rPr lang="en-US" dirty="0" err="1"/>
+              <a:t>nghỉ</a:t>
+            </a:r>
+            <a:r>
+              <a:rPr lang="en-US" dirty="0"/>
+              <a:t>) </a:t>
+            </a:r>
+            <a:r>
+              <a:rPr lang="en-US" dirty="0" err="1"/>
+              <a:t>mà</a:t>
+            </a:r>
+            <a:r>
+              <a:rPr lang="en-US" dirty="0"/>
+              <a:t> </a:t>
+            </a:r>
+            <a:r>
+              <a:rPr lang="en-US" dirty="0" err="1"/>
+              <a:t>vẫn</a:t>
+            </a:r>
+            <a:r>
+              <a:rPr lang="en-US" dirty="0"/>
+              <a:t> </a:t>
+            </a:r>
+            <a:r>
+              <a:rPr lang="en-US" dirty="0" err="1"/>
+              <a:t>tiếp</a:t>
+            </a:r>
+            <a:r>
+              <a:rPr lang="en-US" dirty="0"/>
+              <a:t> </a:t>
+            </a:r>
+            <a:r>
+              <a:rPr lang="en-US" dirty="0" err="1"/>
+              <a:t>chạy</a:t>
+            </a:r>
+            <a:r>
+              <a:rPr lang="en-US" dirty="0"/>
+              <a:t> </a:t>
+            </a:r>
+            <a:r>
+              <a:rPr lang="en-US" dirty="0" err="1"/>
+              <a:t>những</a:t>
+            </a:r>
+            <a:r>
+              <a:rPr lang="en-US" dirty="0"/>
+              <a:t> </a:t>
+            </a:r>
+            <a:r>
+              <a:rPr lang="en-US" dirty="0" err="1"/>
+              <a:t>tiến</a:t>
+            </a:r>
+            <a:r>
+              <a:rPr lang="en-US" dirty="0"/>
+              <a:t> </a:t>
+            </a:r>
+            <a:r>
+              <a:rPr lang="en-US" dirty="0" err="1"/>
+              <a:t>trình</a:t>
+            </a:r>
+            <a:r>
+              <a:rPr lang="en-US" dirty="0"/>
+              <a:t> </a:t>
+            </a:r>
+            <a:r>
+              <a:rPr lang="en-US" dirty="0" err="1"/>
+              <a:t>còn</a:t>
+            </a:r>
+            <a:r>
+              <a:rPr lang="en-US" dirty="0"/>
+              <a:t> </a:t>
+            </a:r>
+            <a:r>
+              <a:rPr lang="en-US" dirty="0" err="1"/>
+              <a:t>đang</a:t>
+            </a:r>
+            <a:r>
+              <a:rPr lang="en-US" dirty="0"/>
+              <a:t> dang </a:t>
+            </a:r>
+            <a:r>
+              <a:rPr lang="en-US" dirty="0" err="1"/>
+              <a:t>dở</a:t>
+            </a:r>
+            <a:r>
+              <a:rPr lang="en-US" dirty="0"/>
+              <a:t>.</a:t>
             </a:r>
           </a:p>
           <a:p>
-            <a:pPr marL="0" marR="0" lvl="0" indent="0" algn="l" rtl="0">
+            <a:r>
+              <a:rPr lang="en-US" dirty="0" err="1"/>
+              <a:t>Làm</a:t>
+            </a:r>
+            <a:r>
+              <a:rPr lang="en-US" dirty="0"/>
+              <a:t> </a:t>
+            </a:r>
+            <a:r>
+              <a:rPr lang="en-US" dirty="0" err="1"/>
+              <a:t>như</a:t>
+            </a:r>
+            <a:r>
+              <a:rPr lang="en-US" dirty="0"/>
+              <a:t> </a:t>
+            </a:r>
+            <a:r>
+              <a:rPr lang="en-US" dirty="0" err="1"/>
+              <a:t>vậy</a:t>
+            </a:r>
+            <a:r>
+              <a:rPr lang="en-US" dirty="0"/>
+              <a:t> </a:t>
+            </a:r>
+            <a:r>
+              <a:rPr lang="en-US" dirty="0" err="1"/>
+              <a:t>thì</a:t>
+            </a:r>
+            <a:r>
+              <a:rPr lang="en-US" dirty="0"/>
+              <a:t> </a:t>
+            </a:r>
+            <a:r>
+              <a:rPr lang="en-US" dirty="0" err="1"/>
+              <a:t>bộ</a:t>
+            </a:r>
+            <a:r>
+              <a:rPr lang="en-US" dirty="0"/>
+              <a:t> </a:t>
+            </a:r>
+            <a:r>
+              <a:rPr lang="en-US" dirty="0" err="1"/>
+              <a:t>nhớ</a:t>
+            </a:r>
+            <a:r>
+              <a:rPr lang="en-US" dirty="0"/>
+              <a:t> RAM </a:t>
+            </a:r>
+            <a:r>
+              <a:rPr lang="en-US" dirty="0" err="1"/>
+              <a:t>của</a:t>
+            </a:r>
+            <a:r>
+              <a:rPr lang="en-US" dirty="0"/>
+              <a:t> </a:t>
+            </a:r>
+            <a:r>
+              <a:rPr lang="en-US" dirty="0" err="1"/>
+              <a:t>bạn</a:t>
+            </a:r>
+            <a:r>
+              <a:rPr lang="en-US" dirty="0"/>
+              <a:t> </a:t>
+            </a:r>
+            <a:r>
+              <a:rPr lang="en-US" dirty="0" err="1"/>
+              <a:t>sẽ</a:t>
+            </a:r>
+            <a:r>
+              <a:rPr lang="en-US" dirty="0"/>
+              <a:t> </a:t>
+            </a:r>
+            <a:r>
+              <a:rPr lang="en-US" dirty="0" err="1"/>
+              <a:t>bị</a:t>
+            </a:r>
+            <a:r>
+              <a:rPr lang="en-US" dirty="0"/>
+              <a:t> </a:t>
+            </a:r>
+            <a:r>
+              <a:rPr lang="en-US" dirty="0" err="1"/>
+              <a:t>đầy</a:t>
+            </a:r>
+            <a:r>
+              <a:rPr lang="en-US" dirty="0"/>
+              <a:t> </a:t>
+            </a:r>
+            <a:r>
+              <a:rPr lang="en-US" dirty="0" err="1"/>
+              <a:t>lên</a:t>
+            </a:r>
+            <a:r>
+              <a:rPr lang="en-US" dirty="0"/>
+              <a:t> </a:t>
+            </a:r>
+            <a:r>
+              <a:rPr lang="en-US" dirty="0" err="1"/>
+              <a:t>vì</a:t>
+            </a:r>
+            <a:r>
+              <a:rPr lang="en-US" dirty="0"/>
+              <a:t> </a:t>
+            </a:r>
+            <a:r>
+              <a:rPr lang="en-US" dirty="0" err="1"/>
+              <a:t>khi</a:t>
+            </a:r>
+            <a:r>
+              <a:rPr lang="en-US" dirty="0"/>
+              <a:t> </a:t>
+            </a:r>
+            <a:r>
+              <a:rPr lang="en-US" dirty="0" err="1"/>
+              <a:t>bạn</a:t>
+            </a:r>
+            <a:r>
+              <a:rPr lang="en-US" dirty="0"/>
+              <a:t> </a:t>
+            </a:r>
+            <a:r>
+              <a:rPr lang="en-US" dirty="0" err="1"/>
+              <a:t>nhìn</a:t>
+            </a:r>
+            <a:r>
+              <a:rPr lang="en-US" dirty="0"/>
+              <a:t> </a:t>
+            </a:r>
+            <a:r>
+              <a:rPr lang="en-US" dirty="0" err="1"/>
+              <a:t>thấy</a:t>
+            </a:r>
+            <a:r>
+              <a:rPr lang="en-US" dirty="0"/>
+              <a:t> 1 View </a:t>
+            </a:r>
+            <a:r>
+              <a:rPr lang="en-US" dirty="0" err="1"/>
+              <a:t>mới</a:t>
+            </a:r>
+            <a:r>
+              <a:rPr lang="en-US" dirty="0"/>
+              <a:t> </a:t>
+            </a:r>
+            <a:r>
+              <a:rPr lang="en-US" dirty="0" err="1"/>
+              <a:t>mà</a:t>
+            </a:r>
+            <a:r>
+              <a:rPr lang="en-US" dirty="0"/>
+              <a:t> View </a:t>
+            </a:r>
+            <a:r>
+              <a:rPr lang="en-US" dirty="0" err="1"/>
+              <a:t>cũ</a:t>
+            </a:r>
+            <a:r>
+              <a:rPr lang="en-US" dirty="0"/>
+              <a:t> (</a:t>
+            </a:r>
+            <a:r>
+              <a:rPr lang="en-US" dirty="0" err="1"/>
+              <a:t>dữ</a:t>
+            </a:r>
+            <a:r>
+              <a:rPr lang="en-US" dirty="0"/>
+              <a:t> </a:t>
+            </a:r>
+            <a:r>
+              <a:rPr lang="en-US" dirty="0" err="1"/>
+              <a:t>liệu</a:t>
+            </a:r>
+            <a:r>
+              <a:rPr lang="en-US" dirty="0"/>
+              <a:t> </a:t>
+            </a:r>
+            <a:r>
+              <a:rPr lang="en-US" dirty="0" err="1"/>
+              <a:t>cũ</a:t>
+            </a:r>
+            <a:r>
+              <a:rPr lang="en-US" dirty="0"/>
+              <a:t> </a:t>
+            </a:r>
+            <a:r>
+              <a:rPr lang="en-US" dirty="0" err="1"/>
+              <a:t>nằm</a:t>
+            </a:r>
+            <a:r>
+              <a:rPr lang="en-US" dirty="0"/>
+              <a:t> </a:t>
+            </a:r>
+            <a:r>
+              <a:rPr lang="en-US" dirty="0" err="1"/>
+              <a:t>trên</a:t>
+            </a:r>
+            <a:r>
+              <a:rPr lang="en-US" dirty="0"/>
+              <a:t> Fragment) </a:t>
+            </a:r>
+            <a:r>
+              <a:rPr lang="en-US" dirty="0" err="1"/>
+              <a:t>không</a:t>
+            </a:r>
+            <a:r>
+              <a:rPr lang="en-US" dirty="0"/>
+              <a:t> </a:t>
+            </a:r>
+            <a:r>
+              <a:rPr lang="en-US" dirty="0" err="1"/>
+              <a:t>được</a:t>
+            </a:r>
+            <a:r>
+              <a:rPr lang="en-US" dirty="0"/>
+              <a:t> </a:t>
+            </a:r>
+            <a:r>
+              <a:rPr lang="en-US" dirty="0" err="1"/>
+              <a:t>lưu</a:t>
+            </a:r>
+            <a:r>
+              <a:rPr lang="en-US" dirty="0"/>
+              <a:t> </a:t>
+            </a:r>
+            <a:r>
+              <a:rPr lang="en-US" dirty="0" err="1"/>
+              <a:t>vào</a:t>
+            </a:r>
+            <a:r>
+              <a:rPr lang="en-US" dirty="0"/>
+              <a:t> </a:t>
+            </a:r>
+            <a:r>
+              <a:rPr lang="en-US" dirty="0" err="1"/>
+              <a:t>trạng</a:t>
+            </a:r>
+            <a:r>
+              <a:rPr lang="en-US" dirty="0"/>
+              <a:t> </a:t>
+            </a:r>
+            <a:r>
+              <a:rPr lang="en-US" dirty="0" err="1"/>
+              <a:t>thái</a:t>
+            </a:r>
+            <a:r>
+              <a:rPr lang="en-US" dirty="0"/>
+              <a:t> </a:t>
+            </a:r>
+            <a:r>
+              <a:rPr lang="en-US" dirty="0" err="1"/>
+              <a:t>nghỉ</a:t>
+            </a:r>
+            <a:r>
+              <a:rPr lang="en-US" dirty="0"/>
+              <a:t> </a:t>
+            </a:r>
+            <a:r>
+              <a:rPr lang="en-US" dirty="0" err="1"/>
+              <a:t>mà</a:t>
+            </a:r>
+            <a:r>
+              <a:rPr lang="en-US" dirty="0"/>
+              <a:t> </a:t>
+            </a:r>
+            <a:r>
+              <a:rPr lang="en-US" dirty="0" err="1"/>
+              <a:t>nó</a:t>
+            </a:r>
+            <a:r>
+              <a:rPr lang="en-US" dirty="0"/>
+              <a:t> </a:t>
+            </a:r>
+            <a:r>
+              <a:rPr lang="en-US" dirty="0" err="1"/>
+              <a:t>vẫn</a:t>
+            </a:r>
+            <a:r>
+              <a:rPr lang="en-US" dirty="0"/>
+              <a:t> </a:t>
+            </a:r>
+            <a:r>
+              <a:rPr lang="en-US" dirty="0" err="1"/>
+              <a:t>chiếm</a:t>
+            </a:r>
+            <a:r>
+              <a:rPr lang="en-US" dirty="0"/>
+              <a:t> </a:t>
+            </a:r>
+            <a:r>
+              <a:rPr lang="en-US" dirty="0" err="1"/>
+              <a:t>dụng</a:t>
+            </a:r>
+            <a:r>
+              <a:rPr lang="en-US" dirty="0"/>
+              <a:t> dung </a:t>
+            </a:r>
+            <a:r>
+              <a:rPr lang="en-US" dirty="0" err="1"/>
+              <a:t>lượng</a:t>
+            </a:r>
+            <a:r>
+              <a:rPr lang="en-US" dirty="0"/>
+              <a:t> </a:t>
+            </a:r>
+            <a:r>
+              <a:rPr lang="en-US" dirty="0" err="1"/>
+              <a:t>của</a:t>
+            </a:r>
+            <a:r>
+              <a:rPr lang="en-US" dirty="0"/>
+              <a:t> RAM </a:t>
+            </a:r>
+            <a:r>
+              <a:rPr lang="en-US" dirty="0" err="1"/>
+              <a:t>và</a:t>
+            </a:r>
+            <a:r>
+              <a:rPr lang="en-US" dirty="0"/>
+              <a:t> CPU </a:t>
+            </a:r>
+            <a:r>
+              <a:rPr lang="en-US" dirty="0" err="1"/>
+              <a:t>để</a:t>
+            </a:r>
+            <a:r>
+              <a:rPr lang="en-US" dirty="0"/>
+              <a:t> </a:t>
+            </a:r>
+            <a:r>
+              <a:rPr lang="en-US" dirty="0" err="1"/>
+              <a:t>chạy</a:t>
+            </a:r>
+            <a:r>
+              <a:rPr lang="en-US" dirty="0"/>
+              <a:t> </a:t>
+            </a:r>
+            <a:r>
+              <a:rPr lang="en-US" dirty="0" err="1"/>
+              <a:t>các</a:t>
+            </a:r>
+            <a:r>
+              <a:rPr lang="en-US" dirty="0"/>
+              <a:t> </a:t>
+            </a:r>
+            <a:r>
+              <a:rPr lang="en-US" dirty="0" err="1"/>
+              <a:t>tiến</a:t>
+            </a:r>
+            <a:r>
+              <a:rPr lang="en-US" dirty="0"/>
+              <a:t> </a:t>
+            </a:r>
+            <a:r>
+              <a:rPr lang="en-US" dirty="0" err="1"/>
+              <a:t>trình</a:t>
+            </a:r>
+            <a:r>
+              <a:rPr lang="en-US" dirty="0"/>
+              <a:t> </a:t>
+            </a:r>
+            <a:r>
+              <a:rPr lang="en-US" dirty="0" err="1"/>
+              <a:t>của</a:t>
+            </a:r>
+            <a:r>
+              <a:rPr lang="en-US" dirty="0"/>
+              <a:t> </a:t>
+            </a:r>
+            <a:r>
+              <a:rPr lang="en-US" dirty="0" err="1"/>
+              <a:t>mình</a:t>
+            </a:r>
+            <a:r>
+              <a:rPr lang="en-US" dirty="0"/>
+              <a:t>.</a:t>
+            </a:r>
+          </a:p>
+          <a:p>
+            <a:pPr marL="457200" marR="0" lvl="0" indent="-393700" algn="l" rtl="0">
               <a:lnSpc>
                 <a:spcPct val="115000"/>
               </a:lnSpc>
               <a:spcBef>
-                <a:spcPts val="1600"/>
+                <a:spcPts val="0"/>
               </a:spcBef>
               <a:spcAft>
                 <a:spcPts val="0"/>
@@ -15373,130 +18057,10 @@
               <a:buClr>
                 <a:schemeClr val="dk2"/>
               </a:buClr>
-              <a:buSzPct val="25000"/>
-              <a:buFont typeface="Arial"/>
-              <a:buNone/>
+              <a:buSzPct val="100000"/>
+              <a:buFont typeface="Arial"/>
+              <a:buChar char="●"/>
             </a:pPr>
-            <a:r>
-              <a:rPr lang="vi-VN" sz="2500" b="0" i="0" u="none" strike="noStrike" cap="none" dirty="0" smtClean="0">
-                <a:solidFill>
-                  <a:srgbClr val="FF0000"/>
-                </a:solidFill>
-                <a:latin typeface="Arial"/>
-                <a:ea typeface="Arial"/>
-                <a:cs typeface="Arial"/>
-                <a:sym typeface="Arial"/>
-              </a:rPr>
-              <a:t>=&gt; C</a:t>
-            </a:r>
-            <a:r>
-              <a:rPr lang="vi" sz="2500" b="0" i="0" u="none" strike="noStrike" cap="none" dirty="0" smtClean="0">
-                <a:solidFill>
-                  <a:srgbClr val="FF0000"/>
-                </a:solidFill>
-                <a:latin typeface="Arial"/>
-                <a:ea typeface="Arial"/>
-                <a:cs typeface="Arial"/>
-                <a:sym typeface="Arial"/>
-              </a:rPr>
-              <a:t>hú ý</a:t>
-            </a:r>
-            <a:r>
-              <a:rPr lang="vi-VN" sz="2500" b="0" i="0" u="none" strike="noStrike" cap="none" dirty="0" smtClean="0">
-                <a:solidFill>
-                  <a:srgbClr val="FF0000"/>
-                </a:solidFill>
-                <a:latin typeface="Arial"/>
-                <a:ea typeface="Arial"/>
-                <a:cs typeface="Arial"/>
-                <a:sym typeface="Arial"/>
-              </a:rPr>
-              <a:t>:</a:t>
-            </a:r>
-            <a:r>
-              <a:rPr lang="vi" sz="2500" b="0" i="0" u="none" strike="noStrike" cap="none" dirty="0" smtClean="0">
-                <a:solidFill>
-                  <a:srgbClr val="FF0000"/>
-                </a:solidFill>
-                <a:latin typeface="Arial"/>
-                <a:ea typeface="Arial"/>
-                <a:cs typeface="Arial"/>
-                <a:sym typeface="Arial"/>
-              </a:rPr>
-              <a:t> </a:t>
-            </a:r>
-            <a:r>
-              <a:rPr lang="vi" sz="2500" b="0" i="0" u="none" strike="noStrike" cap="none" dirty="0">
-                <a:solidFill>
-                  <a:srgbClr val="FF0000"/>
-                </a:solidFill>
-                <a:latin typeface="Arial"/>
-                <a:ea typeface="Arial"/>
-                <a:cs typeface="Arial"/>
-                <a:sym typeface="Arial"/>
-              </a:rPr>
-              <a:t>đã có bundle thì ta có thể truyền được tất cả như </a:t>
-            </a:r>
-            <a:r>
-              <a:rPr lang="en-US" sz="2500" b="0" i="0" u="none" strike="noStrike" cap="none" dirty="0" smtClean="0">
-                <a:solidFill>
-                  <a:srgbClr val="FF0000"/>
-                </a:solidFill>
-                <a:latin typeface="Arial"/>
-                <a:ea typeface="Arial"/>
-                <a:cs typeface="Arial"/>
-                <a:sym typeface="Arial"/>
-              </a:rPr>
-              <a:t> </a:t>
-            </a:r>
-            <a:r>
-              <a:rPr lang="en-US" sz="2500" b="0" i="0" u="none" strike="noStrike" cap="none" dirty="0" err="1" smtClean="0">
-                <a:solidFill>
-                  <a:srgbClr val="FF0000"/>
-                </a:solidFill>
-                <a:latin typeface="Arial"/>
-                <a:ea typeface="Arial"/>
-                <a:cs typeface="Arial"/>
-                <a:sym typeface="Arial"/>
-              </a:rPr>
-              <a:t>truy</a:t>
-            </a:r>
-            <a:r>
-              <a:rPr lang="vi-VN" sz="2500" b="0" i="0" u="none" strike="noStrike" cap="none" dirty="0" smtClean="0">
-                <a:solidFill>
-                  <a:srgbClr val="FF0000"/>
-                </a:solidFill>
-                <a:latin typeface="Arial"/>
-                <a:ea typeface="Arial"/>
-                <a:cs typeface="Arial"/>
-                <a:sym typeface="Arial"/>
-              </a:rPr>
-              <a:t>ền Bundle qua </a:t>
-            </a:r>
-            <a:r>
-              <a:rPr lang="vi" sz="2500" b="0" i="0" u="none" strike="noStrike" cap="none" dirty="0" smtClean="0">
-                <a:solidFill>
-                  <a:srgbClr val="FF0000"/>
-                </a:solidFill>
-                <a:latin typeface="Arial"/>
-                <a:ea typeface="Arial"/>
-                <a:cs typeface="Arial"/>
-                <a:sym typeface="Arial"/>
-              </a:rPr>
-              <a:t>activity</a:t>
-            </a:r>
-            <a:r>
-              <a:rPr lang="vi-VN" sz="2500" b="0" i="0" u="none" strike="noStrike" cap="none" dirty="0" smtClean="0">
-                <a:solidFill>
-                  <a:srgbClr val="FF0000"/>
-                </a:solidFill>
-                <a:latin typeface="Arial"/>
-                <a:ea typeface="Arial"/>
-                <a:cs typeface="Arial"/>
-                <a:sym typeface="Arial"/>
-              </a:rPr>
-              <a:t> vậy</a:t>
-            </a:r>
             <a:endParaRPr lang="vi" sz="2500" b="0" i="0" u="none" strike="noStrike" cap="none" dirty="0">
               <a:solidFill>
                 <a:srgbClr val="FF0000"/>
@@ -15558,7 +18122,7 @@
               <a:buNone/>
             </a:pPr>
             <a:r>
-              <a:rPr lang="vi" sz="2800" b="1" i="0" u="none" strike="noStrike" cap="none">
+              <a:rPr lang="en-US" sz="2800" b="1" i="0" u="none" strike="noStrike" cap="none" dirty="0" smtClean="0">
                 <a:solidFill>
                   <a:srgbClr val="FFFFFF"/>
                 </a:solidFill>
@@ -15567,8 +18131,29 @@
                 <a:cs typeface="Arial"/>
                 <a:sym typeface="Arial"/>
               </a:rPr>
+              <a:t>Add </a:t>
+            </a:r>
+            <a:r>
+              <a:rPr lang="vi" sz="2800" b="1" i="0" u="none" strike="noStrike" cap="none" dirty="0" smtClean="0">
+                <a:solidFill>
+                  <a:srgbClr val="FFFFFF"/>
+                </a:solidFill>
+                <a:latin typeface="Arial"/>
+                <a:ea typeface="Arial"/>
+                <a:cs typeface="Arial"/>
+                <a:sym typeface="Arial"/>
+              </a:rPr>
               <a:t>Fragment</a:t>
             </a:r>
+            <a:endParaRPr lang="vi" sz="2800" b="1" i="0" u="none" strike="noStrike" cap="none" dirty="0">
+              <a:solidFill>
+                <a:srgbClr val="FFFFFF"/>
+              </a:solidFill>
+              <a:latin typeface="Arial"/>
+              <a:ea typeface="Arial"/>
+              <a:cs typeface="Arial"/>
+              <a:sym typeface="Arial"/>
+            </a:endParaRPr>
           </a:p>
         </p:txBody>
       </p:sp>
@@ -15632,6 +18217,828 @@
         </p:txBody>
       </p:sp>
     </p:spTree>
+    <p:extLst>
+      <p:ext uri="{BB962C8B-B14F-4D97-AF65-F5344CB8AC3E}">
+        <p14:creationId xmlns:p14="http://schemas.microsoft.com/office/powerpoint/2010/main" val="959997301"/>
+      </p:ext>
+    </p:extLst>
+  </p:cSld>
+  <p:clrMapOvr>
+    <a:masterClrMapping/>
+  </p:clrMapOvr>
+</p:sld>
+</file>
+
+<file path=ppt/slides/slide19.xml><?xml version="1.0" encoding="utf-8"?>
+<p:sld xmlns:a="http://schemas.openxmlformats.org/drawingml/2006/main" xmlns:r="http://schemas.openxmlformats.org/officeDocument/2006/relationships" xmlns:p="http://schemas.openxmlformats.org/presentationml/2006/main">
+  <p:cSld>
+    <p:spTree>
+      <p:nvGrpSpPr>
+        <p:cNvPr id="1" name="Shape 199"/>
+        <p:cNvGrpSpPr/>
+        <p:nvPr/>
+      </p:nvGrpSpPr>
+      <p:grpSpPr>
+        <a:xfrm>
+          <a:off x="0" y="0"/>
+          <a:ext cx="0" cy="0"/>
+          <a:chOff x="0" y="0"/>
+          <a:chExt cx="0" cy="0"/>
+        </a:xfrm>
+      </p:grpSpPr>
+      <p:sp>
+        <p:nvSpPr>
+          <p:cNvPr id="201" name="Shape 201"/>
+          <p:cNvSpPr txBox="1">
+            <a:spLocks noGrp="1"/>
+          </p:cNvSpPr>
+          <p:nvPr>
+            <p:ph type="body" idx="1"/>
+          </p:nvPr>
+        </p:nvSpPr>
+        <p:spPr>
+          <a:xfrm>
+            <a:off x="311700" y="751438"/>
+            <a:ext cx="8520599" cy="3817537"/>
+          </a:xfrm>
+          <a:prstGeom prst="rect">
+            <a:avLst/>
+          </a:prstGeom>
+          <a:noFill/>
+          <a:ln>
+            <a:noFill/>
+          </a:ln>
+        </p:spPr>
+        <p:txBody>
+          <a:bodyPr lIns="91425" tIns="91425" rIns="91425" bIns="91425" anchor="t" anchorCtr="0">
+            <a:noAutofit/>
+          </a:bodyPr>
+          <a:lstStyle/>
+          <a:p>
+            <a:pPr marL="457200" lvl="0" indent="-393700">
+              <a:spcAft>
+                <a:spcPts val="0"/>
+              </a:spcAft>
+              <a:buSzPct val="100000"/>
+              <a:buFont typeface="Arial"/>
+              <a:buChar char="●"/>
+            </a:pPr>
+            <a:r>
+              <a:rPr lang="en-US" b="1" dirty="0"/>
+              <a:t>Replace()</a:t>
+            </a:r>
+            <a:r>
+              <a:rPr lang="en-US" dirty="0"/>
+              <a:t> </a:t>
+            </a:r>
+            <a:r>
+              <a:rPr lang="en-US" dirty="0" err="1"/>
+              <a:t>Khi</a:t>
+            </a:r>
+            <a:r>
+              <a:rPr lang="en-US" dirty="0"/>
+              <a:t> </a:t>
+            </a:r>
+            <a:r>
+              <a:rPr lang="en-US" dirty="0" err="1"/>
+              <a:t>bạn</a:t>
+            </a:r>
+            <a:r>
+              <a:rPr lang="en-US" dirty="0"/>
+              <a:t> </a:t>
+            </a:r>
+            <a:r>
+              <a:rPr lang="en-US" dirty="0" err="1"/>
+              <a:t>hiển</a:t>
+            </a:r>
+            <a:r>
+              <a:rPr lang="en-US" dirty="0"/>
+              <a:t> 1 fragment </a:t>
+            </a:r>
+            <a:r>
+              <a:rPr lang="en-US" dirty="0" err="1"/>
+              <a:t>bằng</a:t>
+            </a:r>
+            <a:r>
+              <a:rPr lang="en-US" dirty="0"/>
+              <a:t> </a:t>
+            </a:r>
+            <a:r>
+              <a:rPr lang="en-US" dirty="0" err="1"/>
+              <a:t>hàm</a:t>
+            </a:r>
+            <a:r>
+              <a:rPr lang="en-US" dirty="0"/>
+              <a:t> </a:t>
+            </a:r>
+            <a:r>
+              <a:rPr lang="en-US" b="1" dirty="0"/>
+              <a:t>replace()</a:t>
+            </a:r>
+            <a:r>
+              <a:rPr lang="en-US" dirty="0"/>
+              <a:t> "</a:t>
+            </a:r>
+            <a:r>
+              <a:rPr lang="en-US" dirty="0" err="1"/>
+              <a:t>transaction.replace</a:t>
+            </a:r>
+            <a:r>
+              <a:rPr lang="en-US" dirty="0"/>
+              <a:t>()" </a:t>
+            </a:r>
+            <a:r>
+              <a:rPr lang="en-US" dirty="0" err="1"/>
+              <a:t>thì</a:t>
+            </a:r>
+            <a:r>
+              <a:rPr lang="en-US" dirty="0"/>
+              <a:t> </a:t>
+            </a:r>
+            <a:r>
+              <a:rPr lang="en-US" dirty="0" err="1"/>
+              <a:t>tức</a:t>
+            </a:r>
+            <a:r>
+              <a:rPr lang="en-US" dirty="0"/>
+              <a:t> </a:t>
+            </a:r>
+            <a:r>
+              <a:rPr lang="en-US" dirty="0" err="1"/>
+              <a:t>là</a:t>
+            </a:r>
+            <a:r>
+              <a:rPr lang="en-US" dirty="0"/>
+              <a:t> </a:t>
+            </a:r>
+            <a:r>
+              <a:rPr lang="en-US" dirty="0" err="1"/>
+              <a:t>bạn</a:t>
+            </a:r>
+            <a:r>
+              <a:rPr lang="en-US" dirty="0"/>
+              <a:t> </a:t>
+            </a:r>
+            <a:r>
+              <a:rPr lang="en-US" dirty="0" err="1"/>
+              <a:t>đã</a:t>
+            </a:r>
+            <a:r>
+              <a:rPr lang="en-US" dirty="0"/>
+              <a:t> remove fragment </a:t>
+            </a:r>
+            <a:r>
+              <a:rPr lang="en-US" dirty="0" err="1"/>
+              <a:t>cũ</a:t>
+            </a:r>
+            <a:r>
+              <a:rPr lang="en-US" dirty="0"/>
+              <a:t> </a:t>
+            </a:r>
+            <a:r>
+              <a:rPr lang="en-US" dirty="0" err="1"/>
+              <a:t>ra</a:t>
+            </a:r>
+            <a:r>
+              <a:rPr lang="en-US" dirty="0"/>
+              <a:t> </a:t>
+            </a:r>
+            <a:r>
+              <a:rPr lang="en-US" dirty="0" err="1"/>
+              <a:t>khỏi</a:t>
+            </a:r>
+            <a:r>
+              <a:rPr lang="en-US" dirty="0"/>
+              <a:t> View </a:t>
+            </a:r>
+            <a:r>
+              <a:rPr lang="en-US" dirty="0" err="1"/>
+              <a:t>và</a:t>
+            </a:r>
+            <a:r>
+              <a:rPr lang="en-US" dirty="0"/>
+              <a:t> </a:t>
+            </a:r>
+            <a:r>
+              <a:rPr lang="en-US" dirty="0" err="1"/>
+              <a:t>thay</a:t>
+            </a:r>
+            <a:r>
+              <a:rPr lang="en-US" dirty="0"/>
+              <a:t> </a:t>
+            </a:r>
+            <a:r>
+              <a:rPr lang="en-US" dirty="0" err="1"/>
+              <a:t>thế</a:t>
+            </a:r>
+            <a:r>
+              <a:rPr lang="en-US" dirty="0"/>
+              <a:t> </a:t>
+            </a:r>
+            <a:r>
+              <a:rPr lang="en-US" dirty="0" err="1"/>
+              <a:t>nó</a:t>
+            </a:r>
+            <a:r>
+              <a:rPr lang="en-US" dirty="0"/>
+              <a:t> </a:t>
+            </a:r>
+            <a:r>
+              <a:rPr lang="en-US" dirty="0" err="1"/>
+              <a:t>bằng</a:t>
+            </a:r>
+            <a:r>
+              <a:rPr lang="en-US" dirty="0"/>
+              <a:t> 1 fragment </a:t>
+            </a:r>
+            <a:r>
+              <a:rPr lang="en-US" dirty="0" err="1"/>
+              <a:t>mới</a:t>
+            </a:r>
+            <a:r>
+              <a:rPr lang="en-US" dirty="0"/>
+              <a:t> </a:t>
+            </a:r>
+            <a:r>
+              <a:rPr lang="en-US" dirty="0" err="1"/>
+              <a:t>hoàn</a:t>
+            </a:r>
+            <a:r>
+              <a:rPr lang="en-US" dirty="0"/>
+              <a:t> </a:t>
+            </a:r>
+            <a:r>
+              <a:rPr lang="en-US" dirty="0" err="1"/>
+              <a:t>toàn</a:t>
+            </a:r>
+            <a:r>
+              <a:rPr lang="en-US" dirty="0" smtClean="0"/>
+              <a:t>.</a:t>
+            </a:r>
+          </a:p>
+          <a:p>
+            <a:pPr marL="457200" lvl="0" indent="-393700">
+              <a:spcAft>
+                <a:spcPts val="0"/>
+              </a:spcAft>
+              <a:buSzPct val="100000"/>
+              <a:buFont typeface="Arial"/>
+              <a:buChar char="●"/>
+            </a:pPr>
+            <a:r>
+              <a:rPr lang="en-US" dirty="0" err="1"/>
+              <a:t>Như</a:t>
+            </a:r>
+            <a:r>
+              <a:rPr lang="en-US" dirty="0"/>
+              <a:t> </a:t>
+            </a:r>
+            <a:r>
+              <a:rPr lang="en-US" dirty="0" err="1"/>
+              <a:t>vậy</a:t>
+            </a:r>
+            <a:r>
+              <a:rPr lang="en-US" dirty="0"/>
+              <a:t> </a:t>
+            </a:r>
+            <a:r>
+              <a:rPr lang="en-US" dirty="0" err="1"/>
+              <a:t>khi</a:t>
+            </a:r>
+            <a:r>
+              <a:rPr lang="en-US" dirty="0"/>
+              <a:t> </a:t>
+            </a:r>
+            <a:r>
+              <a:rPr lang="en-US" dirty="0" err="1"/>
+              <a:t>bạn</a:t>
+            </a:r>
+            <a:r>
+              <a:rPr lang="en-US" dirty="0"/>
+              <a:t> </a:t>
+            </a:r>
+            <a:r>
+              <a:rPr lang="en-US" dirty="0" err="1"/>
+              <a:t>gọi</a:t>
+            </a:r>
+            <a:r>
+              <a:rPr lang="en-US" dirty="0"/>
+              <a:t> </a:t>
+            </a:r>
+            <a:r>
+              <a:rPr lang="en-US" dirty="0" err="1"/>
+              <a:t>hàm</a:t>
+            </a:r>
+            <a:r>
+              <a:rPr lang="en-US" dirty="0"/>
+              <a:t> replace() </a:t>
+            </a:r>
+            <a:r>
+              <a:rPr lang="en-US" dirty="0" err="1"/>
+              <a:t>thì</a:t>
+            </a:r>
+            <a:r>
+              <a:rPr lang="en-US" dirty="0"/>
+              <a:t> </a:t>
+            </a:r>
+            <a:r>
+              <a:rPr lang="en-US" dirty="0" err="1"/>
+              <a:t>frament</a:t>
+            </a:r>
+            <a:r>
+              <a:rPr lang="en-US" dirty="0"/>
+              <a:t> </a:t>
+            </a:r>
+            <a:r>
+              <a:rPr lang="en-US" dirty="0" err="1"/>
+              <a:t>cũ</a:t>
+            </a:r>
+            <a:r>
+              <a:rPr lang="en-US" dirty="0"/>
+              <a:t> </a:t>
+            </a:r>
+            <a:r>
+              <a:rPr lang="en-US" dirty="0" err="1"/>
+              <a:t>sẽ</a:t>
+            </a:r>
+            <a:r>
+              <a:rPr lang="en-US" dirty="0"/>
+              <a:t> </a:t>
+            </a:r>
+            <a:r>
+              <a:rPr lang="en-US" dirty="0" err="1"/>
+              <a:t>gọi</a:t>
+            </a:r>
+            <a:r>
+              <a:rPr lang="en-US" dirty="0"/>
+              <a:t> </a:t>
+            </a:r>
+            <a:r>
+              <a:rPr lang="en-US" dirty="0" err="1"/>
+              <a:t>vào</a:t>
+            </a:r>
+            <a:r>
+              <a:rPr lang="en-US" dirty="0"/>
+              <a:t> </a:t>
+            </a:r>
+            <a:r>
+              <a:rPr lang="en-US" dirty="0" err="1"/>
+              <a:t>hàm</a:t>
+            </a:r>
+            <a:r>
+              <a:rPr lang="en-US" dirty="0"/>
+              <a:t> </a:t>
+            </a:r>
+            <a:r>
+              <a:rPr lang="en-US" dirty="0" err="1"/>
+              <a:t>onPause</a:t>
+            </a:r>
+            <a:r>
+              <a:rPr lang="en-US" dirty="0"/>
+              <a:t>() </a:t>
+            </a:r>
+            <a:r>
+              <a:rPr lang="en-US" dirty="0" err="1"/>
+              <a:t>và</a:t>
+            </a:r>
+            <a:r>
+              <a:rPr lang="en-US" dirty="0"/>
+              <a:t> </a:t>
+            </a:r>
+            <a:r>
+              <a:rPr lang="en-US" b="1" dirty="0" err="1"/>
+              <a:t>savedInstanceState</a:t>
+            </a:r>
+            <a:r>
+              <a:rPr lang="en-US" dirty="0"/>
+              <a:t> </a:t>
+            </a:r>
+            <a:r>
+              <a:rPr lang="en-US" dirty="0" err="1"/>
+              <a:t>lại</a:t>
+            </a:r>
+            <a:r>
+              <a:rPr lang="en-US" dirty="0"/>
+              <a:t> </a:t>
+            </a:r>
+            <a:r>
+              <a:rPr lang="en-US" dirty="0" err="1"/>
+              <a:t>trạng</a:t>
+            </a:r>
+            <a:r>
+              <a:rPr lang="en-US" dirty="0"/>
+              <a:t> </a:t>
+            </a:r>
+            <a:r>
+              <a:rPr lang="en-US" dirty="0" err="1"/>
+              <a:t>thái</a:t>
+            </a:r>
+            <a:r>
+              <a:rPr lang="en-US" dirty="0"/>
+              <a:t> </a:t>
+            </a:r>
+            <a:r>
+              <a:rPr lang="en-US" dirty="0" err="1"/>
+              <a:t>hiện</a:t>
+            </a:r>
+            <a:r>
+              <a:rPr lang="en-US" dirty="0"/>
+              <a:t> </a:t>
+            </a:r>
+            <a:r>
+              <a:rPr lang="en-US" dirty="0" err="1"/>
+              <a:t>tại</a:t>
+            </a:r>
+            <a:r>
+              <a:rPr lang="en-US" dirty="0"/>
+              <a:t> </a:t>
+            </a:r>
+            <a:r>
+              <a:rPr lang="en-US" dirty="0" err="1"/>
+              <a:t>của</a:t>
+            </a:r>
+            <a:r>
+              <a:rPr lang="en-US" dirty="0"/>
+              <a:t> </a:t>
+            </a:r>
+            <a:r>
+              <a:rPr lang="en-US" dirty="0" err="1"/>
+              <a:t>nó</a:t>
+            </a:r>
+            <a:r>
+              <a:rPr lang="en-US" dirty="0"/>
+              <a:t>. </a:t>
+            </a:r>
+            <a:r>
+              <a:rPr lang="en-US" dirty="0" err="1"/>
+              <a:t>Khi</a:t>
+            </a:r>
+            <a:r>
+              <a:rPr lang="en-US" dirty="0"/>
+              <a:t> </a:t>
+            </a:r>
+            <a:r>
+              <a:rPr lang="en-US" dirty="0" err="1"/>
+              <a:t>bạn</a:t>
+            </a:r>
+            <a:r>
+              <a:rPr lang="en-US" dirty="0"/>
+              <a:t> </a:t>
+            </a:r>
+            <a:r>
+              <a:rPr lang="en-US" dirty="0" err="1"/>
+              <a:t>gọi</a:t>
+            </a:r>
+            <a:r>
+              <a:rPr lang="en-US" dirty="0"/>
+              <a:t> </a:t>
+            </a:r>
+            <a:r>
+              <a:rPr lang="en-US" dirty="0" err="1"/>
+              <a:t>sự</a:t>
+            </a:r>
+            <a:r>
+              <a:rPr lang="en-US" dirty="0"/>
+              <a:t> </a:t>
+            </a:r>
+            <a:r>
+              <a:rPr lang="en-US" dirty="0" err="1"/>
+              <a:t>kiện</a:t>
+            </a:r>
+            <a:r>
+              <a:rPr lang="en-US" dirty="0"/>
+              <a:t> </a:t>
+            </a:r>
+            <a:r>
+              <a:rPr lang="en-US" b="1" dirty="0" err="1"/>
+              <a:t>popBackStack</a:t>
+            </a:r>
+            <a:r>
+              <a:rPr lang="en-US" b="1" dirty="0"/>
+              <a:t>()</a:t>
+            </a:r>
+            <a:r>
+              <a:rPr lang="en-US" dirty="0"/>
+              <a:t> </a:t>
+            </a:r>
+            <a:r>
+              <a:rPr lang="en-US" dirty="0" err="1"/>
+              <a:t>ở</a:t>
+            </a:r>
+            <a:r>
+              <a:rPr lang="en-US" dirty="0"/>
+              <a:t> fragment </a:t>
+            </a:r>
+            <a:r>
+              <a:rPr lang="en-US" dirty="0" err="1"/>
+              <a:t>hiện</a:t>
+            </a:r>
+            <a:r>
+              <a:rPr lang="en-US" dirty="0"/>
+              <a:t> </a:t>
+            </a:r>
+            <a:r>
+              <a:rPr lang="en-US" dirty="0" err="1"/>
+              <a:t>tại</a:t>
+            </a:r>
+            <a:r>
+              <a:rPr lang="en-US" dirty="0"/>
+              <a:t> </a:t>
+            </a:r>
+            <a:r>
+              <a:rPr lang="en-US" dirty="0" err="1"/>
+              <a:t>để</a:t>
+            </a:r>
+            <a:r>
+              <a:rPr lang="en-US" dirty="0"/>
+              <a:t> </a:t>
+            </a:r>
+            <a:r>
+              <a:rPr lang="en-US" dirty="0" err="1"/>
+              <a:t>trở</a:t>
+            </a:r>
+            <a:r>
+              <a:rPr lang="en-US" dirty="0"/>
+              <a:t> </a:t>
+            </a:r>
+            <a:r>
+              <a:rPr lang="en-US" dirty="0" err="1"/>
+              <a:t>về</a:t>
+            </a:r>
+            <a:r>
+              <a:rPr lang="en-US" dirty="0"/>
+              <a:t> fragment </a:t>
+            </a:r>
+            <a:r>
+              <a:rPr lang="en-US" dirty="0" err="1"/>
+              <a:t>cũ</a:t>
+            </a:r>
+            <a:r>
+              <a:rPr lang="en-US" dirty="0"/>
+              <a:t> </a:t>
+            </a:r>
+            <a:r>
+              <a:rPr lang="en-US" dirty="0" err="1"/>
+              <a:t>thì</a:t>
+            </a:r>
+            <a:r>
+              <a:rPr lang="en-US" dirty="0"/>
+              <a:t> fragment </a:t>
+            </a:r>
+            <a:r>
+              <a:rPr lang="en-US" dirty="0" err="1"/>
+              <a:t>sẽ</a:t>
+            </a:r>
+            <a:r>
+              <a:rPr lang="en-US" dirty="0"/>
+              <a:t> </a:t>
+            </a:r>
+            <a:r>
+              <a:rPr lang="en-US" dirty="0" err="1"/>
+              <a:t>được</a:t>
+            </a:r>
+            <a:r>
+              <a:rPr lang="en-US" dirty="0"/>
+              <a:t> </a:t>
+            </a:r>
+            <a:r>
+              <a:rPr lang="en-US" dirty="0" err="1"/>
+              <a:t>khởi</a:t>
+            </a:r>
+            <a:r>
+              <a:rPr lang="en-US" dirty="0"/>
+              <a:t> </a:t>
+            </a:r>
+            <a:r>
+              <a:rPr lang="en-US" dirty="0" err="1"/>
+              <a:t>tạo</a:t>
+            </a:r>
+            <a:r>
+              <a:rPr lang="en-US" dirty="0"/>
+              <a:t> </a:t>
+            </a:r>
+            <a:r>
+              <a:rPr lang="en-US" dirty="0" err="1"/>
+              <a:t>lại</a:t>
+            </a:r>
+            <a:r>
+              <a:rPr lang="en-US" dirty="0"/>
+              <a:t> </a:t>
+            </a:r>
+            <a:r>
+              <a:rPr lang="en-US" dirty="0" err="1"/>
+              <a:t>với</a:t>
+            </a:r>
+            <a:r>
+              <a:rPr lang="en-US" dirty="0"/>
+              <a:t> </a:t>
+            </a:r>
+            <a:r>
+              <a:rPr lang="en-US" dirty="0" err="1"/>
+              <a:t>trạng</a:t>
+            </a:r>
+            <a:r>
+              <a:rPr lang="en-US" dirty="0"/>
+              <a:t> </a:t>
+            </a:r>
+            <a:r>
+              <a:rPr lang="en-US" dirty="0" err="1"/>
+              <a:t>thái</a:t>
+            </a:r>
+            <a:r>
+              <a:rPr lang="en-US" dirty="0"/>
+              <a:t> </a:t>
+            </a:r>
+            <a:r>
+              <a:rPr lang="en-US" dirty="0" err="1"/>
+              <a:t>được</a:t>
+            </a:r>
+            <a:r>
+              <a:rPr lang="en-US" dirty="0"/>
+              <a:t> </a:t>
+            </a:r>
+            <a:r>
+              <a:rPr lang="en-US" dirty="0" err="1"/>
+              <a:t>lưu</a:t>
+            </a:r>
+            <a:r>
+              <a:rPr lang="en-US" dirty="0"/>
+              <a:t> </a:t>
+            </a:r>
+            <a:r>
+              <a:rPr lang="en-US" dirty="0" err="1"/>
+              <a:t>trong</a:t>
+            </a:r>
+            <a:r>
+              <a:rPr lang="en-US" dirty="0"/>
+              <a:t> </a:t>
+            </a:r>
+            <a:r>
+              <a:rPr lang="en-US" b="1" dirty="0" err="1"/>
+              <a:t>savedInstanceState</a:t>
+            </a:r>
+            <a:r>
+              <a:rPr lang="en-US" dirty="0"/>
+              <a:t>.</a:t>
+            </a:r>
+            <a:endParaRPr lang="vi" b="0" i="0" u="none" strike="noStrike" cap="none" dirty="0">
+              <a:solidFill>
+                <a:srgbClr val="FF0000"/>
+              </a:solidFill>
+              <a:sym typeface="Arial"/>
+            </a:endParaRPr>
+          </a:p>
+        </p:txBody>
+      </p:sp>
+      <p:sp>
+        <p:nvSpPr>
+          <p:cNvPr id="202" name="Shape 202"/>
+          <p:cNvSpPr txBox="1">
+            <a:spLocks noGrp="1"/>
+          </p:cNvSpPr>
+          <p:nvPr>
+            <p:ph type="title"/>
+          </p:nvPr>
+        </p:nvSpPr>
+        <p:spPr>
+          <a:xfrm>
+            <a:off x="242775" y="77425"/>
+            <a:ext cx="8520599" cy="572699"/>
+          </a:xfrm>
+          <a:prstGeom prst="rect">
+            <a:avLst/>
+          </a:prstGeom>
+          <a:solidFill>
+            <a:srgbClr val="0A59B0"/>
+          </a:solidFill>
+          <a:ln>
+            <a:noFill/>
+          </a:ln>
+        </p:spPr>
+        <p:txBody>
+          <a:bodyPr lIns="91425" tIns="91425" rIns="91425" bIns="91425" anchor="t" anchorCtr="0">
+            <a:noAutofit/>
+          </a:bodyPr>
+          <a:lstStyle/>
+          <a:p>
+            <a:pPr marL="0" marR="0" lvl="0" indent="0" algn="l" rtl="0">
+              <a:lnSpc>
+                <a:spcPct val="100000"/>
+              </a:lnSpc>
+              <a:spcBef>
+                <a:spcPts val="0"/>
+              </a:spcBef>
+              <a:spcAft>
+                <a:spcPts val="0"/>
+              </a:spcAft>
+              <a:buClr>
+                <a:schemeClr val="dk1"/>
+              </a:buClr>
+              <a:buSzPct val="25000"/>
+              <a:buFont typeface="Arial"/>
+              <a:buNone/>
+            </a:pPr>
+            <a:r>
+              <a:rPr lang="en-US" sz="2800" b="1" i="0" u="none" strike="noStrike" cap="none" dirty="0" smtClean="0">
+                <a:solidFill>
+                  <a:srgbClr val="FFFFFF"/>
+                </a:solidFill>
+                <a:latin typeface="Arial"/>
+                <a:ea typeface="Arial"/>
+                <a:cs typeface="Arial"/>
+                <a:sym typeface="Arial"/>
+              </a:rPr>
+              <a:t>Replace </a:t>
+            </a:r>
+            <a:r>
+              <a:rPr lang="vi" sz="2800" b="1" i="0" u="none" strike="noStrike" cap="none" dirty="0" smtClean="0">
+                <a:solidFill>
+                  <a:srgbClr val="FFFFFF"/>
+                </a:solidFill>
+                <a:latin typeface="Arial"/>
+                <a:ea typeface="Arial"/>
+                <a:cs typeface="Arial"/>
+                <a:sym typeface="Arial"/>
+              </a:rPr>
+              <a:t>Fragment</a:t>
+            </a:r>
+            <a:endParaRPr lang="vi" sz="2800" b="1" i="0" u="none" strike="noStrike" cap="none" dirty="0">
+              <a:solidFill>
+                <a:srgbClr val="FFFFFF"/>
+              </a:solidFill>
+              <a:latin typeface="Arial"/>
+              <a:ea typeface="Arial"/>
+              <a:cs typeface="Arial"/>
+              <a:sym typeface="Arial"/>
+            </a:endParaRPr>
+          </a:p>
+        </p:txBody>
+      </p:sp>
+      <p:sp>
+        <p:nvSpPr>
+          <p:cNvPr id="203" name="Shape 203"/>
+          <p:cNvSpPr/>
+          <p:nvPr/>
+        </p:nvSpPr>
+        <p:spPr>
+          <a:xfrm>
+            <a:off x="146050" y="4657725"/>
+            <a:ext cx="457200" cy="342899"/>
+          </a:xfrm>
+          <a:prstGeom prst="ellipse">
+            <a:avLst/>
+          </a:prstGeom>
+          <a:solidFill>
+            <a:srgbClr val="0A59B0"/>
+          </a:solidFill>
+          <a:ln>
+            <a:noFill/>
+          </a:ln>
+        </p:spPr>
+        <p:txBody>
+          <a:bodyPr lIns="0" tIns="0" rIns="0" bIns="0" anchor="ctr" anchorCtr="1">
+            <a:noAutofit/>
+          </a:bodyPr>
+          <a:lstStyle/>
+          <a:p>
+            <a:pPr marL="0" marR="0" lvl="0" indent="0" algn="ctr" rtl="0">
+              <a:lnSpc>
+                <a:spcPct val="100000"/>
+              </a:lnSpc>
+              <a:spcBef>
+                <a:spcPts val="0"/>
+              </a:spcBef>
+              <a:spcAft>
+                <a:spcPts val="0"/>
+              </a:spcAft>
+              <a:buClr>
+                <a:srgbClr val="000000"/>
+              </a:buClr>
+              <a:buSzPct val="25000"/>
+              <a:buFont typeface="Arial"/>
+              <a:buNone/>
+            </a:pPr>
+            <a:r>
+              <a:rPr lang="vi" sz="1400" b="0" i="0" u="none" strike="noStrike" cap="none">
+                <a:solidFill>
+                  <a:srgbClr val="000000"/>
+                </a:solidFill>
+                <a:latin typeface="Arial"/>
+                <a:ea typeface="Arial"/>
+                <a:cs typeface="Arial"/>
+                <a:sym typeface="Arial"/>
+              </a:rPr>
+              <a:t> </a:t>
+            </a:r>
+          </a:p>
+        </p:txBody>
+      </p:sp>
+    </p:spTree>
+    <p:extLst>
+      <p:ext uri="{BB962C8B-B14F-4D97-AF65-F5344CB8AC3E}">
+        <p14:creationId xmlns:p14="http://schemas.microsoft.com/office/powerpoint/2010/main" val="1911165193"/>
+      </p:ext>
+    </p:extLst>
   </p:cSld>
   <p:clrMapOvr>
     <a:masterClrMapping/>
@@ -15840,6 +19247,3988 @@
         </p:txBody>
       </p:sp>
     </p:spTree>
+  </p:cSld>
+  <p:clrMapOvr>
+    <a:masterClrMapping/>
+  </p:clrMapOvr>
+</p:sld>
+</file>
+
+<file path=ppt/slides/slide20.xml><?xml version="1.0" encoding="utf-8"?>
+<p:sld xmlns:a="http://schemas.openxmlformats.org/drawingml/2006/main" xmlns:r="http://schemas.openxmlformats.org/officeDocument/2006/relationships" xmlns:p="http://schemas.openxmlformats.org/presentationml/2006/main">
+  <p:cSld>
+    <p:spTree>
+      <p:nvGrpSpPr>
+        <p:cNvPr id="1" name="Shape 199"/>
+        <p:cNvGrpSpPr/>
+        <p:nvPr/>
+      </p:nvGrpSpPr>
+      <p:grpSpPr>
+        <a:xfrm>
+          <a:off x="0" y="0"/>
+          <a:ext cx="0" cy="0"/>
+          <a:chOff x="0" y="0"/>
+          <a:chExt cx="0" cy="0"/>
+        </a:xfrm>
+      </p:grpSpPr>
+      <p:sp>
+        <p:nvSpPr>
+          <p:cNvPr id="201" name="Shape 201"/>
+          <p:cNvSpPr txBox="1">
+            <a:spLocks noGrp="1"/>
+          </p:cNvSpPr>
+          <p:nvPr>
+            <p:ph type="body" idx="1"/>
+          </p:nvPr>
+        </p:nvSpPr>
+        <p:spPr>
+          <a:xfrm>
+            <a:off x="311700" y="751438"/>
+            <a:ext cx="8520599" cy="3817537"/>
+          </a:xfrm>
+          <a:prstGeom prst="rect">
+            <a:avLst/>
+          </a:prstGeom>
+          <a:noFill/>
+          <a:ln>
+            <a:noFill/>
+          </a:ln>
+        </p:spPr>
+        <p:txBody>
+          <a:bodyPr lIns="91425" tIns="91425" rIns="91425" bIns="91425" anchor="t" anchorCtr="0">
+            <a:noAutofit/>
+          </a:bodyPr>
+          <a:lstStyle/>
+          <a:p>
+            <a:pPr marL="457200" indent="-393700">
+              <a:spcAft>
+                <a:spcPts val="0"/>
+              </a:spcAft>
+              <a:buSzPct val="100000"/>
+              <a:buFont typeface="Arial"/>
+              <a:buChar char="●"/>
+            </a:pPr>
+            <a:r>
+              <a:rPr lang="en-US" dirty="0" err="1"/>
+              <a:t>Bạn</a:t>
+            </a:r>
+            <a:r>
+              <a:rPr lang="en-US" dirty="0"/>
+              <a:t> </a:t>
+            </a:r>
+            <a:r>
+              <a:rPr lang="en-US" dirty="0" err="1"/>
+              <a:t>nên</a:t>
+            </a:r>
+            <a:r>
+              <a:rPr lang="en-US" dirty="0"/>
+              <a:t> </a:t>
+            </a:r>
+            <a:r>
+              <a:rPr lang="en-US" dirty="0" err="1"/>
+              <a:t>sử</a:t>
+            </a:r>
+            <a:r>
+              <a:rPr lang="en-US" dirty="0"/>
+              <a:t> </a:t>
+            </a:r>
+            <a:r>
+              <a:rPr lang="en-US" dirty="0" err="1"/>
+              <a:t>dụng</a:t>
+            </a:r>
+            <a:r>
+              <a:rPr lang="en-US" dirty="0"/>
+              <a:t> add() </a:t>
+            </a:r>
+            <a:r>
+              <a:rPr lang="en-US" dirty="0" err="1"/>
+              <a:t>khi</a:t>
+            </a:r>
+            <a:r>
+              <a:rPr lang="en-US" dirty="0"/>
+              <a:t> </a:t>
+            </a:r>
+            <a:r>
+              <a:rPr lang="en-US" dirty="0" err="1"/>
+              <a:t>bạn</a:t>
+            </a:r>
+            <a:r>
+              <a:rPr lang="en-US" dirty="0"/>
+              <a:t> </a:t>
+            </a:r>
+            <a:r>
+              <a:rPr lang="en-US" dirty="0" err="1"/>
+              <a:t>vẫn</a:t>
+            </a:r>
+            <a:r>
+              <a:rPr lang="en-US" dirty="0"/>
+              <a:t> </a:t>
+            </a:r>
+            <a:r>
+              <a:rPr lang="en-US" dirty="0" err="1"/>
+              <a:t>muốn</a:t>
+            </a:r>
+            <a:r>
+              <a:rPr lang="en-US" dirty="0"/>
+              <a:t> fragment </a:t>
+            </a:r>
+            <a:r>
+              <a:rPr lang="en-US" dirty="0" err="1"/>
+              <a:t>hiện</a:t>
+            </a:r>
+            <a:r>
+              <a:rPr lang="en-US" dirty="0"/>
+              <a:t> </a:t>
+            </a:r>
+            <a:r>
+              <a:rPr lang="en-US" dirty="0" err="1"/>
+              <a:t>tại</a:t>
+            </a:r>
+            <a:r>
+              <a:rPr lang="en-US" dirty="0"/>
+              <a:t> </a:t>
+            </a:r>
+            <a:r>
+              <a:rPr lang="en-US" dirty="0" err="1"/>
+              <a:t>tiếp</a:t>
+            </a:r>
+            <a:r>
+              <a:rPr lang="en-US" dirty="0"/>
+              <a:t> </a:t>
+            </a:r>
+            <a:r>
+              <a:rPr lang="en-US" dirty="0" err="1"/>
+              <a:t>tục</a:t>
+            </a:r>
+            <a:r>
+              <a:rPr lang="en-US" dirty="0"/>
+              <a:t> </a:t>
+            </a:r>
+            <a:r>
+              <a:rPr lang="en-US" dirty="0" err="1"/>
+              <a:t>chạy</a:t>
+            </a:r>
+            <a:r>
+              <a:rPr lang="en-US" dirty="0"/>
+              <a:t>. VD </a:t>
+            </a:r>
+            <a:r>
+              <a:rPr lang="en-US" dirty="0" err="1"/>
+              <a:t>như</a:t>
+            </a:r>
+            <a:r>
+              <a:rPr lang="en-US" dirty="0"/>
+              <a:t> fragment </a:t>
+            </a:r>
+            <a:r>
+              <a:rPr lang="en-US" dirty="0" err="1"/>
+              <a:t>hiện</a:t>
+            </a:r>
+            <a:r>
+              <a:rPr lang="en-US" dirty="0"/>
+              <a:t> </a:t>
+            </a:r>
+            <a:r>
+              <a:rPr lang="en-US" dirty="0" err="1"/>
+              <a:t>tại</a:t>
+            </a:r>
+            <a:r>
+              <a:rPr lang="en-US" dirty="0"/>
+              <a:t> </a:t>
+            </a:r>
+            <a:r>
+              <a:rPr lang="en-US" dirty="0" err="1"/>
+              <a:t>của</a:t>
+            </a:r>
+            <a:r>
+              <a:rPr lang="en-US" dirty="0"/>
+              <a:t> </a:t>
+            </a:r>
+            <a:r>
+              <a:rPr lang="en-US" dirty="0" err="1"/>
+              <a:t>bạn</a:t>
+            </a:r>
+            <a:r>
+              <a:rPr lang="en-US" dirty="0"/>
+              <a:t> </a:t>
+            </a:r>
+            <a:r>
+              <a:rPr lang="en-US" dirty="0" err="1"/>
+              <a:t>đang</a:t>
+            </a:r>
+            <a:r>
+              <a:rPr lang="en-US" dirty="0"/>
+              <a:t> </a:t>
+            </a:r>
+            <a:r>
+              <a:rPr lang="en-US" dirty="0" err="1"/>
+              <a:t>thực</a:t>
+            </a:r>
+            <a:r>
+              <a:rPr lang="en-US" dirty="0"/>
+              <a:t> </a:t>
+            </a:r>
+            <a:r>
+              <a:rPr lang="en-US" dirty="0" err="1"/>
+              <a:t>hiện</a:t>
+            </a:r>
+            <a:r>
+              <a:rPr lang="en-US" dirty="0"/>
+              <a:t> 1 </a:t>
+            </a:r>
+            <a:r>
+              <a:rPr lang="en-US" dirty="0" err="1"/>
+              <a:t>tiến</a:t>
+            </a:r>
+            <a:r>
+              <a:rPr lang="en-US" dirty="0"/>
+              <a:t> </a:t>
+            </a:r>
+            <a:r>
+              <a:rPr lang="en-US" dirty="0" err="1"/>
+              <a:t>trình</a:t>
+            </a:r>
+            <a:r>
+              <a:rPr lang="en-US" dirty="0"/>
+              <a:t> download hay </a:t>
+            </a:r>
+            <a:r>
+              <a:rPr lang="en-US" dirty="0" err="1"/>
+              <a:t>đang</a:t>
+            </a:r>
+            <a:r>
+              <a:rPr lang="en-US" dirty="0"/>
+              <a:t> </a:t>
+            </a:r>
+            <a:r>
+              <a:rPr lang="en-US" dirty="0" err="1"/>
+              <a:t>chạy</a:t>
+            </a:r>
+            <a:r>
+              <a:rPr lang="en-US" dirty="0"/>
+              <a:t> </a:t>
+            </a:r>
+            <a:r>
+              <a:rPr lang="en-US" dirty="0" err="1"/>
+              <a:t>thực</a:t>
+            </a:r>
+            <a:r>
+              <a:rPr lang="en-US" dirty="0"/>
+              <a:t> </a:t>
+            </a:r>
+            <a:r>
+              <a:rPr lang="en-US" dirty="0" err="1"/>
+              <a:t>thi</a:t>
+            </a:r>
+            <a:r>
+              <a:rPr lang="en-US" dirty="0"/>
+              <a:t> 1 </a:t>
+            </a:r>
+            <a:r>
+              <a:rPr lang="en-US" dirty="0" err="1"/>
+              <a:t>tác</a:t>
+            </a:r>
+            <a:r>
+              <a:rPr lang="en-US" dirty="0"/>
+              <a:t> </a:t>
+            </a:r>
+            <a:r>
+              <a:rPr lang="en-US" dirty="0" err="1"/>
+              <a:t>vụ</a:t>
+            </a:r>
+            <a:r>
+              <a:rPr lang="en-US" dirty="0"/>
+              <a:t> </a:t>
+            </a:r>
+            <a:r>
+              <a:rPr lang="en-US" dirty="0" err="1"/>
+              <a:t>ngầm</a:t>
+            </a:r>
+            <a:r>
+              <a:rPr lang="en-US" dirty="0"/>
+              <a:t> </a:t>
+            </a:r>
+            <a:r>
+              <a:rPr lang="en-US" dirty="0" err="1"/>
+              <a:t>nào</a:t>
+            </a:r>
+            <a:r>
+              <a:rPr lang="en-US" dirty="0"/>
+              <a:t> </a:t>
+            </a:r>
+            <a:r>
+              <a:rPr lang="en-US" dirty="0" err="1"/>
+              <a:t>đó</a:t>
+            </a:r>
+            <a:r>
+              <a:rPr lang="en-US" dirty="0"/>
+              <a:t> </a:t>
+            </a:r>
+            <a:r>
+              <a:rPr lang="en-US" dirty="0" err="1"/>
+              <a:t>trong</a:t>
+            </a:r>
+            <a:r>
+              <a:rPr lang="en-US" dirty="0"/>
+              <a:t> </a:t>
+            </a:r>
+            <a:r>
+              <a:rPr lang="en-US" dirty="0" err="1"/>
+              <a:t>khi</a:t>
+            </a:r>
+            <a:r>
+              <a:rPr lang="en-US" dirty="0"/>
+              <a:t> </a:t>
+            </a:r>
+            <a:r>
+              <a:rPr lang="en-US" dirty="0" err="1"/>
+              <a:t>đó</a:t>
+            </a:r>
+            <a:r>
+              <a:rPr lang="en-US" dirty="0"/>
+              <a:t> </a:t>
+            </a:r>
+            <a:r>
+              <a:rPr lang="en-US" dirty="0" err="1"/>
+              <a:t>bạn</a:t>
+            </a:r>
+            <a:r>
+              <a:rPr lang="en-US" dirty="0"/>
+              <a:t> </a:t>
+            </a:r>
+            <a:r>
+              <a:rPr lang="en-US" dirty="0" err="1"/>
+              <a:t>vẫn</a:t>
+            </a:r>
+            <a:r>
+              <a:rPr lang="en-US" dirty="0"/>
+              <a:t> </a:t>
+            </a:r>
+            <a:r>
+              <a:rPr lang="en-US" dirty="0" err="1"/>
+              <a:t>muốn</a:t>
+            </a:r>
+            <a:r>
+              <a:rPr lang="en-US" dirty="0"/>
+              <a:t> </a:t>
+            </a:r>
+            <a:r>
+              <a:rPr lang="en-US" dirty="0" err="1"/>
+              <a:t>hiển</a:t>
+            </a:r>
+            <a:r>
+              <a:rPr lang="en-US" dirty="0"/>
+              <a:t> </a:t>
+            </a:r>
+            <a:r>
+              <a:rPr lang="en-US" dirty="0" err="1"/>
+              <a:t>thị</a:t>
+            </a:r>
+            <a:r>
+              <a:rPr lang="en-US" dirty="0"/>
+              <a:t> 1 fragment </a:t>
+            </a:r>
+            <a:r>
+              <a:rPr lang="en-US" dirty="0" err="1"/>
+              <a:t>mới</a:t>
+            </a:r>
+            <a:r>
+              <a:rPr lang="en-US" dirty="0"/>
+              <a:t> </a:t>
+            </a:r>
+            <a:r>
+              <a:rPr lang="en-US" dirty="0" err="1"/>
+              <a:t>để</a:t>
+            </a:r>
+            <a:r>
+              <a:rPr lang="en-US" dirty="0"/>
+              <a:t> </a:t>
+            </a:r>
+            <a:r>
+              <a:rPr lang="en-US" dirty="0" err="1"/>
+              <a:t>thực</a:t>
+            </a:r>
+            <a:r>
+              <a:rPr lang="en-US" dirty="0"/>
+              <a:t> </a:t>
+            </a:r>
+            <a:r>
+              <a:rPr lang="en-US" dirty="0" err="1"/>
+              <a:t>hiện</a:t>
+            </a:r>
+            <a:r>
+              <a:rPr lang="en-US" dirty="0"/>
+              <a:t> </a:t>
+            </a:r>
+            <a:r>
+              <a:rPr lang="en-US" dirty="0" err="1"/>
+              <a:t>các</a:t>
+            </a:r>
+            <a:r>
+              <a:rPr lang="en-US" dirty="0"/>
+              <a:t> </a:t>
+            </a:r>
+            <a:r>
+              <a:rPr lang="en-US" dirty="0" err="1"/>
+              <a:t>công</a:t>
+            </a:r>
+            <a:r>
+              <a:rPr lang="en-US" dirty="0"/>
+              <a:t> </a:t>
+            </a:r>
+            <a:r>
+              <a:rPr lang="en-US" dirty="0" err="1"/>
+              <a:t>việc</a:t>
+            </a:r>
+            <a:r>
+              <a:rPr lang="en-US" dirty="0"/>
+              <a:t> </a:t>
+            </a:r>
+            <a:r>
+              <a:rPr lang="en-US" dirty="0" err="1"/>
+              <a:t>khác</a:t>
+            </a:r>
+            <a:r>
+              <a:rPr lang="en-US" dirty="0"/>
+              <a:t> </a:t>
+            </a:r>
+            <a:r>
+              <a:rPr lang="en-US" dirty="0" err="1"/>
+              <a:t>và</a:t>
+            </a:r>
+            <a:r>
+              <a:rPr lang="en-US" dirty="0"/>
+              <a:t> </a:t>
+            </a:r>
+            <a:r>
+              <a:rPr lang="en-US" dirty="0" err="1"/>
+              <a:t>khi</a:t>
+            </a:r>
+            <a:r>
+              <a:rPr lang="en-US" dirty="0"/>
+              <a:t> </a:t>
+            </a:r>
+            <a:r>
+              <a:rPr lang="en-US" dirty="0" err="1"/>
+              <a:t>thực</a:t>
+            </a:r>
+            <a:r>
+              <a:rPr lang="en-US" dirty="0"/>
+              <a:t> </a:t>
+            </a:r>
+            <a:r>
+              <a:rPr lang="en-US" dirty="0" err="1"/>
+              <a:t>hiện</a:t>
+            </a:r>
+            <a:r>
+              <a:rPr lang="en-US" dirty="0"/>
+              <a:t> </a:t>
+            </a:r>
+            <a:r>
+              <a:rPr lang="en-US" dirty="0" err="1"/>
+              <a:t>xong</a:t>
+            </a:r>
+            <a:r>
+              <a:rPr lang="en-US" dirty="0"/>
+              <a:t> </a:t>
+            </a:r>
+            <a:r>
+              <a:rPr lang="en-US" dirty="0" err="1"/>
+              <a:t>bạn</a:t>
+            </a:r>
+            <a:r>
+              <a:rPr lang="en-US" dirty="0"/>
+              <a:t> </a:t>
+            </a:r>
+            <a:r>
+              <a:rPr lang="en-US" dirty="0" err="1"/>
+              <a:t>trở</a:t>
+            </a:r>
+            <a:r>
+              <a:rPr lang="en-US" dirty="0"/>
+              <a:t> </a:t>
+            </a:r>
+            <a:r>
+              <a:rPr lang="en-US" dirty="0" err="1"/>
+              <a:t>lại</a:t>
+            </a:r>
+            <a:r>
+              <a:rPr lang="en-US" dirty="0"/>
+              <a:t> </a:t>
+            </a:r>
+            <a:r>
+              <a:rPr lang="en-US" dirty="0" err="1"/>
+              <a:t>và</a:t>
+            </a:r>
+            <a:r>
+              <a:rPr lang="en-US" dirty="0"/>
+              <a:t> </a:t>
+            </a:r>
+            <a:r>
+              <a:rPr lang="en-US" dirty="0" err="1"/>
+              <a:t>muốn</a:t>
+            </a:r>
+            <a:r>
+              <a:rPr lang="en-US" dirty="0"/>
+              <a:t> </a:t>
+            </a:r>
+            <a:r>
+              <a:rPr lang="en-US" dirty="0" err="1"/>
+              <a:t>nhận</a:t>
+            </a:r>
+            <a:r>
+              <a:rPr lang="en-US" dirty="0"/>
+              <a:t> </a:t>
+            </a:r>
+            <a:r>
+              <a:rPr lang="en-US" dirty="0" err="1"/>
+              <a:t>kết</a:t>
+            </a:r>
+            <a:r>
+              <a:rPr lang="en-US" dirty="0"/>
+              <a:t> </a:t>
+            </a:r>
+            <a:r>
+              <a:rPr lang="en-US" dirty="0" err="1"/>
+              <a:t>quả</a:t>
+            </a:r>
+            <a:r>
+              <a:rPr lang="en-US" dirty="0"/>
+              <a:t> </a:t>
+            </a:r>
+            <a:r>
+              <a:rPr lang="en-US" dirty="0" err="1"/>
+              <a:t>ở</a:t>
+            </a:r>
+            <a:r>
+              <a:rPr lang="en-US" dirty="0"/>
+              <a:t> fragment </a:t>
+            </a:r>
+            <a:r>
+              <a:rPr lang="en-US" dirty="0" err="1"/>
+              <a:t>cũ</a:t>
+            </a:r>
+            <a:r>
+              <a:rPr lang="en-US" dirty="0"/>
+              <a:t>.</a:t>
+            </a:r>
+          </a:p>
+          <a:p>
+            <a:pPr marL="457200" indent="-393700">
+              <a:spcAft>
+                <a:spcPts val="0"/>
+              </a:spcAft>
+              <a:buSzPct val="100000"/>
+              <a:buFont typeface="Arial"/>
+              <a:buChar char="●"/>
+            </a:pPr>
+            <a:r>
+              <a:rPr lang="en-US" dirty="0" err="1"/>
+              <a:t>Còn</a:t>
+            </a:r>
+            <a:r>
+              <a:rPr lang="en-US" dirty="0"/>
+              <a:t> </a:t>
+            </a:r>
+            <a:r>
+              <a:rPr lang="en-US" dirty="0" err="1"/>
+              <a:t>khi</a:t>
+            </a:r>
+            <a:r>
+              <a:rPr lang="en-US" dirty="0"/>
+              <a:t> </a:t>
+            </a:r>
+            <a:r>
+              <a:rPr lang="en-US" dirty="0" err="1"/>
+              <a:t>bạn</a:t>
+            </a:r>
+            <a:r>
+              <a:rPr lang="en-US" dirty="0"/>
+              <a:t> </a:t>
+            </a:r>
+            <a:r>
+              <a:rPr lang="en-US" dirty="0" err="1"/>
+              <a:t>thực</a:t>
+            </a:r>
+            <a:r>
+              <a:rPr lang="en-US" dirty="0"/>
+              <a:t> </a:t>
+            </a:r>
+            <a:r>
+              <a:rPr lang="en-US" dirty="0" err="1"/>
+              <a:t>hiện</a:t>
+            </a:r>
+            <a:r>
+              <a:rPr lang="en-US" dirty="0"/>
+              <a:t> 1 </a:t>
+            </a:r>
+            <a:r>
+              <a:rPr lang="en-US" dirty="0" err="1"/>
+              <a:t>thao</a:t>
+            </a:r>
+            <a:r>
+              <a:rPr lang="en-US" dirty="0"/>
+              <a:t> </a:t>
+            </a:r>
+            <a:r>
+              <a:rPr lang="en-US" dirty="0" err="1"/>
+              <a:t>tác</a:t>
+            </a:r>
+            <a:r>
+              <a:rPr lang="en-US" dirty="0"/>
+              <a:t> </a:t>
+            </a:r>
+            <a:r>
+              <a:rPr lang="en-US" dirty="0" err="1"/>
+              <a:t>hoàn</a:t>
+            </a:r>
+            <a:r>
+              <a:rPr lang="en-US" dirty="0"/>
+              <a:t> </a:t>
+            </a:r>
+            <a:r>
+              <a:rPr lang="en-US" dirty="0" err="1"/>
+              <a:t>toàn</a:t>
+            </a:r>
+            <a:r>
+              <a:rPr lang="en-US" dirty="0"/>
+              <a:t> </a:t>
+            </a:r>
+            <a:r>
+              <a:rPr lang="en-US" dirty="0" err="1"/>
+              <a:t>mới</a:t>
+            </a:r>
+            <a:r>
+              <a:rPr lang="en-US" dirty="0"/>
+              <a:t> </a:t>
+            </a:r>
+            <a:r>
+              <a:rPr lang="en-US" dirty="0" err="1"/>
+              <a:t>và</a:t>
+            </a:r>
+            <a:r>
+              <a:rPr lang="en-US" dirty="0"/>
+              <a:t> </a:t>
+            </a:r>
+            <a:r>
+              <a:rPr lang="en-US" dirty="0" err="1"/>
+              <a:t>độc</a:t>
+            </a:r>
+            <a:r>
+              <a:rPr lang="en-US" dirty="0"/>
+              <a:t> </a:t>
+            </a:r>
+            <a:r>
+              <a:rPr lang="en-US" dirty="0" err="1"/>
+              <a:t>lập</a:t>
+            </a:r>
+            <a:r>
+              <a:rPr lang="en-US" dirty="0"/>
+              <a:t> </a:t>
+            </a:r>
+            <a:r>
+              <a:rPr lang="en-US" dirty="0" err="1"/>
+              <a:t>hoàn</a:t>
+            </a:r>
+            <a:r>
+              <a:rPr lang="en-US" dirty="0"/>
+              <a:t> </a:t>
+            </a:r>
+            <a:r>
+              <a:rPr lang="en-US" dirty="0" err="1"/>
+              <a:t>toàn</a:t>
+            </a:r>
+            <a:r>
+              <a:rPr lang="en-US" dirty="0"/>
+              <a:t> </a:t>
+            </a:r>
+            <a:r>
+              <a:rPr lang="en-US" dirty="0" err="1"/>
+              <a:t>với</a:t>
+            </a:r>
+            <a:r>
+              <a:rPr lang="en-US" dirty="0"/>
+              <a:t> fragment </a:t>
+            </a:r>
+            <a:r>
+              <a:rPr lang="en-US" dirty="0" err="1"/>
+              <a:t>cũ</a:t>
+            </a:r>
+            <a:r>
+              <a:rPr lang="en-US" dirty="0"/>
+              <a:t> </a:t>
+            </a:r>
+            <a:r>
+              <a:rPr lang="en-US" dirty="0" err="1"/>
+              <a:t>thì</a:t>
+            </a:r>
+            <a:r>
+              <a:rPr lang="en-US" dirty="0"/>
+              <a:t> </a:t>
+            </a:r>
+            <a:r>
+              <a:rPr lang="en-US" dirty="0" err="1"/>
+              <a:t>bạn</a:t>
+            </a:r>
+            <a:r>
+              <a:rPr lang="en-US" dirty="0"/>
+              <a:t> </a:t>
+            </a:r>
+            <a:r>
+              <a:rPr lang="en-US" dirty="0" err="1"/>
+              <a:t>nên</a:t>
+            </a:r>
+            <a:r>
+              <a:rPr lang="en-US" dirty="0"/>
+              <a:t> </a:t>
+            </a:r>
+            <a:r>
+              <a:rPr lang="en-US" dirty="0" err="1"/>
+              <a:t>sử</a:t>
+            </a:r>
+            <a:r>
+              <a:rPr lang="en-US" dirty="0"/>
+              <a:t> </a:t>
+            </a:r>
+            <a:r>
+              <a:rPr lang="en-US" dirty="0" err="1"/>
+              <a:t>dụng</a:t>
+            </a:r>
+            <a:r>
+              <a:rPr lang="en-US" dirty="0"/>
+              <a:t> </a:t>
+            </a:r>
+            <a:r>
+              <a:rPr lang="en-US" b="1" dirty="0"/>
+              <a:t>replace()</a:t>
+            </a:r>
+            <a:r>
+              <a:rPr lang="en-US" dirty="0"/>
+              <a:t> </a:t>
+            </a:r>
+            <a:r>
+              <a:rPr lang="en-US" dirty="0" err="1"/>
+              <a:t>để</a:t>
+            </a:r>
+            <a:r>
+              <a:rPr lang="en-US" dirty="0"/>
+              <a:t> </a:t>
+            </a:r>
+            <a:r>
+              <a:rPr lang="en-US" dirty="0" err="1"/>
+              <a:t>tiết</a:t>
+            </a:r>
+            <a:r>
+              <a:rPr lang="en-US" dirty="0"/>
+              <a:t> </a:t>
+            </a:r>
+            <a:r>
+              <a:rPr lang="en-US" dirty="0" err="1"/>
+              <a:t>kiệm</a:t>
+            </a:r>
+            <a:r>
+              <a:rPr lang="en-US" dirty="0"/>
+              <a:t> </a:t>
+            </a:r>
+            <a:r>
+              <a:rPr lang="en-US" dirty="0" err="1"/>
+              <a:t>bộ</a:t>
+            </a:r>
+            <a:r>
+              <a:rPr lang="en-US" dirty="0"/>
+              <a:t> </a:t>
+            </a:r>
+            <a:r>
+              <a:rPr lang="en-US" dirty="0" err="1"/>
+              <a:t>nhớ</a:t>
+            </a:r>
+            <a:r>
+              <a:rPr lang="en-US" dirty="0"/>
+              <a:t> </a:t>
+            </a:r>
+            <a:r>
+              <a:rPr lang="en-US" dirty="0" err="1"/>
+              <a:t>cho</a:t>
+            </a:r>
+            <a:r>
+              <a:rPr lang="en-US" dirty="0"/>
+              <a:t> </a:t>
+            </a:r>
+            <a:r>
+              <a:rPr lang="en-US" dirty="0" err="1"/>
+              <a:t>ứng</a:t>
+            </a:r>
+            <a:r>
+              <a:rPr lang="en-US" dirty="0"/>
+              <a:t> </a:t>
+            </a:r>
+            <a:r>
+              <a:rPr lang="en-US" dirty="0" err="1"/>
+              <a:t>dụng</a:t>
+            </a:r>
+            <a:r>
+              <a:rPr lang="en-US" dirty="0"/>
+              <a:t>, </a:t>
+            </a:r>
+            <a:r>
+              <a:rPr lang="en-US" dirty="0" err="1"/>
+              <a:t>ngoài</a:t>
+            </a:r>
+            <a:r>
+              <a:rPr lang="en-US" dirty="0"/>
+              <a:t> </a:t>
+            </a:r>
+            <a:r>
+              <a:rPr lang="en-US" dirty="0" err="1"/>
+              <a:t>ra</a:t>
+            </a:r>
+            <a:r>
+              <a:rPr lang="en-US" dirty="0"/>
+              <a:t> </a:t>
+            </a:r>
+            <a:r>
+              <a:rPr lang="en-US" dirty="0" err="1"/>
+              <a:t>khi</a:t>
+            </a:r>
+            <a:r>
+              <a:rPr lang="en-US" dirty="0"/>
+              <a:t> </a:t>
+            </a:r>
+            <a:r>
+              <a:rPr lang="en-US" dirty="0" err="1"/>
+              <a:t>sử</a:t>
+            </a:r>
+            <a:r>
+              <a:rPr lang="en-US" dirty="0"/>
+              <a:t> </a:t>
+            </a:r>
+            <a:r>
+              <a:rPr lang="en-US" dirty="0" err="1"/>
+              <a:t>dụng</a:t>
+            </a:r>
+            <a:r>
+              <a:rPr lang="en-US" dirty="0"/>
+              <a:t> </a:t>
+            </a:r>
+            <a:r>
+              <a:rPr lang="en-US" b="1" dirty="0"/>
+              <a:t>replace()</a:t>
+            </a:r>
+            <a:r>
+              <a:rPr lang="en-US" dirty="0"/>
+              <a:t> </a:t>
+            </a:r>
+            <a:r>
+              <a:rPr lang="en-US" dirty="0" err="1"/>
+              <a:t>khi</a:t>
+            </a:r>
+            <a:r>
+              <a:rPr lang="en-US" dirty="0"/>
+              <a:t> back </a:t>
+            </a:r>
+            <a:r>
+              <a:rPr lang="en-US" dirty="0" err="1"/>
+              <a:t>trở</a:t>
+            </a:r>
+            <a:r>
+              <a:rPr lang="en-US" dirty="0"/>
+              <a:t> </a:t>
+            </a:r>
+            <a:r>
+              <a:rPr lang="en-US" dirty="0" err="1"/>
+              <a:t>về</a:t>
+            </a:r>
+            <a:r>
+              <a:rPr lang="en-US" dirty="0"/>
+              <a:t> fragment </a:t>
+            </a:r>
+            <a:r>
+              <a:rPr lang="en-US" dirty="0" err="1"/>
+              <a:t>trước</a:t>
+            </a:r>
+            <a:r>
+              <a:rPr lang="en-US" dirty="0"/>
+              <a:t> </a:t>
+            </a:r>
+            <a:r>
+              <a:rPr lang="en-US" dirty="0" err="1"/>
+              <a:t>thì</a:t>
+            </a:r>
+            <a:r>
+              <a:rPr lang="en-US" dirty="0"/>
+              <a:t> </a:t>
+            </a:r>
+            <a:r>
+              <a:rPr lang="en-US" dirty="0" err="1"/>
+              <a:t>hàm</a:t>
+            </a:r>
+            <a:r>
+              <a:rPr lang="en-US" dirty="0"/>
+              <a:t> </a:t>
+            </a:r>
+            <a:r>
+              <a:rPr lang="en-US" b="1" dirty="0" err="1"/>
+              <a:t>onResume</a:t>
+            </a:r>
+            <a:r>
+              <a:rPr lang="en-US" b="1" dirty="0"/>
+              <a:t>()</a:t>
+            </a:r>
+            <a:r>
+              <a:rPr lang="en-US" dirty="0"/>
+              <a:t> </a:t>
+            </a:r>
+            <a:r>
+              <a:rPr lang="en-US" dirty="0" err="1"/>
+              <a:t>sẽ</a:t>
+            </a:r>
+            <a:r>
+              <a:rPr lang="en-US" dirty="0"/>
+              <a:t> </a:t>
+            </a:r>
+            <a:r>
+              <a:rPr lang="en-US" dirty="0" err="1"/>
+              <a:t>được</a:t>
+            </a:r>
+            <a:r>
+              <a:rPr lang="en-US" dirty="0"/>
+              <a:t> </a:t>
+            </a:r>
+            <a:r>
+              <a:rPr lang="en-US" dirty="0" err="1"/>
+              <a:t>gọi</a:t>
+            </a:r>
+            <a:r>
+              <a:rPr lang="en-US" dirty="0"/>
+              <a:t>, </a:t>
+            </a:r>
+            <a:r>
+              <a:rPr lang="en-US" dirty="0" err="1"/>
+              <a:t>tại</a:t>
+            </a:r>
+            <a:r>
+              <a:rPr lang="en-US" dirty="0"/>
+              <a:t> </a:t>
+            </a:r>
+            <a:r>
+              <a:rPr lang="en-US" dirty="0" err="1"/>
+              <a:t>đây</a:t>
+            </a:r>
+            <a:r>
+              <a:rPr lang="en-US" dirty="0"/>
+              <a:t> </a:t>
+            </a:r>
+            <a:r>
+              <a:rPr lang="en-US" dirty="0" err="1"/>
+              <a:t>bạn</a:t>
+            </a:r>
+            <a:r>
+              <a:rPr lang="en-US" dirty="0"/>
+              <a:t> </a:t>
+            </a:r>
+            <a:r>
+              <a:rPr lang="en-US" dirty="0" err="1"/>
+              <a:t>có</a:t>
+            </a:r>
+            <a:r>
+              <a:rPr lang="en-US" dirty="0"/>
+              <a:t> </a:t>
+            </a:r>
+            <a:r>
+              <a:rPr lang="en-US" dirty="0" err="1"/>
+              <a:t>thể</a:t>
+            </a:r>
+            <a:r>
+              <a:rPr lang="en-US" dirty="0"/>
+              <a:t> refresh </a:t>
+            </a:r>
+            <a:r>
+              <a:rPr lang="en-US" dirty="0" err="1"/>
+              <a:t>lại</a:t>
+            </a:r>
+            <a:r>
+              <a:rPr lang="en-US" dirty="0"/>
+              <a:t> </a:t>
+            </a:r>
+            <a:r>
+              <a:rPr lang="en-US" dirty="0" err="1"/>
+              <a:t>dữ</a:t>
+            </a:r>
+            <a:r>
+              <a:rPr lang="en-US" dirty="0"/>
+              <a:t> </a:t>
+            </a:r>
+            <a:r>
+              <a:rPr lang="en-US" dirty="0" err="1"/>
+              <a:t>liệu</a:t>
+            </a:r>
+            <a:r>
+              <a:rPr lang="en-US" dirty="0"/>
+              <a:t> </a:t>
+            </a:r>
+            <a:r>
+              <a:rPr lang="en-US" dirty="0" err="1"/>
+              <a:t>hiển</a:t>
+            </a:r>
+            <a:r>
+              <a:rPr lang="en-US" dirty="0"/>
+              <a:t> </a:t>
+            </a:r>
+            <a:r>
+              <a:rPr lang="en-US" dirty="0" err="1"/>
+              <a:t>thị</a:t>
+            </a:r>
+            <a:r>
+              <a:rPr lang="en-US" dirty="0"/>
+              <a:t> </a:t>
+            </a:r>
+            <a:r>
+              <a:rPr lang="en-US" dirty="0" err="1"/>
+              <a:t>trên</a:t>
+            </a:r>
+            <a:r>
+              <a:rPr lang="en-US" dirty="0"/>
+              <a:t> View.</a:t>
+            </a:r>
+          </a:p>
+          <a:p>
+            <a:pPr marL="457200" lvl="0" indent="-393700">
+              <a:spcAft>
+                <a:spcPts val="0"/>
+              </a:spcAft>
+              <a:buSzPct val="100000"/>
+              <a:buFont typeface="Arial"/>
+              <a:buChar char="●"/>
+            </a:pPr>
+            <a:r>
+              <a:rPr lang="en-US" b="0" i="0" u="none" strike="noStrike" cap="none" dirty="0" smtClean="0">
+                <a:solidFill>
+                  <a:srgbClr val="FF0000"/>
+                </a:solidFill>
+                <a:sym typeface="Arial"/>
+              </a:rPr>
+              <a:t>=&gt; Source code sample: </a:t>
+            </a:r>
+            <a:endParaRPr lang="vi" b="0" i="0" u="none" strike="noStrike" cap="none" dirty="0">
+              <a:solidFill>
+                <a:srgbClr val="FF0000"/>
+              </a:solidFill>
+              <a:sym typeface="Arial"/>
+            </a:endParaRPr>
+          </a:p>
+        </p:txBody>
+      </p:sp>
+      <p:sp>
+        <p:nvSpPr>
+          <p:cNvPr id="202" name="Shape 202"/>
+          <p:cNvSpPr txBox="1">
+            <a:spLocks noGrp="1"/>
+          </p:cNvSpPr>
+          <p:nvPr>
+            <p:ph type="title"/>
+          </p:nvPr>
+        </p:nvSpPr>
+        <p:spPr>
+          <a:xfrm>
+            <a:off x="242775" y="77425"/>
+            <a:ext cx="8520599" cy="572699"/>
+          </a:xfrm>
+          <a:prstGeom prst="rect">
+            <a:avLst/>
+          </a:prstGeom>
+          <a:solidFill>
+            <a:srgbClr val="0A59B0"/>
+          </a:solidFill>
+          <a:ln>
+            <a:noFill/>
+          </a:ln>
+        </p:spPr>
+        <p:txBody>
+          <a:bodyPr lIns="91425" tIns="91425" rIns="91425" bIns="91425" anchor="t" anchorCtr="0">
+            <a:noAutofit/>
+          </a:bodyPr>
+          <a:lstStyle/>
+          <a:p>
+            <a:pPr lvl="0">
+              <a:buSzPct val="25000"/>
+            </a:pPr>
+            <a:r>
+              <a:rPr lang="en-US" sz="2000" dirty="0" err="1">
+                <a:solidFill>
+                  <a:schemeClr val="bg1"/>
+                </a:solidFill>
+              </a:rPr>
+              <a:t>K</a:t>
+            </a:r>
+            <a:r>
+              <a:rPr lang="en-US" sz="2000" dirty="0" err="1" smtClean="0">
+                <a:solidFill>
+                  <a:schemeClr val="bg1"/>
+                </a:solidFill>
+              </a:rPr>
+              <a:t>hi</a:t>
+            </a:r>
+            <a:r>
+              <a:rPr lang="en-US" sz="2000" dirty="0" smtClean="0">
+                <a:solidFill>
+                  <a:schemeClr val="bg1"/>
+                </a:solidFill>
+              </a:rPr>
+              <a:t> </a:t>
+            </a:r>
+            <a:r>
+              <a:rPr lang="en-US" sz="2000" dirty="0" err="1">
+                <a:solidFill>
+                  <a:schemeClr val="bg1"/>
+                </a:solidFill>
+              </a:rPr>
+              <a:t>nào</a:t>
+            </a:r>
+            <a:r>
+              <a:rPr lang="en-US" sz="2000" dirty="0">
+                <a:solidFill>
+                  <a:schemeClr val="bg1"/>
+                </a:solidFill>
+              </a:rPr>
+              <a:t> </a:t>
+            </a:r>
+            <a:r>
+              <a:rPr lang="en-US" sz="2000" dirty="0" err="1">
+                <a:solidFill>
+                  <a:schemeClr val="bg1"/>
+                </a:solidFill>
+              </a:rPr>
+              <a:t>bạn</a:t>
+            </a:r>
+            <a:r>
+              <a:rPr lang="en-US" sz="2000" dirty="0">
+                <a:solidFill>
+                  <a:schemeClr val="bg1"/>
+                </a:solidFill>
+              </a:rPr>
+              <a:t> </a:t>
+            </a:r>
+            <a:r>
+              <a:rPr lang="en-US" sz="2000" dirty="0" err="1">
+                <a:solidFill>
+                  <a:schemeClr val="bg1"/>
+                </a:solidFill>
+              </a:rPr>
+              <a:t>nên</a:t>
+            </a:r>
+            <a:r>
+              <a:rPr lang="en-US" sz="2000" dirty="0">
+                <a:solidFill>
+                  <a:schemeClr val="bg1"/>
+                </a:solidFill>
+              </a:rPr>
+              <a:t> </a:t>
+            </a:r>
+            <a:r>
+              <a:rPr lang="en-US" sz="2000" dirty="0" err="1">
+                <a:solidFill>
+                  <a:schemeClr val="bg1"/>
+                </a:solidFill>
+              </a:rPr>
+              <a:t>sử</a:t>
+            </a:r>
+            <a:r>
+              <a:rPr lang="en-US" sz="2000" dirty="0">
+                <a:solidFill>
+                  <a:schemeClr val="bg1"/>
+                </a:solidFill>
+              </a:rPr>
+              <a:t> </a:t>
+            </a:r>
+            <a:r>
+              <a:rPr lang="en-US" sz="2000" dirty="0" err="1">
+                <a:solidFill>
+                  <a:schemeClr val="bg1"/>
+                </a:solidFill>
+              </a:rPr>
+              <a:t>dụng</a:t>
+            </a:r>
+            <a:r>
+              <a:rPr lang="en-US" sz="2000" dirty="0">
+                <a:solidFill>
+                  <a:schemeClr val="bg1"/>
+                </a:solidFill>
+              </a:rPr>
+              <a:t> add() </a:t>
+            </a:r>
+            <a:r>
+              <a:rPr lang="en-US" sz="2000" dirty="0" err="1">
+                <a:solidFill>
+                  <a:schemeClr val="bg1"/>
+                </a:solidFill>
+              </a:rPr>
+              <a:t>khi</a:t>
+            </a:r>
+            <a:r>
+              <a:rPr lang="en-US" sz="2000" dirty="0">
+                <a:solidFill>
+                  <a:schemeClr val="bg1"/>
+                </a:solidFill>
+              </a:rPr>
+              <a:t> </a:t>
+            </a:r>
+            <a:r>
+              <a:rPr lang="en-US" sz="2000" dirty="0" err="1">
+                <a:solidFill>
+                  <a:schemeClr val="bg1"/>
+                </a:solidFill>
+              </a:rPr>
+              <a:t>nào</a:t>
+            </a:r>
+            <a:r>
+              <a:rPr lang="en-US" sz="2000" dirty="0">
+                <a:solidFill>
+                  <a:schemeClr val="bg1"/>
+                </a:solidFill>
+              </a:rPr>
+              <a:t> </a:t>
+            </a:r>
+            <a:r>
+              <a:rPr lang="en-US" sz="2000" dirty="0" err="1">
+                <a:solidFill>
+                  <a:schemeClr val="bg1"/>
+                </a:solidFill>
+              </a:rPr>
+              <a:t>nên</a:t>
+            </a:r>
+            <a:r>
+              <a:rPr lang="en-US" sz="2000" dirty="0">
+                <a:solidFill>
+                  <a:schemeClr val="bg1"/>
+                </a:solidFill>
+              </a:rPr>
+              <a:t> </a:t>
+            </a:r>
+            <a:r>
+              <a:rPr lang="en-US" sz="2000" dirty="0" err="1">
+                <a:solidFill>
+                  <a:schemeClr val="bg1"/>
+                </a:solidFill>
+              </a:rPr>
+              <a:t>sử</a:t>
+            </a:r>
+            <a:r>
+              <a:rPr lang="en-US" sz="2000" dirty="0">
+                <a:solidFill>
+                  <a:schemeClr val="bg1"/>
+                </a:solidFill>
+              </a:rPr>
+              <a:t> </a:t>
+            </a:r>
+            <a:r>
+              <a:rPr lang="en-US" sz="2000" dirty="0" err="1">
+                <a:solidFill>
+                  <a:schemeClr val="bg1"/>
+                </a:solidFill>
+              </a:rPr>
+              <a:t>dụng</a:t>
+            </a:r>
+            <a:r>
+              <a:rPr lang="en-US" sz="2000" dirty="0">
+                <a:solidFill>
+                  <a:schemeClr val="bg1"/>
+                </a:solidFill>
+              </a:rPr>
+              <a:t> replace</a:t>
+            </a:r>
+            <a:r>
+              <a:rPr lang="en-US" sz="2000" dirty="0" smtClean="0">
+                <a:solidFill>
+                  <a:schemeClr val="bg1"/>
+                </a:solidFill>
+              </a:rPr>
+              <a:t>() ??</a:t>
+            </a:r>
+            <a:endParaRPr lang="vi" sz="2000" b="1" i="0" u="none" strike="noStrike" cap="none" dirty="0">
+              <a:solidFill>
+                <a:schemeClr val="bg1"/>
+              </a:solidFill>
+              <a:sym typeface="Arial"/>
+            </a:endParaRPr>
+          </a:p>
+        </p:txBody>
+      </p:sp>
+      <p:sp>
+        <p:nvSpPr>
+          <p:cNvPr id="203" name="Shape 203"/>
+          <p:cNvSpPr/>
+          <p:nvPr/>
+        </p:nvSpPr>
+        <p:spPr>
+          <a:xfrm>
+            <a:off x="146050" y="4657725"/>
+            <a:ext cx="457200" cy="342899"/>
+          </a:xfrm>
+          <a:prstGeom prst="ellipse">
+            <a:avLst/>
+          </a:prstGeom>
+          <a:solidFill>
+            <a:srgbClr val="0A59B0"/>
+          </a:solidFill>
+          <a:ln>
+            <a:noFill/>
+          </a:ln>
+        </p:spPr>
+        <p:txBody>
+          <a:bodyPr lIns="0" tIns="0" rIns="0" bIns="0" anchor="ctr" anchorCtr="1">
+            <a:noAutofit/>
+          </a:bodyPr>
+          <a:lstStyle/>
+          <a:p>
+            <a:pPr marL="0" marR="0" lvl="0" indent="0" algn="ctr" rtl="0">
+              <a:lnSpc>
+                <a:spcPct val="100000"/>
+              </a:lnSpc>
+              <a:spcBef>
+                <a:spcPts val="0"/>
+              </a:spcBef>
+              <a:spcAft>
+                <a:spcPts val="0"/>
+              </a:spcAft>
+              <a:buClr>
+                <a:srgbClr val="000000"/>
+              </a:buClr>
+              <a:buSzPct val="25000"/>
+              <a:buFont typeface="Arial"/>
+              <a:buNone/>
+            </a:pPr>
+            <a:r>
+              <a:rPr lang="vi" sz="1400" b="0" i="0" u="none" strike="noStrike" cap="none">
+                <a:solidFill>
+                  <a:srgbClr val="000000"/>
+                </a:solidFill>
+                <a:latin typeface="Arial"/>
+                <a:ea typeface="Arial"/>
+                <a:cs typeface="Arial"/>
+                <a:sym typeface="Arial"/>
+              </a:rPr>
+              <a:t> </a:t>
+            </a:r>
+          </a:p>
+        </p:txBody>
+      </p:sp>
+    </p:spTree>
+    <p:extLst>
+      <p:ext uri="{BB962C8B-B14F-4D97-AF65-F5344CB8AC3E}">
+        <p14:creationId xmlns:p14="http://schemas.microsoft.com/office/powerpoint/2010/main" val="2130794395"/>
+      </p:ext>
+    </p:extLst>
+  </p:cSld>
+  <p:clrMapOvr>
+    <a:masterClrMapping/>
+  </p:clrMapOvr>
+</p:sld>
+</file>
+
+<file path=ppt/slides/slide21.xml><?xml version="1.0" encoding="utf-8"?>
+<p:sld xmlns:a="http://schemas.openxmlformats.org/drawingml/2006/main" xmlns:r="http://schemas.openxmlformats.org/officeDocument/2006/relationships" xmlns:p="http://schemas.openxmlformats.org/presentationml/2006/main">
+  <p:cSld>
+    <p:spTree>
+      <p:nvGrpSpPr>
+        <p:cNvPr id="1" name="Shape 199"/>
+        <p:cNvGrpSpPr/>
+        <p:nvPr/>
+      </p:nvGrpSpPr>
+      <p:grpSpPr>
+        <a:xfrm>
+          <a:off x="0" y="0"/>
+          <a:ext cx="0" cy="0"/>
+          <a:chOff x="0" y="0"/>
+          <a:chExt cx="0" cy="0"/>
+        </a:xfrm>
+      </p:grpSpPr>
+      <p:sp>
+        <p:nvSpPr>
+          <p:cNvPr id="200" name="Shape 200"/>
+          <p:cNvSpPr txBox="1">
+            <a:spLocks noGrp="1"/>
+          </p:cNvSpPr>
+          <p:nvPr>
+            <p:ph type="title"/>
+          </p:nvPr>
+        </p:nvSpPr>
+        <p:spPr>
+          <a:xfrm>
+            <a:off x="311700" y="898775"/>
+            <a:ext cx="8626800" cy="572699"/>
+          </a:xfrm>
+          <a:prstGeom prst="rect">
+            <a:avLst/>
+          </a:prstGeom>
+          <a:noFill/>
+          <a:ln>
+            <a:noFill/>
+          </a:ln>
+        </p:spPr>
+        <p:txBody>
+          <a:bodyPr lIns="91425" tIns="91425" rIns="91425" bIns="91425" anchor="t" anchorCtr="0">
+            <a:noAutofit/>
+          </a:bodyPr>
+          <a:lstStyle/>
+          <a:p>
+            <a:pPr marL="457200" marR="0" lvl="0" indent="-228600" algn="l" rtl="0">
+              <a:lnSpc>
+                <a:spcPct val="100000"/>
+              </a:lnSpc>
+              <a:spcBef>
+                <a:spcPts val="0"/>
+              </a:spcBef>
+              <a:spcAft>
+                <a:spcPts val="0"/>
+              </a:spcAft>
+              <a:buClr>
+                <a:schemeClr val="dk1"/>
+              </a:buClr>
+              <a:buSzPct val="100000"/>
+              <a:buFont typeface="Arial"/>
+              <a:buChar char="❖"/>
+            </a:pPr>
+            <a:r>
+              <a:rPr lang="vi" sz="2800" b="1" i="0" u="none" strike="noStrike" cap="none">
+                <a:solidFill>
+                  <a:schemeClr val="dk1"/>
+                </a:solidFill>
+                <a:latin typeface="Arial"/>
+                <a:ea typeface="Arial"/>
+                <a:cs typeface="Arial"/>
+                <a:sym typeface="Arial"/>
+              </a:rPr>
+              <a:t>Truyền dữ liệu giữa Activity đến Fragment</a:t>
+            </a:r>
+          </a:p>
+        </p:txBody>
+      </p:sp>
+      <p:sp>
+        <p:nvSpPr>
+          <p:cNvPr id="201" name="Shape 201"/>
+          <p:cNvSpPr txBox="1">
+            <a:spLocks noGrp="1"/>
+          </p:cNvSpPr>
+          <p:nvPr>
+            <p:ph type="body" idx="1"/>
+          </p:nvPr>
+        </p:nvSpPr>
+        <p:spPr>
+          <a:xfrm>
+            <a:off x="311700" y="1471475"/>
+            <a:ext cx="8520599" cy="3097500"/>
+          </a:xfrm>
+          <a:prstGeom prst="rect">
+            <a:avLst/>
+          </a:prstGeom>
+          <a:noFill/>
+          <a:ln>
+            <a:noFill/>
+          </a:ln>
+        </p:spPr>
+        <p:txBody>
+          <a:bodyPr lIns="91425" tIns="91425" rIns="91425" bIns="91425" anchor="t" anchorCtr="0">
+            <a:noAutofit/>
+          </a:bodyPr>
+          <a:lstStyle/>
+          <a:p>
+            <a:pPr marL="457200" marR="0" lvl="0" indent="-393700" algn="l" rtl="0">
+              <a:lnSpc>
+                <a:spcPct val="115000"/>
+              </a:lnSpc>
+              <a:spcBef>
+                <a:spcPts val="0"/>
+              </a:spcBef>
+              <a:spcAft>
+                <a:spcPts val="0"/>
+              </a:spcAft>
+              <a:buClr>
+                <a:schemeClr val="dk2"/>
+              </a:buClr>
+              <a:buSzPct val="100000"/>
+              <a:buFont typeface="Arial"/>
+              <a:buChar char="●"/>
+            </a:pPr>
+            <a:r>
+              <a:rPr lang="vi" sz="2500" b="0" i="0" u="none" strike="noStrike" cap="none" dirty="0">
+                <a:solidFill>
+                  <a:schemeClr val="dk2"/>
+                </a:solidFill>
+                <a:latin typeface="Arial"/>
+                <a:ea typeface="Arial"/>
+                <a:cs typeface="Arial"/>
+                <a:sym typeface="Arial"/>
+              </a:rPr>
+              <a:t>truyền dữ liệu ở activity:fragment.setArguments(bundle)</a:t>
+            </a:r>
+          </a:p>
+          <a:p>
+            <a:pPr marL="457200" marR="0" lvl="0" indent="-393700" algn="l" rtl="0">
+              <a:lnSpc>
+                <a:spcPct val="115000"/>
+              </a:lnSpc>
+              <a:spcBef>
+                <a:spcPts val="1600"/>
+              </a:spcBef>
+              <a:spcAft>
+                <a:spcPts val="0"/>
+              </a:spcAft>
+              <a:buClr>
+                <a:schemeClr val="dk2"/>
+              </a:buClr>
+              <a:buSzPct val="100000"/>
+              <a:buFont typeface="Arial"/>
+              <a:buChar char="●"/>
+            </a:pPr>
+            <a:r>
+              <a:rPr lang="vi" sz="2500" b="0" i="0" u="none" strike="noStrike" cap="none" dirty="0">
+                <a:solidFill>
+                  <a:schemeClr val="dk2"/>
+                </a:solidFill>
+                <a:latin typeface="Arial"/>
+                <a:ea typeface="Arial"/>
+                <a:cs typeface="Arial"/>
+                <a:sym typeface="Arial"/>
+              </a:rPr>
+              <a:t>nhận dữ liệu ở fragment:Bundle abc=getArguments()</a:t>
+            </a:r>
+          </a:p>
+          <a:p>
+            <a:pPr marL="0" marR="0" lvl="0" indent="0" algn="l" rtl="0">
+              <a:lnSpc>
+                <a:spcPct val="115000"/>
+              </a:lnSpc>
+              <a:spcBef>
+                <a:spcPts val="1600"/>
+              </a:spcBef>
+              <a:spcAft>
+                <a:spcPts val="0"/>
+              </a:spcAft>
+              <a:buClr>
+                <a:schemeClr val="dk2"/>
+              </a:buClr>
+              <a:buSzPct val="25000"/>
+              <a:buFont typeface="Arial"/>
+              <a:buNone/>
+            </a:pPr>
+            <a:r>
+              <a:rPr lang="vi-VN" sz="2500" b="0" i="0" u="none" strike="noStrike" cap="none" dirty="0" smtClean="0">
+                <a:solidFill>
+                  <a:srgbClr val="FF0000"/>
+                </a:solidFill>
+                <a:latin typeface="Arial"/>
+                <a:ea typeface="Arial"/>
+                <a:cs typeface="Arial"/>
+                <a:sym typeface="Arial"/>
+              </a:rPr>
+              <a:t>=&gt; C</a:t>
+            </a:r>
+            <a:r>
+              <a:rPr lang="vi" sz="2500" b="0" i="0" u="none" strike="noStrike" cap="none" dirty="0" smtClean="0">
+                <a:solidFill>
+                  <a:srgbClr val="FF0000"/>
+                </a:solidFill>
+                <a:latin typeface="Arial"/>
+                <a:ea typeface="Arial"/>
+                <a:cs typeface="Arial"/>
+                <a:sym typeface="Arial"/>
+              </a:rPr>
+              <a:t>hú ý</a:t>
+            </a:r>
+            <a:r>
+              <a:rPr lang="vi-VN" sz="2500" b="0" i="0" u="none" strike="noStrike" cap="none" dirty="0" smtClean="0">
+                <a:solidFill>
+                  <a:srgbClr val="FF0000"/>
+                </a:solidFill>
+                <a:latin typeface="Arial"/>
+                <a:ea typeface="Arial"/>
+                <a:cs typeface="Arial"/>
+                <a:sym typeface="Arial"/>
+              </a:rPr>
+              <a:t>:</a:t>
+            </a:r>
+            <a:r>
+              <a:rPr lang="vi" sz="2500" b="0" i="0" u="none" strike="noStrike" cap="none" dirty="0" smtClean="0">
+                <a:solidFill>
+                  <a:srgbClr val="FF0000"/>
+                </a:solidFill>
+                <a:latin typeface="Arial"/>
+                <a:ea typeface="Arial"/>
+                <a:cs typeface="Arial"/>
+                <a:sym typeface="Arial"/>
+              </a:rPr>
+              <a:t> </a:t>
+            </a:r>
+            <a:r>
+              <a:rPr lang="vi" sz="2500" b="0" i="0" u="none" strike="noStrike" cap="none" dirty="0">
+                <a:solidFill>
+                  <a:srgbClr val="FF0000"/>
+                </a:solidFill>
+                <a:latin typeface="Arial"/>
+                <a:ea typeface="Arial"/>
+                <a:cs typeface="Arial"/>
+                <a:sym typeface="Arial"/>
+              </a:rPr>
+              <a:t>đã có bundle thì ta có thể truyền được tất cả như </a:t>
+            </a:r>
+            <a:r>
+              <a:rPr lang="en-US" sz="2500" b="0" i="0" u="none" strike="noStrike" cap="none" dirty="0" smtClean="0">
+                <a:solidFill>
+                  <a:srgbClr val="FF0000"/>
+                </a:solidFill>
+                <a:latin typeface="Arial"/>
+                <a:ea typeface="Arial"/>
+                <a:cs typeface="Arial"/>
+                <a:sym typeface="Arial"/>
+              </a:rPr>
+              <a:t> </a:t>
+            </a:r>
+            <a:r>
+              <a:rPr lang="en-US" sz="2500" b="0" i="0" u="none" strike="noStrike" cap="none" dirty="0" err="1" smtClean="0">
+                <a:solidFill>
+                  <a:srgbClr val="FF0000"/>
+                </a:solidFill>
+                <a:latin typeface="Arial"/>
+                <a:ea typeface="Arial"/>
+                <a:cs typeface="Arial"/>
+                <a:sym typeface="Arial"/>
+              </a:rPr>
+              <a:t>truy</a:t>
+            </a:r>
+            <a:r>
+              <a:rPr lang="vi-VN" sz="2500" b="0" i="0" u="none" strike="noStrike" cap="none" dirty="0" smtClean="0">
+                <a:solidFill>
+                  <a:srgbClr val="FF0000"/>
+                </a:solidFill>
+                <a:latin typeface="Arial"/>
+                <a:ea typeface="Arial"/>
+                <a:cs typeface="Arial"/>
+                <a:sym typeface="Arial"/>
+              </a:rPr>
+              <a:t>ền Bundle qua </a:t>
+            </a:r>
+            <a:r>
+              <a:rPr lang="vi" sz="2500" b="0" i="0" u="none" strike="noStrike" cap="none" dirty="0" smtClean="0">
+                <a:solidFill>
+                  <a:srgbClr val="FF0000"/>
+                </a:solidFill>
+                <a:latin typeface="Arial"/>
+                <a:ea typeface="Arial"/>
+                <a:cs typeface="Arial"/>
+                <a:sym typeface="Arial"/>
+              </a:rPr>
+              <a:t>activity</a:t>
+            </a:r>
+            <a:r>
+              <a:rPr lang="vi-VN" sz="2500" b="0" i="0" u="none" strike="noStrike" cap="none" dirty="0" smtClean="0">
+                <a:solidFill>
+                  <a:srgbClr val="FF0000"/>
+                </a:solidFill>
+                <a:latin typeface="Arial"/>
+                <a:ea typeface="Arial"/>
+                <a:cs typeface="Arial"/>
+                <a:sym typeface="Arial"/>
+              </a:rPr>
+              <a:t> vậy</a:t>
+            </a:r>
+            <a:endParaRPr lang="vi" sz="2500" b="0" i="0" u="none" strike="noStrike" cap="none" dirty="0">
+              <a:solidFill>
+                <a:srgbClr val="FF0000"/>
+              </a:solidFill>
+              <a:latin typeface="Arial"/>
+              <a:ea typeface="Arial"/>
+              <a:cs typeface="Arial"/>
+              <a:sym typeface="Arial"/>
+            </a:endParaRPr>
+          </a:p>
+        </p:txBody>
+      </p:sp>
+      <p:sp>
+        <p:nvSpPr>
+          <p:cNvPr id="202" name="Shape 202"/>
+          <p:cNvSpPr txBox="1">
+            <a:spLocks noGrp="1"/>
+          </p:cNvSpPr>
+          <p:nvPr>
+            <p:ph type="title"/>
+          </p:nvPr>
+        </p:nvSpPr>
+        <p:spPr>
+          <a:xfrm>
+            <a:off x="242775" y="77425"/>
+            <a:ext cx="8520599" cy="572699"/>
+          </a:xfrm>
+          <a:prstGeom prst="rect">
+            <a:avLst/>
+          </a:prstGeom>
+          <a:solidFill>
+            <a:srgbClr val="0A59B0"/>
+          </a:solidFill>
+          <a:ln>
+            <a:noFill/>
+          </a:ln>
+        </p:spPr>
+        <p:txBody>
+          <a:bodyPr lIns="91425" tIns="91425" rIns="91425" bIns="91425" anchor="t" anchorCtr="0">
+            <a:noAutofit/>
+          </a:bodyPr>
+          <a:lstStyle/>
+          <a:p>
+            <a:pPr marL="0" marR="0" lvl="0" indent="0" algn="l" rtl="0">
+              <a:lnSpc>
+                <a:spcPct val="100000"/>
+              </a:lnSpc>
+              <a:spcBef>
+                <a:spcPts val="0"/>
+              </a:spcBef>
+              <a:spcAft>
+                <a:spcPts val="0"/>
+              </a:spcAft>
+              <a:buClr>
+                <a:schemeClr val="dk1"/>
+              </a:buClr>
+              <a:buSzPct val="25000"/>
+              <a:buFont typeface="Arial"/>
+              <a:buNone/>
+            </a:pPr>
+            <a:r>
+              <a:rPr lang="vi" sz="2800" b="1" i="0" u="none" strike="noStrike" cap="none">
+                <a:solidFill>
+                  <a:srgbClr val="FFFFFF"/>
+                </a:solidFill>
+                <a:latin typeface="Arial"/>
+                <a:ea typeface="Arial"/>
+                <a:cs typeface="Arial"/>
+                <a:sym typeface="Arial"/>
+              </a:rPr>
+              <a:t>Fragment</a:t>
+            </a:r>
+          </a:p>
+        </p:txBody>
+      </p:sp>
+      <p:sp>
+        <p:nvSpPr>
+          <p:cNvPr id="203" name="Shape 203"/>
+          <p:cNvSpPr/>
+          <p:nvPr/>
+        </p:nvSpPr>
+        <p:spPr>
+          <a:xfrm>
+            <a:off x="146050" y="4657725"/>
+            <a:ext cx="457200" cy="342899"/>
+          </a:xfrm>
+          <a:prstGeom prst="ellipse">
+            <a:avLst/>
+          </a:prstGeom>
+          <a:solidFill>
+            <a:srgbClr val="0A59B0"/>
+          </a:solidFill>
+          <a:ln>
+            <a:noFill/>
+          </a:ln>
+        </p:spPr>
+        <p:txBody>
+          <a:bodyPr lIns="0" tIns="0" rIns="0" bIns="0" anchor="ctr" anchorCtr="1">
+            <a:noAutofit/>
+          </a:bodyPr>
+          <a:lstStyle/>
+          <a:p>
+            <a:pPr marL="0" marR="0" lvl="0" indent="0" algn="ctr" rtl="0">
+              <a:lnSpc>
+                <a:spcPct val="100000"/>
+              </a:lnSpc>
+              <a:spcBef>
+                <a:spcPts val="0"/>
+              </a:spcBef>
+              <a:spcAft>
+                <a:spcPts val="0"/>
+              </a:spcAft>
+              <a:buClr>
+                <a:srgbClr val="000000"/>
+              </a:buClr>
+              <a:buSzPct val="25000"/>
+              <a:buFont typeface="Arial"/>
+              <a:buNone/>
+            </a:pPr>
+            <a:r>
+              <a:rPr lang="vi" sz="1400" b="0" i="0" u="none" strike="noStrike" cap="none">
+                <a:solidFill>
+                  <a:srgbClr val="000000"/>
+                </a:solidFill>
+                <a:latin typeface="Arial"/>
+                <a:ea typeface="Arial"/>
+                <a:cs typeface="Arial"/>
+                <a:sym typeface="Arial"/>
+              </a:rPr>
+              <a:t> </a:t>
+            </a:r>
+          </a:p>
+        </p:txBody>
+      </p:sp>
+    </p:spTree>
+    <p:extLst>
+      <p:ext uri="{BB962C8B-B14F-4D97-AF65-F5344CB8AC3E}">
+        <p14:creationId xmlns:p14="http://schemas.microsoft.com/office/powerpoint/2010/main" val="593209441"/>
+      </p:ext>
+    </p:extLst>
+  </p:cSld>
+  <p:clrMapOvr>
+    <a:masterClrMapping/>
+  </p:clrMapOvr>
+</p:sld>
+</file>
+
+<file path=ppt/slides/slide22.xml><?xml version="1.0" encoding="utf-8"?>
+<p:sld xmlns:a="http://schemas.openxmlformats.org/drawingml/2006/main" xmlns:r="http://schemas.openxmlformats.org/officeDocument/2006/relationships" xmlns:p="http://schemas.openxmlformats.org/presentationml/2006/main">
+  <p:cSld>
+    <p:spTree>
+      <p:nvGrpSpPr>
+        <p:cNvPr id="1" name="Shape 199"/>
+        <p:cNvGrpSpPr/>
+        <p:nvPr/>
+      </p:nvGrpSpPr>
+      <p:grpSpPr>
+        <a:xfrm>
+          <a:off x="0" y="0"/>
+          <a:ext cx="0" cy="0"/>
+          <a:chOff x="0" y="0"/>
+          <a:chExt cx="0" cy="0"/>
+        </a:xfrm>
+      </p:grpSpPr>
+      <p:sp>
+        <p:nvSpPr>
+          <p:cNvPr id="200" name="Shape 200"/>
+          <p:cNvSpPr txBox="1">
+            <a:spLocks noGrp="1"/>
+          </p:cNvSpPr>
+          <p:nvPr>
+            <p:ph type="title"/>
+          </p:nvPr>
+        </p:nvSpPr>
+        <p:spPr>
+          <a:xfrm>
+            <a:off x="311700" y="898775"/>
+            <a:ext cx="8626800" cy="572699"/>
+          </a:xfrm>
+          <a:prstGeom prst="rect">
+            <a:avLst/>
+          </a:prstGeom>
+          <a:noFill/>
+          <a:ln>
+            <a:noFill/>
+          </a:ln>
+        </p:spPr>
+        <p:txBody>
+          <a:bodyPr lIns="91425" tIns="91425" rIns="91425" bIns="91425" anchor="t" anchorCtr="0">
+            <a:noAutofit/>
+          </a:bodyPr>
+          <a:lstStyle/>
+          <a:p>
+            <a:pPr marL="457200" marR="0" lvl="0" indent="-228600" algn="l" rtl="0">
+              <a:lnSpc>
+                <a:spcPct val="100000"/>
+              </a:lnSpc>
+              <a:spcBef>
+                <a:spcPts val="0"/>
+              </a:spcBef>
+              <a:spcAft>
+                <a:spcPts val="0"/>
+              </a:spcAft>
+              <a:buClr>
+                <a:schemeClr val="dk1"/>
+              </a:buClr>
+              <a:buSzPct val="100000"/>
+              <a:buFont typeface="Arial"/>
+              <a:buChar char="❖"/>
+            </a:pPr>
+            <a:r>
+              <a:rPr lang="vi" sz="2800" b="1" i="0" u="none" strike="noStrike" cap="none">
+                <a:solidFill>
+                  <a:schemeClr val="dk1"/>
+                </a:solidFill>
+                <a:latin typeface="Arial"/>
+                <a:ea typeface="Arial"/>
+                <a:cs typeface="Arial"/>
+                <a:sym typeface="Arial"/>
+              </a:rPr>
+              <a:t>Truyền dữ liệu giữa Activity đến Fragment</a:t>
+            </a:r>
+          </a:p>
+        </p:txBody>
+      </p:sp>
+      <p:sp>
+        <p:nvSpPr>
+          <p:cNvPr id="201" name="Shape 201"/>
+          <p:cNvSpPr txBox="1">
+            <a:spLocks noGrp="1"/>
+          </p:cNvSpPr>
+          <p:nvPr>
+            <p:ph type="body" idx="1"/>
+          </p:nvPr>
+        </p:nvSpPr>
+        <p:spPr>
+          <a:xfrm>
+            <a:off x="311700" y="1471475"/>
+            <a:ext cx="8520599" cy="3097500"/>
+          </a:xfrm>
+          <a:prstGeom prst="rect">
+            <a:avLst/>
+          </a:prstGeom>
+          <a:noFill/>
+          <a:ln>
+            <a:noFill/>
+          </a:ln>
+        </p:spPr>
+        <p:txBody>
+          <a:bodyPr lIns="91425" tIns="91425" rIns="91425" bIns="91425" anchor="t" anchorCtr="0">
+            <a:noAutofit/>
+          </a:bodyPr>
+          <a:lstStyle/>
+          <a:p>
+            <a:pPr marL="457200" marR="0" lvl="0" indent="-393700" algn="l" rtl="0">
+              <a:lnSpc>
+                <a:spcPct val="115000"/>
+              </a:lnSpc>
+              <a:spcBef>
+                <a:spcPts val="0"/>
+              </a:spcBef>
+              <a:spcAft>
+                <a:spcPts val="0"/>
+              </a:spcAft>
+              <a:buClr>
+                <a:schemeClr val="dk2"/>
+              </a:buClr>
+              <a:buSzPct val="100000"/>
+              <a:buFont typeface="Arial"/>
+              <a:buChar char="●"/>
+            </a:pPr>
+            <a:r>
+              <a:rPr lang="vi" sz="2500" b="0" i="0" u="none" strike="noStrike" cap="none" dirty="0">
+                <a:solidFill>
+                  <a:schemeClr val="dk2"/>
+                </a:solidFill>
+                <a:latin typeface="Arial"/>
+                <a:ea typeface="Arial"/>
+                <a:cs typeface="Arial"/>
+                <a:sym typeface="Arial"/>
+              </a:rPr>
+              <a:t>truyền dữ liệu ở activity:fragment.setArguments(bundle)</a:t>
+            </a:r>
+          </a:p>
+          <a:p>
+            <a:pPr marL="457200" marR="0" lvl="0" indent="-393700" algn="l" rtl="0">
+              <a:lnSpc>
+                <a:spcPct val="115000"/>
+              </a:lnSpc>
+              <a:spcBef>
+                <a:spcPts val="1600"/>
+              </a:spcBef>
+              <a:spcAft>
+                <a:spcPts val="0"/>
+              </a:spcAft>
+              <a:buClr>
+                <a:schemeClr val="dk2"/>
+              </a:buClr>
+              <a:buSzPct val="100000"/>
+              <a:buFont typeface="Arial"/>
+              <a:buChar char="●"/>
+            </a:pPr>
+            <a:r>
+              <a:rPr lang="vi" sz="2500" b="0" i="0" u="none" strike="noStrike" cap="none" dirty="0">
+                <a:solidFill>
+                  <a:schemeClr val="dk2"/>
+                </a:solidFill>
+                <a:latin typeface="Arial"/>
+                <a:ea typeface="Arial"/>
+                <a:cs typeface="Arial"/>
+                <a:sym typeface="Arial"/>
+              </a:rPr>
+              <a:t>nhận dữ liệu ở fragment:Bundle abc=getArguments()</a:t>
+            </a:r>
+          </a:p>
+          <a:p>
+            <a:pPr marL="0" marR="0" lvl="0" indent="0" algn="l" rtl="0">
+              <a:lnSpc>
+                <a:spcPct val="115000"/>
+              </a:lnSpc>
+              <a:spcBef>
+                <a:spcPts val="1600"/>
+              </a:spcBef>
+              <a:spcAft>
+                <a:spcPts val="0"/>
+              </a:spcAft>
+              <a:buClr>
+                <a:schemeClr val="dk2"/>
+              </a:buClr>
+              <a:buSzPct val="25000"/>
+              <a:buFont typeface="Arial"/>
+              <a:buNone/>
+            </a:pPr>
+            <a:r>
+              <a:rPr lang="vi-VN" sz="2500" b="0" i="0" u="none" strike="noStrike" cap="none" dirty="0" smtClean="0">
+                <a:solidFill>
+                  <a:srgbClr val="FF0000"/>
+                </a:solidFill>
+                <a:latin typeface="Arial"/>
+                <a:ea typeface="Arial"/>
+                <a:cs typeface="Arial"/>
+                <a:sym typeface="Arial"/>
+              </a:rPr>
+              <a:t>=&gt; C</a:t>
+            </a:r>
+            <a:r>
+              <a:rPr lang="vi" sz="2500" b="0" i="0" u="none" strike="noStrike" cap="none" dirty="0" smtClean="0">
+                <a:solidFill>
+                  <a:srgbClr val="FF0000"/>
+                </a:solidFill>
+                <a:latin typeface="Arial"/>
+                <a:ea typeface="Arial"/>
+                <a:cs typeface="Arial"/>
+                <a:sym typeface="Arial"/>
+              </a:rPr>
+              <a:t>hú ý</a:t>
+            </a:r>
+            <a:r>
+              <a:rPr lang="vi-VN" sz="2500" b="0" i="0" u="none" strike="noStrike" cap="none" dirty="0" smtClean="0">
+                <a:solidFill>
+                  <a:srgbClr val="FF0000"/>
+                </a:solidFill>
+                <a:latin typeface="Arial"/>
+                <a:ea typeface="Arial"/>
+                <a:cs typeface="Arial"/>
+                <a:sym typeface="Arial"/>
+              </a:rPr>
+              <a:t>:</a:t>
+            </a:r>
+            <a:r>
+              <a:rPr lang="vi" sz="2500" b="0" i="0" u="none" strike="noStrike" cap="none" dirty="0" smtClean="0">
+                <a:solidFill>
+                  <a:srgbClr val="FF0000"/>
+                </a:solidFill>
+                <a:latin typeface="Arial"/>
+                <a:ea typeface="Arial"/>
+                <a:cs typeface="Arial"/>
+                <a:sym typeface="Arial"/>
+              </a:rPr>
+              <a:t> </a:t>
+            </a:r>
+            <a:r>
+              <a:rPr lang="vi" sz="2500" b="0" i="0" u="none" strike="noStrike" cap="none" dirty="0">
+                <a:solidFill>
+                  <a:srgbClr val="FF0000"/>
+                </a:solidFill>
+                <a:latin typeface="Arial"/>
+                <a:ea typeface="Arial"/>
+                <a:cs typeface="Arial"/>
+                <a:sym typeface="Arial"/>
+              </a:rPr>
+              <a:t>đã có bundle thì ta có thể truyền được tất cả như </a:t>
+            </a:r>
+            <a:r>
+              <a:rPr lang="en-US" sz="2500" b="0" i="0" u="none" strike="noStrike" cap="none" dirty="0" smtClean="0">
+                <a:solidFill>
+                  <a:srgbClr val="FF0000"/>
+                </a:solidFill>
+                <a:latin typeface="Arial"/>
+                <a:ea typeface="Arial"/>
+                <a:cs typeface="Arial"/>
+                <a:sym typeface="Arial"/>
+              </a:rPr>
+              <a:t> </a:t>
+            </a:r>
+            <a:r>
+              <a:rPr lang="en-US" sz="2500" b="0" i="0" u="none" strike="noStrike" cap="none" dirty="0" err="1" smtClean="0">
+                <a:solidFill>
+                  <a:srgbClr val="FF0000"/>
+                </a:solidFill>
+                <a:latin typeface="Arial"/>
+                <a:ea typeface="Arial"/>
+                <a:cs typeface="Arial"/>
+                <a:sym typeface="Arial"/>
+              </a:rPr>
+              <a:t>truy</a:t>
+            </a:r>
+            <a:r>
+              <a:rPr lang="vi-VN" sz="2500" b="0" i="0" u="none" strike="noStrike" cap="none" dirty="0" smtClean="0">
+                <a:solidFill>
+                  <a:srgbClr val="FF0000"/>
+                </a:solidFill>
+                <a:latin typeface="Arial"/>
+                <a:ea typeface="Arial"/>
+                <a:cs typeface="Arial"/>
+                <a:sym typeface="Arial"/>
+              </a:rPr>
+              <a:t>ền Bundle qua </a:t>
+            </a:r>
+            <a:r>
+              <a:rPr lang="vi" sz="2500" b="0" i="0" u="none" strike="noStrike" cap="none" dirty="0" smtClean="0">
+                <a:solidFill>
+                  <a:srgbClr val="FF0000"/>
+                </a:solidFill>
+                <a:latin typeface="Arial"/>
+                <a:ea typeface="Arial"/>
+                <a:cs typeface="Arial"/>
+                <a:sym typeface="Arial"/>
+              </a:rPr>
+              <a:t>activity</a:t>
+            </a:r>
+            <a:r>
+              <a:rPr lang="vi-VN" sz="2500" b="0" i="0" u="none" strike="noStrike" cap="none" dirty="0" smtClean="0">
+                <a:solidFill>
+                  <a:srgbClr val="FF0000"/>
+                </a:solidFill>
+                <a:latin typeface="Arial"/>
+                <a:ea typeface="Arial"/>
+                <a:cs typeface="Arial"/>
+                <a:sym typeface="Arial"/>
+              </a:rPr>
+              <a:t> vậy</a:t>
+            </a:r>
+            <a:endParaRPr lang="vi" sz="2500" b="0" i="0" u="none" strike="noStrike" cap="none" dirty="0">
+              <a:solidFill>
+                <a:srgbClr val="FF0000"/>
+              </a:solidFill>
+              <a:latin typeface="Arial"/>
+              <a:ea typeface="Arial"/>
+              <a:cs typeface="Arial"/>
+              <a:sym typeface="Arial"/>
+            </a:endParaRPr>
+          </a:p>
+        </p:txBody>
+      </p:sp>
+      <p:sp>
+        <p:nvSpPr>
+          <p:cNvPr id="202" name="Shape 202"/>
+          <p:cNvSpPr txBox="1">
+            <a:spLocks noGrp="1"/>
+          </p:cNvSpPr>
+          <p:nvPr>
+            <p:ph type="title"/>
+          </p:nvPr>
+        </p:nvSpPr>
+        <p:spPr>
+          <a:xfrm>
+            <a:off x="242775" y="77425"/>
+            <a:ext cx="8520599" cy="572699"/>
+          </a:xfrm>
+          <a:prstGeom prst="rect">
+            <a:avLst/>
+          </a:prstGeom>
+          <a:solidFill>
+            <a:srgbClr val="0A59B0"/>
+          </a:solidFill>
+          <a:ln>
+            <a:noFill/>
+          </a:ln>
+        </p:spPr>
+        <p:txBody>
+          <a:bodyPr lIns="91425" tIns="91425" rIns="91425" bIns="91425" anchor="t" anchorCtr="0">
+            <a:noAutofit/>
+          </a:bodyPr>
+          <a:lstStyle/>
+          <a:p>
+            <a:pPr marL="0" marR="0" lvl="0" indent="0" algn="l" rtl="0">
+              <a:lnSpc>
+                <a:spcPct val="100000"/>
+              </a:lnSpc>
+              <a:spcBef>
+                <a:spcPts val="0"/>
+              </a:spcBef>
+              <a:spcAft>
+                <a:spcPts val="0"/>
+              </a:spcAft>
+              <a:buClr>
+                <a:schemeClr val="dk1"/>
+              </a:buClr>
+              <a:buSzPct val="25000"/>
+              <a:buFont typeface="Arial"/>
+              <a:buNone/>
+            </a:pPr>
+            <a:r>
+              <a:rPr lang="vi" sz="2800" b="1" i="0" u="none" strike="noStrike" cap="none">
+                <a:solidFill>
+                  <a:srgbClr val="FFFFFF"/>
+                </a:solidFill>
+                <a:latin typeface="Arial"/>
+                <a:ea typeface="Arial"/>
+                <a:cs typeface="Arial"/>
+                <a:sym typeface="Arial"/>
+              </a:rPr>
+              <a:t>Fragment</a:t>
+            </a:r>
+          </a:p>
+        </p:txBody>
+      </p:sp>
+      <p:sp>
+        <p:nvSpPr>
+          <p:cNvPr id="203" name="Shape 203"/>
+          <p:cNvSpPr/>
+          <p:nvPr/>
+        </p:nvSpPr>
+        <p:spPr>
+          <a:xfrm>
+            <a:off x="146050" y="4657725"/>
+            <a:ext cx="457200" cy="342899"/>
+          </a:xfrm>
+          <a:prstGeom prst="ellipse">
+            <a:avLst/>
+          </a:prstGeom>
+          <a:solidFill>
+            <a:srgbClr val="0A59B0"/>
+          </a:solidFill>
+          <a:ln>
+            <a:noFill/>
+          </a:ln>
+        </p:spPr>
+        <p:txBody>
+          <a:bodyPr lIns="0" tIns="0" rIns="0" bIns="0" anchor="ctr" anchorCtr="1">
+            <a:noAutofit/>
+          </a:bodyPr>
+          <a:lstStyle/>
+          <a:p>
+            <a:pPr marL="0" marR="0" lvl="0" indent="0" algn="ctr" rtl="0">
+              <a:lnSpc>
+                <a:spcPct val="100000"/>
+              </a:lnSpc>
+              <a:spcBef>
+                <a:spcPts val="0"/>
+              </a:spcBef>
+              <a:spcAft>
+                <a:spcPts val="0"/>
+              </a:spcAft>
+              <a:buClr>
+                <a:srgbClr val="000000"/>
+              </a:buClr>
+              <a:buSzPct val="25000"/>
+              <a:buFont typeface="Arial"/>
+              <a:buNone/>
+            </a:pPr>
+            <a:r>
+              <a:rPr lang="vi" sz="1400" b="0" i="0" u="none" strike="noStrike" cap="none">
+                <a:solidFill>
+                  <a:srgbClr val="000000"/>
+                </a:solidFill>
+                <a:latin typeface="Arial"/>
+                <a:ea typeface="Arial"/>
+                <a:cs typeface="Arial"/>
+                <a:sym typeface="Arial"/>
+              </a:rPr>
+              <a:t> </a:t>
+            </a:r>
+          </a:p>
+        </p:txBody>
+      </p:sp>
+    </p:spTree>
+    <p:extLst>
+      <p:ext uri="{BB962C8B-B14F-4D97-AF65-F5344CB8AC3E}">
+        <p14:creationId xmlns:p14="http://schemas.microsoft.com/office/powerpoint/2010/main" val="364228444"/>
+      </p:ext>
+    </p:extLst>
+  </p:cSld>
+  <p:clrMapOvr>
+    <a:masterClrMapping/>
+  </p:clrMapOvr>
+</p:sld>
+</file>
+
+<file path=ppt/slides/slide23.xml><?xml version="1.0" encoding="utf-8"?>
+<p:sld xmlns:a="http://schemas.openxmlformats.org/drawingml/2006/main" xmlns:r="http://schemas.openxmlformats.org/officeDocument/2006/relationships" xmlns:p="http://schemas.openxmlformats.org/presentationml/2006/main">
+  <p:cSld>
+    <p:spTree>
+      <p:nvGrpSpPr>
+        <p:cNvPr id="1" name="Shape 199"/>
+        <p:cNvGrpSpPr/>
+        <p:nvPr/>
+      </p:nvGrpSpPr>
+      <p:grpSpPr>
+        <a:xfrm>
+          <a:off x="0" y="0"/>
+          <a:ext cx="0" cy="0"/>
+          <a:chOff x="0" y="0"/>
+          <a:chExt cx="0" cy="0"/>
+        </a:xfrm>
+      </p:grpSpPr>
+      <p:sp>
+        <p:nvSpPr>
+          <p:cNvPr id="200" name="Shape 200"/>
+          <p:cNvSpPr txBox="1">
+            <a:spLocks noGrp="1"/>
+          </p:cNvSpPr>
+          <p:nvPr>
+            <p:ph type="title"/>
+          </p:nvPr>
+        </p:nvSpPr>
+        <p:spPr>
+          <a:xfrm>
+            <a:off x="311700" y="898775"/>
+            <a:ext cx="8626800" cy="572699"/>
+          </a:xfrm>
+          <a:prstGeom prst="rect">
+            <a:avLst/>
+          </a:prstGeom>
+          <a:noFill/>
+          <a:ln>
+            <a:noFill/>
+          </a:ln>
+        </p:spPr>
+        <p:txBody>
+          <a:bodyPr lIns="91425" tIns="91425" rIns="91425" bIns="91425" anchor="t" anchorCtr="0">
+            <a:noAutofit/>
+          </a:bodyPr>
+          <a:lstStyle/>
+          <a:p>
+            <a:pPr marL="457200" marR="0" lvl="0" indent="-228600" algn="l" rtl="0">
+              <a:lnSpc>
+                <a:spcPct val="100000"/>
+              </a:lnSpc>
+              <a:spcBef>
+                <a:spcPts val="0"/>
+              </a:spcBef>
+              <a:spcAft>
+                <a:spcPts val="0"/>
+              </a:spcAft>
+              <a:buClr>
+                <a:schemeClr val="dk1"/>
+              </a:buClr>
+              <a:buSzPct val="100000"/>
+              <a:buFont typeface="Arial"/>
+              <a:buChar char="❖"/>
+            </a:pPr>
+            <a:r>
+              <a:rPr lang="vi" sz="2800" b="1" i="0" u="none" strike="noStrike" cap="none">
+                <a:solidFill>
+                  <a:schemeClr val="dk1"/>
+                </a:solidFill>
+                <a:latin typeface="Arial"/>
+                <a:ea typeface="Arial"/>
+                <a:cs typeface="Arial"/>
+                <a:sym typeface="Arial"/>
+              </a:rPr>
+              <a:t>Truyền dữ liệu giữa Activity đến Fragment</a:t>
+            </a:r>
+          </a:p>
+        </p:txBody>
+      </p:sp>
+      <p:sp>
+        <p:nvSpPr>
+          <p:cNvPr id="201" name="Shape 201"/>
+          <p:cNvSpPr txBox="1">
+            <a:spLocks noGrp="1"/>
+          </p:cNvSpPr>
+          <p:nvPr>
+            <p:ph type="body" idx="1"/>
+          </p:nvPr>
+        </p:nvSpPr>
+        <p:spPr>
+          <a:xfrm>
+            <a:off x="311700" y="1471475"/>
+            <a:ext cx="8520599" cy="3097500"/>
+          </a:xfrm>
+          <a:prstGeom prst="rect">
+            <a:avLst/>
+          </a:prstGeom>
+          <a:noFill/>
+          <a:ln>
+            <a:noFill/>
+          </a:ln>
+        </p:spPr>
+        <p:txBody>
+          <a:bodyPr lIns="91425" tIns="91425" rIns="91425" bIns="91425" anchor="t" anchorCtr="0">
+            <a:noAutofit/>
+          </a:bodyPr>
+          <a:lstStyle/>
+          <a:p>
+            <a:pPr marL="457200" marR="0" lvl="0" indent="-393700" algn="l" rtl="0">
+              <a:lnSpc>
+                <a:spcPct val="115000"/>
+              </a:lnSpc>
+              <a:spcBef>
+                <a:spcPts val="0"/>
+              </a:spcBef>
+              <a:spcAft>
+                <a:spcPts val="0"/>
+              </a:spcAft>
+              <a:buClr>
+                <a:schemeClr val="dk2"/>
+              </a:buClr>
+              <a:buSzPct val="100000"/>
+              <a:buFont typeface="Arial"/>
+              <a:buChar char="●"/>
+            </a:pPr>
+            <a:r>
+              <a:rPr lang="vi" sz="2500" b="0" i="0" u="none" strike="noStrike" cap="none" dirty="0">
+                <a:solidFill>
+                  <a:schemeClr val="dk2"/>
+                </a:solidFill>
+                <a:latin typeface="Arial"/>
+                <a:ea typeface="Arial"/>
+                <a:cs typeface="Arial"/>
+                <a:sym typeface="Arial"/>
+              </a:rPr>
+              <a:t>truyền dữ liệu ở activity:fragment.setArguments(bundle)</a:t>
+            </a:r>
+          </a:p>
+          <a:p>
+            <a:pPr marL="457200" marR="0" lvl="0" indent="-393700" algn="l" rtl="0">
+              <a:lnSpc>
+                <a:spcPct val="115000"/>
+              </a:lnSpc>
+              <a:spcBef>
+                <a:spcPts val="1600"/>
+              </a:spcBef>
+              <a:spcAft>
+                <a:spcPts val="0"/>
+              </a:spcAft>
+              <a:buClr>
+                <a:schemeClr val="dk2"/>
+              </a:buClr>
+              <a:buSzPct val="100000"/>
+              <a:buFont typeface="Arial"/>
+              <a:buChar char="●"/>
+            </a:pPr>
+            <a:r>
+              <a:rPr lang="vi" sz="2500" b="0" i="0" u="none" strike="noStrike" cap="none" dirty="0">
+                <a:solidFill>
+                  <a:schemeClr val="dk2"/>
+                </a:solidFill>
+                <a:latin typeface="Arial"/>
+                <a:ea typeface="Arial"/>
+                <a:cs typeface="Arial"/>
+                <a:sym typeface="Arial"/>
+              </a:rPr>
+              <a:t>nhận dữ liệu ở fragment:Bundle abc=getArguments()</a:t>
+            </a:r>
+          </a:p>
+          <a:p>
+            <a:pPr marL="0" marR="0" lvl="0" indent="0" algn="l" rtl="0">
+              <a:lnSpc>
+                <a:spcPct val="115000"/>
+              </a:lnSpc>
+              <a:spcBef>
+                <a:spcPts val="1600"/>
+              </a:spcBef>
+              <a:spcAft>
+                <a:spcPts val="0"/>
+              </a:spcAft>
+              <a:buClr>
+                <a:schemeClr val="dk2"/>
+              </a:buClr>
+              <a:buSzPct val="25000"/>
+              <a:buFont typeface="Arial"/>
+              <a:buNone/>
+            </a:pPr>
+            <a:r>
+              <a:rPr lang="vi-VN" sz="2500" b="0" i="0" u="none" strike="noStrike" cap="none" dirty="0" smtClean="0">
+                <a:solidFill>
+                  <a:srgbClr val="FF0000"/>
+                </a:solidFill>
+                <a:latin typeface="Arial"/>
+                <a:ea typeface="Arial"/>
+                <a:cs typeface="Arial"/>
+                <a:sym typeface="Arial"/>
+              </a:rPr>
+              <a:t>=&gt; C</a:t>
+            </a:r>
+            <a:r>
+              <a:rPr lang="vi" sz="2500" b="0" i="0" u="none" strike="noStrike" cap="none" dirty="0" smtClean="0">
+                <a:solidFill>
+                  <a:srgbClr val="FF0000"/>
+                </a:solidFill>
+                <a:latin typeface="Arial"/>
+                <a:ea typeface="Arial"/>
+                <a:cs typeface="Arial"/>
+                <a:sym typeface="Arial"/>
+              </a:rPr>
+              <a:t>hú ý</a:t>
+            </a:r>
+            <a:r>
+              <a:rPr lang="vi-VN" sz="2500" b="0" i="0" u="none" strike="noStrike" cap="none" dirty="0" smtClean="0">
+                <a:solidFill>
+                  <a:srgbClr val="FF0000"/>
+                </a:solidFill>
+                <a:latin typeface="Arial"/>
+                <a:ea typeface="Arial"/>
+                <a:cs typeface="Arial"/>
+                <a:sym typeface="Arial"/>
+              </a:rPr>
+              <a:t>:</a:t>
+            </a:r>
+            <a:r>
+              <a:rPr lang="vi" sz="2500" b="0" i="0" u="none" strike="noStrike" cap="none" dirty="0" smtClean="0">
+                <a:solidFill>
+                  <a:srgbClr val="FF0000"/>
+                </a:solidFill>
+                <a:latin typeface="Arial"/>
+                <a:ea typeface="Arial"/>
+                <a:cs typeface="Arial"/>
+                <a:sym typeface="Arial"/>
+              </a:rPr>
+              <a:t> </a:t>
+            </a:r>
+            <a:r>
+              <a:rPr lang="vi" sz="2500" b="0" i="0" u="none" strike="noStrike" cap="none" dirty="0">
+                <a:solidFill>
+                  <a:srgbClr val="FF0000"/>
+                </a:solidFill>
+                <a:latin typeface="Arial"/>
+                <a:ea typeface="Arial"/>
+                <a:cs typeface="Arial"/>
+                <a:sym typeface="Arial"/>
+              </a:rPr>
+              <a:t>đã có bundle thì ta có thể truyền được tất cả như </a:t>
+            </a:r>
+            <a:r>
+              <a:rPr lang="en-US" sz="2500" b="0" i="0" u="none" strike="noStrike" cap="none" dirty="0" smtClean="0">
+                <a:solidFill>
+                  <a:srgbClr val="FF0000"/>
+                </a:solidFill>
+                <a:latin typeface="Arial"/>
+                <a:ea typeface="Arial"/>
+                <a:cs typeface="Arial"/>
+                <a:sym typeface="Arial"/>
+              </a:rPr>
+              <a:t> </a:t>
+            </a:r>
+            <a:r>
+              <a:rPr lang="en-US" sz="2500" b="0" i="0" u="none" strike="noStrike" cap="none" dirty="0" err="1" smtClean="0">
+                <a:solidFill>
+                  <a:srgbClr val="FF0000"/>
+                </a:solidFill>
+                <a:latin typeface="Arial"/>
+                <a:ea typeface="Arial"/>
+                <a:cs typeface="Arial"/>
+                <a:sym typeface="Arial"/>
+              </a:rPr>
+              <a:t>truy</a:t>
+            </a:r>
+            <a:r>
+              <a:rPr lang="vi-VN" sz="2500" b="0" i="0" u="none" strike="noStrike" cap="none" dirty="0" smtClean="0">
+                <a:solidFill>
+                  <a:srgbClr val="FF0000"/>
+                </a:solidFill>
+                <a:latin typeface="Arial"/>
+                <a:ea typeface="Arial"/>
+                <a:cs typeface="Arial"/>
+                <a:sym typeface="Arial"/>
+              </a:rPr>
+              <a:t>ền Bundle qua </a:t>
+            </a:r>
+            <a:r>
+              <a:rPr lang="vi" sz="2500" b="0" i="0" u="none" strike="noStrike" cap="none" dirty="0" smtClean="0">
+                <a:solidFill>
+                  <a:srgbClr val="FF0000"/>
+                </a:solidFill>
+                <a:latin typeface="Arial"/>
+                <a:ea typeface="Arial"/>
+                <a:cs typeface="Arial"/>
+                <a:sym typeface="Arial"/>
+              </a:rPr>
+              <a:t>activity</a:t>
+            </a:r>
+            <a:r>
+              <a:rPr lang="vi-VN" sz="2500" b="0" i="0" u="none" strike="noStrike" cap="none" dirty="0" smtClean="0">
+                <a:solidFill>
+                  <a:srgbClr val="FF0000"/>
+                </a:solidFill>
+                <a:latin typeface="Arial"/>
+                <a:ea typeface="Arial"/>
+                <a:cs typeface="Arial"/>
+                <a:sym typeface="Arial"/>
+              </a:rPr>
+              <a:t> vậy</a:t>
+            </a:r>
+            <a:endParaRPr lang="vi" sz="2500" b="0" i="0" u="none" strike="noStrike" cap="none" dirty="0">
+              <a:solidFill>
+                <a:srgbClr val="FF0000"/>
+              </a:solidFill>
+              <a:latin typeface="Arial"/>
+              <a:ea typeface="Arial"/>
+              <a:cs typeface="Arial"/>
+              <a:sym typeface="Arial"/>
+            </a:endParaRPr>
+          </a:p>
+        </p:txBody>
+      </p:sp>
+      <p:sp>
+        <p:nvSpPr>
+          <p:cNvPr id="202" name="Shape 202"/>
+          <p:cNvSpPr txBox="1">
+            <a:spLocks noGrp="1"/>
+          </p:cNvSpPr>
+          <p:nvPr>
+            <p:ph type="title"/>
+          </p:nvPr>
+        </p:nvSpPr>
+        <p:spPr>
+          <a:xfrm>
+            <a:off x="242775" y="77425"/>
+            <a:ext cx="8520599" cy="572699"/>
+          </a:xfrm>
+          <a:prstGeom prst="rect">
+            <a:avLst/>
+          </a:prstGeom>
+          <a:solidFill>
+            <a:srgbClr val="0A59B0"/>
+          </a:solidFill>
+          <a:ln>
+            <a:noFill/>
+          </a:ln>
+        </p:spPr>
+        <p:txBody>
+          <a:bodyPr lIns="91425" tIns="91425" rIns="91425" bIns="91425" anchor="t" anchorCtr="0">
+            <a:noAutofit/>
+          </a:bodyPr>
+          <a:lstStyle/>
+          <a:p>
+            <a:pPr marL="0" marR="0" lvl="0" indent="0" algn="l" rtl="0">
+              <a:lnSpc>
+                <a:spcPct val="100000"/>
+              </a:lnSpc>
+              <a:spcBef>
+                <a:spcPts val="0"/>
+              </a:spcBef>
+              <a:spcAft>
+                <a:spcPts val="0"/>
+              </a:spcAft>
+              <a:buClr>
+                <a:schemeClr val="dk1"/>
+              </a:buClr>
+              <a:buSzPct val="25000"/>
+              <a:buFont typeface="Arial"/>
+              <a:buNone/>
+            </a:pPr>
+            <a:r>
+              <a:rPr lang="vi" sz="2800" b="1" i="0" u="none" strike="noStrike" cap="none">
+                <a:solidFill>
+                  <a:srgbClr val="FFFFFF"/>
+                </a:solidFill>
+                <a:latin typeface="Arial"/>
+                <a:ea typeface="Arial"/>
+                <a:cs typeface="Arial"/>
+                <a:sym typeface="Arial"/>
+              </a:rPr>
+              <a:t>Fragment</a:t>
+            </a:r>
+          </a:p>
+        </p:txBody>
+      </p:sp>
+      <p:sp>
+        <p:nvSpPr>
+          <p:cNvPr id="203" name="Shape 203"/>
+          <p:cNvSpPr/>
+          <p:nvPr/>
+        </p:nvSpPr>
+        <p:spPr>
+          <a:xfrm>
+            <a:off x="146050" y="4657725"/>
+            <a:ext cx="457200" cy="342899"/>
+          </a:xfrm>
+          <a:prstGeom prst="ellipse">
+            <a:avLst/>
+          </a:prstGeom>
+          <a:solidFill>
+            <a:srgbClr val="0A59B0"/>
+          </a:solidFill>
+          <a:ln>
+            <a:noFill/>
+          </a:ln>
+        </p:spPr>
+        <p:txBody>
+          <a:bodyPr lIns="0" tIns="0" rIns="0" bIns="0" anchor="ctr" anchorCtr="1">
+            <a:noAutofit/>
+          </a:bodyPr>
+          <a:lstStyle/>
+          <a:p>
+            <a:pPr marL="0" marR="0" lvl="0" indent="0" algn="ctr" rtl="0">
+              <a:lnSpc>
+                <a:spcPct val="100000"/>
+              </a:lnSpc>
+              <a:spcBef>
+                <a:spcPts val="0"/>
+              </a:spcBef>
+              <a:spcAft>
+                <a:spcPts val="0"/>
+              </a:spcAft>
+              <a:buClr>
+                <a:srgbClr val="000000"/>
+              </a:buClr>
+              <a:buSzPct val="25000"/>
+              <a:buFont typeface="Arial"/>
+              <a:buNone/>
+            </a:pPr>
+            <a:r>
+              <a:rPr lang="vi" sz="1400" b="0" i="0" u="none" strike="noStrike" cap="none">
+                <a:solidFill>
+                  <a:srgbClr val="000000"/>
+                </a:solidFill>
+                <a:latin typeface="Arial"/>
+                <a:ea typeface="Arial"/>
+                <a:cs typeface="Arial"/>
+                <a:sym typeface="Arial"/>
+              </a:rPr>
+              <a:t> </a:t>
+            </a:r>
+          </a:p>
+        </p:txBody>
+      </p:sp>
+    </p:spTree>
+    <p:extLst>
+      <p:ext uri="{BB962C8B-B14F-4D97-AF65-F5344CB8AC3E}">
+        <p14:creationId xmlns:p14="http://schemas.microsoft.com/office/powerpoint/2010/main" val="270744729"/>
+      </p:ext>
+    </p:extLst>
+  </p:cSld>
+  <p:clrMapOvr>
+    <a:masterClrMapping/>
+  </p:clrMapOvr>
+</p:sld>
+</file>
+
+<file path=ppt/slides/slide24.xml><?xml version="1.0" encoding="utf-8"?>
+<p:sld xmlns:a="http://schemas.openxmlformats.org/drawingml/2006/main" xmlns:r="http://schemas.openxmlformats.org/officeDocument/2006/relationships" xmlns:p="http://schemas.openxmlformats.org/presentationml/2006/main">
+  <p:cSld>
+    <p:spTree>
+      <p:nvGrpSpPr>
+        <p:cNvPr id="1" name="Shape 199"/>
+        <p:cNvGrpSpPr/>
+        <p:nvPr/>
+      </p:nvGrpSpPr>
+      <p:grpSpPr>
+        <a:xfrm>
+          <a:off x="0" y="0"/>
+          <a:ext cx="0" cy="0"/>
+          <a:chOff x="0" y="0"/>
+          <a:chExt cx="0" cy="0"/>
+        </a:xfrm>
+      </p:grpSpPr>
+      <p:sp>
+        <p:nvSpPr>
+          <p:cNvPr id="200" name="Shape 200"/>
+          <p:cNvSpPr txBox="1">
+            <a:spLocks noGrp="1"/>
+          </p:cNvSpPr>
+          <p:nvPr>
+            <p:ph type="title"/>
+          </p:nvPr>
+        </p:nvSpPr>
+        <p:spPr>
+          <a:xfrm>
+            <a:off x="311700" y="898775"/>
+            <a:ext cx="8626800" cy="572699"/>
+          </a:xfrm>
+          <a:prstGeom prst="rect">
+            <a:avLst/>
+          </a:prstGeom>
+          <a:noFill/>
+          <a:ln>
+            <a:noFill/>
+          </a:ln>
+        </p:spPr>
+        <p:txBody>
+          <a:bodyPr lIns="91425" tIns="91425" rIns="91425" bIns="91425" anchor="t" anchorCtr="0">
+            <a:noAutofit/>
+          </a:bodyPr>
+          <a:lstStyle/>
+          <a:p>
+            <a:pPr marL="457200" marR="0" lvl="0" indent="-228600" algn="l" rtl="0">
+              <a:lnSpc>
+                <a:spcPct val="100000"/>
+              </a:lnSpc>
+              <a:spcBef>
+                <a:spcPts val="0"/>
+              </a:spcBef>
+              <a:spcAft>
+                <a:spcPts val="0"/>
+              </a:spcAft>
+              <a:buClr>
+                <a:schemeClr val="dk1"/>
+              </a:buClr>
+              <a:buSzPct val="100000"/>
+              <a:buFont typeface="Arial"/>
+              <a:buChar char="❖"/>
+            </a:pPr>
+            <a:r>
+              <a:rPr lang="vi" sz="2800" b="1" i="0" u="none" strike="noStrike" cap="none">
+                <a:solidFill>
+                  <a:schemeClr val="dk1"/>
+                </a:solidFill>
+                <a:latin typeface="Arial"/>
+                <a:ea typeface="Arial"/>
+                <a:cs typeface="Arial"/>
+                <a:sym typeface="Arial"/>
+              </a:rPr>
+              <a:t>Truyền dữ liệu giữa Activity đến Fragment</a:t>
+            </a:r>
+          </a:p>
+        </p:txBody>
+      </p:sp>
+      <p:sp>
+        <p:nvSpPr>
+          <p:cNvPr id="201" name="Shape 201"/>
+          <p:cNvSpPr txBox="1">
+            <a:spLocks noGrp="1"/>
+          </p:cNvSpPr>
+          <p:nvPr>
+            <p:ph type="body" idx="1"/>
+          </p:nvPr>
+        </p:nvSpPr>
+        <p:spPr>
+          <a:xfrm>
+            <a:off x="311700" y="1471475"/>
+            <a:ext cx="8520599" cy="3097500"/>
+          </a:xfrm>
+          <a:prstGeom prst="rect">
+            <a:avLst/>
+          </a:prstGeom>
+          <a:noFill/>
+          <a:ln>
+            <a:noFill/>
+          </a:ln>
+        </p:spPr>
+        <p:txBody>
+          <a:bodyPr lIns="91425" tIns="91425" rIns="91425" bIns="91425" anchor="t" anchorCtr="0">
+            <a:noAutofit/>
+          </a:bodyPr>
+          <a:lstStyle/>
+          <a:p>
+            <a:pPr marL="457200" marR="0" lvl="0" indent="-393700" algn="l" rtl="0">
+              <a:lnSpc>
+                <a:spcPct val="115000"/>
+              </a:lnSpc>
+              <a:spcBef>
+                <a:spcPts val="0"/>
+              </a:spcBef>
+              <a:spcAft>
+                <a:spcPts val="0"/>
+              </a:spcAft>
+              <a:buClr>
+                <a:schemeClr val="dk2"/>
+              </a:buClr>
+              <a:buSzPct val="100000"/>
+              <a:buFont typeface="Arial"/>
+              <a:buChar char="●"/>
+            </a:pPr>
+            <a:r>
+              <a:rPr lang="vi" sz="2500" b="0" i="0" u="none" strike="noStrike" cap="none" dirty="0">
+                <a:solidFill>
+                  <a:schemeClr val="dk2"/>
+                </a:solidFill>
+                <a:latin typeface="Arial"/>
+                <a:ea typeface="Arial"/>
+                <a:cs typeface="Arial"/>
+                <a:sym typeface="Arial"/>
+              </a:rPr>
+              <a:t>truyền dữ liệu ở activity:fragment.setArguments(bundle)</a:t>
+            </a:r>
+          </a:p>
+          <a:p>
+            <a:pPr marL="457200" marR="0" lvl="0" indent="-393700" algn="l" rtl="0">
+              <a:lnSpc>
+                <a:spcPct val="115000"/>
+              </a:lnSpc>
+              <a:spcBef>
+                <a:spcPts val="1600"/>
+              </a:spcBef>
+              <a:spcAft>
+                <a:spcPts val="0"/>
+              </a:spcAft>
+              <a:buClr>
+                <a:schemeClr val="dk2"/>
+              </a:buClr>
+              <a:buSzPct val="100000"/>
+              <a:buFont typeface="Arial"/>
+              <a:buChar char="●"/>
+            </a:pPr>
+            <a:r>
+              <a:rPr lang="vi" sz="2500" b="0" i="0" u="none" strike="noStrike" cap="none" dirty="0">
+                <a:solidFill>
+                  <a:schemeClr val="dk2"/>
+                </a:solidFill>
+                <a:latin typeface="Arial"/>
+                <a:ea typeface="Arial"/>
+                <a:cs typeface="Arial"/>
+                <a:sym typeface="Arial"/>
+              </a:rPr>
+              <a:t>nhận dữ liệu ở fragment:Bundle abc=getArguments()</a:t>
+            </a:r>
+          </a:p>
+          <a:p>
+            <a:pPr marL="0" marR="0" lvl="0" indent="0" algn="l" rtl="0">
+              <a:lnSpc>
+                <a:spcPct val="115000"/>
+              </a:lnSpc>
+              <a:spcBef>
+                <a:spcPts val="1600"/>
+              </a:spcBef>
+              <a:spcAft>
+                <a:spcPts val="0"/>
+              </a:spcAft>
+              <a:buClr>
+                <a:schemeClr val="dk2"/>
+              </a:buClr>
+              <a:buSzPct val="25000"/>
+              <a:buFont typeface="Arial"/>
+              <a:buNone/>
+            </a:pPr>
+            <a:r>
+              <a:rPr lang="vi-VN" sz="2500" b="0" i="0" u="none" strike="noStrike" cap="none" dirty="0" smtClean="0">
+                <a:solidFill>
+                  <a:srgbClr val="FF0000"/>
+                </a:solidFill>
+                <a:latin typeface="Arial"/>
+                <a:ea typeface="Arial"/>
+                <a:cs typeface="Arial"/>
+                <a:sym typeface="Arial"/>
+              </a:rPr>
+              <a:t>=&gt; C</a:t>
+            </a:r>
+            <a:r>
+              <a:rPr lang="vi" sz="2500" b="0" i="0" u="none" strike="noStrike" cap="none" dirty="0" smtClean="0">
+                <a:solidFill>
+                  <a:srgbClr val="FF0000"/>
+                </a:solidFill>
+                <a:latin typeface="Arial"/>
+                <a:ea typeface="Arial"/>
+                <a:cs typeface="Arial"/>
+                <a:sym typeface="Arial"/>
+              </a:rPr>
+              <a:t>hú ý</a:t>
+            </a:r>
+            <a:r>
+              <a:rPr lang="vi-VN" sz="2500" b="0" i="0" u="none" strike="noStrike" cap="none" dirty="0" smtClean="0">
+                <a:solidFill>
+                  <a:srgbClr val="FF0000"/>
+                </a:solidFill>
+                <a:latin typeface="Arial"/>
+                <a:ea typeface="Arial"/>
+                <a:cs typeface="Arial"/>
+                <a:sym typeface="Arial"/>
+              </a:rPr>
+              <a:t>:</a:t>
+            </a:r>
+            <a:r>
+              <a:rPr lang="vi" sz="2500" b="0" i="0" u="none" strike="noStrike" cap="none" dirty="0" smtClean="0">
+                <a:solidFill>
+                  <a:srgbClr val="FF0000"/>
+                </a:solidFill>
+                <a:latin typeface="Arial"/>
+                <a:ea typeface="Arial"/>
+                <a:cs typeface="Arial"/>
+                <a:sym typeface="Arial"/>
+              </a:rPr>
+              <a:t> </a:t>
+            </a:r>
+            <a:r>
+              <a:rPr lang="vi" sz="2500" b="0" i="0" u="none" strike="noStrike" cap="none" dirty="0">
+                <a:solidFill>
+                  <a:srgbClr val="FF0000"/>
+                </a:solidFill>
+                <a:latin typeface="Arial"/>
+                <a:ea typeface="Arial"/>
+                <a:cs typeface="Arial"/>
+                <a:sym typeface="Arial"/>
+              </a:rPr>
+              <a:t>đã có bundle thì ta có thể truyền được tất cả như </a:t>
+            </a:r>
+            <a:r>
+              <a:rPr lang="en-US" sz="2500" b="0" i="0" u="none" strike="noStrike" cap="none" dirty="0" smtClean="0">
+                <a:solidFill>
+                  <a:srgbClr val="FF0000"/>
+                </a:solidFill>
+                <a:latin typeface="Arial"/>
+                <a:ea typeface="Arial"/>
+                <a:cs typeface="Arial"/>
+                <a:sym typeface="Arial"/>
+              </a:rPr>
+              <a:t> </a:t>
+            </a:r>
+            <a:r>
+              <a:rPr lang="en-US" sz="2500" b="0" i="0" u="none" strike="noStrike" cap="none" dirty="0" err="1" smtClean="0">
+                <a:solidFill>
+                  <a:srgbClr val="FF0000"/>
+                </a:solidFill>
+                <a:latin typeface="Arial"/>
+                <a:ea typeface="Arial"/>
+                <a:cs typeface="Arial"/>
+                <a:sym typeface="Arial"/>
+              </a:rPr>
+              <a:t>truy</a:t>
+            </a:r>
+            <a:r>
+              <a:rPr lang="vi-VN" sz="2500" b="0" i="0" u="none" strike="noStrike" cap="none" dirty="0" smtClean="0">
+                <a:solidFill>
+                  <a:srgbClr val="FF0000"/>
+                </a:solidFill>
+                <a:latin typeface="Arial"/>
+                <a:ea typeface="Arial"/>
+                <a:cs typeface="Arial"/>
+                <a:sym typeface="Arial"/>
+              </a:rPr>
+              <a:t>ền Bundle qua </a:t>
+            </a:r>
+            <a:r>
+              <a:rPr lang="vi" sz="2500" b="0" i="0" u="none" strike="noStrike" cap="none" dirty="0" smtClean="0">
+                <a:solidFill>
+                  <a:srgbClr val="FF0000"/>
+                </a:solidFill>
+                <a:latin typeface="Arial"/>
+                <a:ea typeface="Arial"/>
+                <a:cs typeface="Arial"/>
+                <a:sym typeface="Arial"/>
+              </a:rPr>
+              <a:t>activity</a:t>
+            </a:r>
+            <a:r>
+              <a:rPr lang="vi-VN" sz="2500" b="0" i="0" u="none" strike="noStrike" cap="none" dirty="0" smtClean="0">
+                <a:solidFill>
+                  <a:srgbClr val="FF0000"/>
+                </a:solidFill>
+                <a:latin typeface="Arial"/>
+                <a:ea typeface="Arial"/>
+                <a:cs typeface="Arial"/>
+                <a:sym typeface="Arial"/>
+              </a:rPr>
+              <a:t> vậy</a:t>
+            </a:r>
+            <a:endParaRPr lang="vi" sz="2500" b="0" i="0" u="none" strike="noStrike" cap="none" dirty="0">
+              <a:solidFill>
+                <a:srgbClr val="FF0000"/>
+              </a:solidFill>
+              <a:latin typeface="Arial"/>
+              <a:ea typeface="Arial"/>
+              <a:cs typeface="Arial"/>
+              <a:sym typeface="Arial"/>
+            </a:endParaRPr>
+          </a:p>
+        </p:txBody>
+      </p:sp>
+      <p:sp>
+        <p:nvSpPr>
+          <p:cNvPr id="202" name="Shape 202"/>
+          <p:cNvSpPr txBox="1">
+            <a:spLocks noGrp="1"/>
+          </p:cNvSpPr>
+          <p:nvPr>
+            <p:ph type="title"/>
+          </p:nvPr>
+        </p:nvSpPr>
+        <p:spPr>
+          <a:xfrm>
+            <a:off x="242775" y="77425"/>
+            <a:ext cx="8520599" cy="572699"/>
+          </a:xfrm>
+          <a:prstGeom prst="rect">
+            <a:avLst/>
+          </a:prstGeom>
+          <a:solidFill>
+            <a:srgbClr val="0A59B0"/>
+          </a:solidFill>
+          <a:ln>
+            <a:noFill/>
+          </a:ln>
+        </p:spPr>
+        <p:txBody>
+          <a:bodyPr lIns="91425" tIns="91425" rIns="91425" bIns="91425" anchor="t" anchorCtr="0">
+            <a:noAutofit/>
+          </a:bodyPr>
+          <a:lstStyle/>
+          <a:p>
+            <a:pPr marL="0" marR="0" lvl="0" indent="0" algn="l" rtl="0">
+              <a:lnSpc>
+                <a:spcPct val="100000"/>
+              </a:lnSpc>
+              <a:spcBef>
+                <a:spcPts val="0"/>
+              </a:spcBef>
+              <a:spcAft>
+                <a:spcPts val="0"/>
+              </a:spcAft>
+              <a:buClr>
+                <a:schemeClr val="dk1"/>
+              </a:buClr>
+              <a:buSzPct val="25000"/>
+              <a:buFont typeface="Arial"/>
+              <a:buNone/>
+            </a:pPr>
+            <a:r>
+              <a:rPr lang="vi" sz="2800" b="1" i="0" u="none" strike="noStrike" cap="none">
+                <a:solidFill>
+                  <a:srgbClr val="FFFFFF"/>
+                </a:solidFill>
+                <a:latin typeface="Arial"/>
+                <a:ea typeface="Arial"/>
+                <a:cs typeface="Arial"/>
+                <a:sym typeface="Arial"/>
+              </a:rPr>
+              <a:t>Fragment</a:t>
+            </a:r>
+          </a:p>
+        </p:txBody>
+      </p:sp>
+      <p:sp>
+        <p:nvSpPr>
+          <p:cNvPr id="203" name="Shape 203"/>
+          <p:cNvSpPr/>
+          <p:nvPr/>
+        </p:nvSpPr>
+        <p:spPr>
+          <a:xfrm>
+            <a:off x="146050" y="4657725"/>
+            <a:ext cx="457200" cy="342899"/>
+          </a:xfrm>
+          <a:prstGeom prst="ellipse">
+            <a:avLst/>
+          </a:prstGeom>
+          <a:solidFill>
+            <a:srgbClr val="0A59B0"/>
+          </a:solidFill>
+          <a:ln>
+            <a:noFill/>
+          </a:ln>
+        </p:spPr>
+        <p:txBody>
+          <a:bodyPr lIns="0" tIns="0" rIns="0" bIns="0" anchor="ctr" anchorCtr="1">
+            <a:noAutofit/>
+          </a:bodyPr>
+          <a:lstStyle/>
+          <a:p>
+            <a:pPr marL="0" marR="0" lvl="0" indent="0" algn="ctr" rtl="0">
+              <a:lnSpc>
+                <a:spcPct val="100000"/>
+              </a:lnSpc>
+              <a:spcBef>
+                <a:spcPts val="0"/>
+              </a:spcBef>
+              <a:spcAft>
+                <a:spcPts val="0"/>
+              </a:spcAft>
+              <a:buClr>
+                <a:srgbClr val="000000"/>
+              </a:buClr>
+              <a:buSzPct val="25000"/>
+              <a:buFont typeface="Arial"/>
+              <a:buNone/>
+            </a:pPr>
+            <a:r>
+              <a:rPr lang="vi" sz="1400" b="0" i="0" u="none" strike="noStrike" cap="none">
+                <a:solidFill>
+                  <a:srgbClr val="000000"/>
+                </a:solidFill>
+                <a:latin typeface="Arial"/>
+                <a:ea typeface="Arial"/>
+                <a:cs typeface="Arial"/>
+                <a:sym typeface="Arial"/>
+              </a:rPr>
+              <a:t> </a:t>
+            </a:r>
+          </a:p>
+        </p:txBody>
+      </p:sp>
+    </p:spTree>
+    <p:extLst>
+      <p:ext uri="{BB962C8B-B14F-4D97-AF65-F5344CB8AC3E}">
+        <p14:creationId xmlns:p14="http://schemas.microsoft.com/office/powerpoint/2010/main" val="2114738097"/>
+      </p:ext>
+    </p:extLst>
+  </p:cSld>
+  <p:clrMapOvr>
+    <a:masterClrMapping/>
+  </p:clrMapOvr>
+</p:sld>
+</file>
+
+<file path=ppt/slides/slide25.xml><?xml version="1.0" encoding="utf-8"?>
+<p:sld xmlns:a="http://schemas.openxmlformats.org/drawingml/2006/main" xmlns:r="http://schemas.openxmlformats.org/officeDocument/2006/relationships" xmlns:p="http://schemas.openxmlformats.org/presentationml/2006/main">
+  <p:cSld>
+    <p:spTree>
+      <p:nvGrpSpPr>
+        <p:cNvPr id="1" name="Shape 199"/>
+        <p:cNvGrpSpPr/>
+        <p:nvPr/>
+      </p:nvGrpSpPr>
+      <p:grpSpPr>
+        <a:xfrm>
+          <a:off x="0" y="0"/>
+          <a:ext cx="0" cy="0"/>
+          <a:chOff x="0" y="0"/>
+          <a:chExt cx="0" cy="0"/>
+        </a:xfrm>
+      </p:grpSpPr>
+      <p:sp>
+        <p:nvSpPr>
+          <p:cNvPr id="200" name="Shape 200"/>
+          <p:cNvSpPr txBox="1">
+            <a:spLocks noGrp="1"/>
+          </p:cNvSpPr>
+          <p:nvPr>
+            <p:ph type="title"/>
+          </p:nvPr>
+        </p:nvSpPr>
+        <p:spPr>
+          <a:xfrm>
+            <a:off x="311700" y="898775"/>
+            <a:ext cx="8626800" cy="572699"/>
+          </a:xfrm>
+          <a:prstGeom prst="rect">
+            <a:avLst/>
+          </a:prstGeom>
+          <a:noFill/>
+          <a:ln>
+            <a:noFill/>
+          </a:ln>
+        </p:spPr>
+        <p:txBody>
+          <a:bodyPr lIns="91425" tIns="91425" rIns="91425" bIns="91425" anchor="t" anchorCtr="0">
+            <a:noAutofit/>
+          </a:bodyPr>
+          <a:lstStyle/>
+          <a:p>
+            <a:pPr marL="457200" marR="0" lvl="0" indent="-228600" algn="l" rtl="0">
+              <a:lnSpc>
+                <a:spcPct val="100000"/>
+              </a:lnSpc>
+              <a:spcBef>
+                <a:spcPts val="0"/>
+              </a:spcBef>
+              <a:spcAft>
+                <a:spcPts val="0"/>
+              </a:spcAft>
+              <a:buClr>
+                <a:schemeClr val="dk1"/>
+              </a:buClr>
+              <a:buSzPct val="100000"/>
+              <a:buFont typeface="Arial"/>
+              <a:buChar char="❖"/>
+            </a:pPr>
+            <a:r>
+              <a:rPr lang="vi" sz="2800" b="1" i="0" u="none" strike="noStrike" cap="none">
+                <a:solidFill>
+                  <a:schemeClr val="dk1"/>
+                </a:solidFill>
+                <a:latin typeface="Arial"/>
+                <a:ea typeface="Arial"/>
+                <a:cs typeface="Arial"/>
+                <a:sym typeface="Arial"/>
+              </a:rPr>
+              <a:t>Truyền dữ liệu giữa Activity đến Fragment</a:t>
+            </a:r>
+          </a:p>
+        </p:txBody>
+      </p:sp>
+      <p:sp>
+        <p:nvSpPr>
+          <p:cNvPr id="201" name="Shape 201"/>
+          <p:cNvSpPr txBox="1">
+            <a:spLocks noGrp="1"/>
+          </p:cNvSpPr>
+          <p:nvPr>
+            <p:ph type="body" idx="1"/>
+          </p:nvPr>
+        </p:nvSpPr>
+        <p:spPr>
+          <a:xfrm>
+            <a:off x="311700" y="1471475"/>
+            <a:ext cx="8520599" cy="3097500"/>
+          </a:xfrm>
+          <a:prstGeom prst="rect">
+            <a:avLst/>
+          </a:prstGeom>
+          <a:noFill/>
+          <a:ln>
+            <a:noFill/>
+          </a:ln>
+        </p:spPr>
+        <p:txBody>
+          <a:bodyPr lIns="91425" tIns="91425" rIns="91425" bIns="91425" anchor="t" anchorCtr="0">
+            <a:noAutofit/>
+          </a:bodyPr>
+          <a:lstStyle/>
+          <a:p>
+            <a:pPr marL="457200" marR="0" lvl="0" indent="-393700" algn="l" rtl="0">
+              <a:lnSpc>
+                <a:spcPct val="115000"/>
+              </a:lnSpc>
+              <a:spcBef>
+                <a:spcPts val="0"/>
+              </a:spcBef>
+              <a:spcAft>
+                <a:spcPts val="0"/>
+              </a:spcAft>
+              <a:buClr>
+                <a:schemeClr val="dk2"/>
+              </a:buClr>
+              <a:buSzPct val="100000"/>
+              <a:buFont typeface="Arial"/>
+              <a:buChar char="●"/>
+            </a:pPr>
+            <a:r>
+              <a:rPr lang="vi" sz="2500" b="0" i="0" u="none" strike="noStrike" cap="none" dirty="0">
+                <a:solidFill>
+                  <a:schemeClr val="dk2"/>
+                </a:solidFill>
+                <a:latin typeface="Arial"/>
+                <a:ea typeface="Arial"/>
+                <a:cs typeface="Arial"/>
+                <a:sym typeface="Arial"/>
+              </a:rPr>
+              <a:t>truyền dữ liệu ở activity:fragment.setArguments(bundle)</a:t>
+            </a:r>
+          </a:p>
+          <a:p>
+            <a:pPr marL="457200" marR="0" lvl="0" indent="-393700" algn="l" rtl="0">
+              <a:lnSpc>
+                <a:spcPct val="115000"/>
+              </a:lnSpc>
+              <a:spcBef>
+                <a:spcPts val="1600"/>
+              </a:spcBef>
+              <a:spcAft>
+                <a:spcPts val="0"/>
+              </a:spcAft>
+              <a:buClr>
+                <a:schemeClr val="dk2"/>
+              </a:buClr>
+              <a:buSzPct val="100000"/>
+              <a:buFont typeface="Arial"/>
+              <a:buChar char="●"/>
+            </a:pPr>
+            <a:r>
+              <a:rPr lang="vi" sz="2500" b="0" i="0" u="none" strike="noStrike" cap="none" dirty="0">
+                <a:solidFill>
+                  <a:schemeClr val="dk2"/>
+                </a:solidFill>
+                <a:latin typeface="Arial"/>
+                <a:ea typeface="Arial"/>
+                <a:cs typeface="Arial"/>
+                <a:sym typeface="Arial"/>
+              </a:rPr>
+              <a:t>nhận dữ liệu ở fragment:Bundle abc=getArguments()</a:t>
+            </a:r>
+          </a:p>
+          <a:p>
+            <a:pPr marL="0" marR="0" lvl="0" indent="0" algn="l" rtl="0">
+              <a:lnSpc>
+                <a:spcPct val="115000"/>
+              </a:lnSpc>
+              <a:spcBef>
+                <a:spcPts val="1600"/>
+              </a:spcBef>
+              <a:spcAft>
+                <a:spcPts val="0"/>
+              </a:spcAft>
+              <a:buClr>
+                <a:schemeClr val="dk2"/>
+              </a:buClr>
+              <a:buSzPct val="25000"/>
+              <a:buFont typeface="Arial"/>
+              <a:buNone/>
+            </a:pPr>
+            <a:r>
+              <a:rPr lang="vi-VN" sz="2500" b="0" i="0" u="none" strike="noStrike" cap="none" dirty="0" smtClean="0">
+                <a:solidFill>
+                  <a:srgbClr val="FF0000"/>
+                </a:solidFill>
+                <a:latin typeface="Arial"/>
+                <a:ea typeface="Arial"/>
+                <a:cs typeface="Arial"/>
+                <a:sym typeface="Arial"/>
+              </a:rPr>
+              <a:t>=&gt; C</a:t>
+            </a:r>
+            <a:r>
+              <a:rPr lang="vi" sz="2500" b="0" i="0" u="none" strike="noStrike" cap="none" dirty="0" smtClean="0">
+                <a:solidFill>
+                  <a:srgbClr val="FF0000"/>
+                </a:solidFill>
+                <a:latin typeface="Arial"/>
+                <a:ea typeface="Arial"/>
+                <a:cs typeface="Arial"/>
+                <a:sym typeface="Arial"/>
+              </a:rPr>
+              <a:t>hú ý</a:t>
+            </a:r>
+            <a:r>
+              <a:rPr lang="vi-VN" sz="2500" b="0" i="0" u="none" strike="noStrike" cap="none" dirty="0" smtClean="0">
+                <a:solidFill>
+                  <a:srgbClr val="FF0000"/>
+                </a:solidFill>
+                <a:latin typeface="Arial"/>
+                <a:ea typeface="Arial"/>
+                <a:cs typeface="Arial"/>
+                <a:sym typeface="Arial"/>
+              </a:rPr>
+              <a:t>:</a:t>
+            </a:r>
+            <a:r>
+              <a:rPr lang="vi" sz="2500" b="0" i="0" u="none" strike="noStrike" cap="none" dirty="0" smtClean="0">
+                <a:solidFill>
+                  <a:srgbClr val="FF0000"/>
+                </a:solidFill>
+                <a:latin typeface="Arial"/>
+                <a:ea typeface="Arial"/>
+                <a:cs typeface="Arial"/>
+                <a:sym typeface="Arial"/>
+              </a:rPr>
+              <a:t> </a:t>
+            </a:r>
+            <a:r>
+              <a:rPr lang="vi" sz="2500" b="0" i="0" u="none" strike="noStrike" cap="none" dirty="0">
+                <a:solidFill>
+                  <a:srgbClr val="FF0000"/>
+                </a:solidFill>
+                <a:latin typeface="Arial"/>
+                <a:ea typeface="Arial"/>
+                <a:cs typeface="Arial"/>
+                <a:sym typeface="Arial"/>
+              </a:rPr>
+              <a:t>đã có bundle thì ta có thể truyền được tất cả như </a:t>
+            </a:r>
+            <a:r>
+              <a:rPr lang="en-US" sz="2500" b="0" i="0" u="none" strike="noStrike" cap="none" dirty="0" smtClean="0">
+                <a:solidFill>
+                  <a:srgbClr val="FF0000"/>
+                </a:solidFill>
+                <a:latin typeface="Arial"/>
+                <a:ea typeface="Arial"/>
+                <a:cs typeface="Arial"/>
+                <a:sym typeface="Arial"/>
+              </a:rPr>
+              <a:t> </a:t>
+            </a:r>
+            <a:r>
+              <a:rPr lang="en-US" sz="2500" b="0" i="0" u="none" strike="noStrike" cap="none" dirty="0" err="1" smtClean="0">
+                <a:solidFill>
+                  <a:srgbClr val="FF0000"/>
+                </a:solidFill>
+                <a:latin typeface="Arial"/>
+                <a:ea typeface="Arial"/>
+                <a:cs typeface="Arial"/>
+                <a:sym typeface="Arial"/>
+              </a:rPr>
+              <a:t>truy</a:t>
+            </a:r>
+            <a:r>
+              <a:rPr lang="vi-VN" sz="2500" b="0" i="0" u="none" strike="noStrike" cap="none" dirty="0" smtClean="0">
+                <a:solidFill>
+                  <a:srgbClr val="FF0000"/>
+                </a:solidFill>
+                <a:latin typeface="Arial"/>
+                <a:ea typeface="Arial"/>
+                <a:cs typeface="Arial"/>
+                <a:sym typeface="Arial"/>
+              </a:rPr>
+              <a:t>ền Bundle qua </a:t>
+            </a:r>
+            <a:r>
+              <a:rPr lang="vi" sz="2500" b="0" i="0" u="none" strike="noStrike" cap="none" dirty="0" smtClean="0">
+                <a:solidFill>
+                  <a:srgbClr val="FF0000"/>
+                </a:solidFill>
+                <a:latin typeface="Arial"/>
+                <a:ea typeface="Arial"/>
+                <a:cs typeface="Arial"/>
+                <a:sym typeface="Arial"/>
+              </a:rPr>
+              <a:t>activity</a:t>
+            </a:r>
+            <a:r>
+              <a:rPr lang="vi-VN" sz="2500" b="0" i="0" u="none" strike="noStrike" cap="none" dirty="0" smtClean="0">
+                <a:solidFill>
+                  <a:srgbClr val="FF0000"/>
+                </a:solidFill>
+                <a:latin typeface="Arial"/>
+                <a:ea typeface="Arial"/>
+                <a:cs typeface="Arial"/>
+                <a:sym typeface="Arial"/>
+              </a:rPr>
+              <a:t> vậy</a:t>
+            </a:r>
+            <a:endParaRPr lang="vi" sz="2500" b="0" i="0" u="none" strike="noStrike" cap="none" dirty="0">
+              <a:solidFill>
+                <a:srgbClr val="FF0000"/>
+              </a:solidFill>
+              <a:latin typeface="Arial"/>
+              <a:ea typeface="Arial"/>
+              <a:cs typeface="Arial"/>
+              <a:sym typeface="Arial"/>
+            </a:endParaRPr>
+          </a:p>
+        </p:txBody>
+      </p:sp>
+      <p:sp>
+        <p:nvSpPr>
+          <p:cNvPr id="202" name="Shape 202"/>
+          <p:cNvSpPr txBox="1">
+            <a:spLocks noGrp="1"/>
+          </p:cNvSpPr>
+          <p:nvPr>
+            <p:ph type="title"/>
+          </p:nvPr>
+        </p:nvSpPr>
+        <p:spPr>
+          <a:xfrm>
+            <a:off x="242775" y="77425"/>
+            <a:ext cx="8520599" cy="572699"/>
+          </a:xfrm>
+          <a:prstGeom prst="rect">
+            <a:avLst/>
+          </a:prstGeom>
+          <a:solidFill>
+            <a:srgbClr val="0A59B0"/>
+          </a:solidFill>
+          <a:ln>
+            <a:noFill/>
+          </a:ln>
+        </p:spPr>
+        <p:txBody>
+          <a:bodyPr lIns="91425" tIns="91425" rIns="91425" bIns="91425" anchor="t" anchorCtr="0">
+            <a:noAutofit/>
+          </a:bodyPr>
+          <a:lstStyle/>
+          <a:p>
+            <a:pPr marL="0" marR="0" lvl="0" indent="0" algn="l" rtl="0">
+              <a:lnSpc>
+                <a:spcPct val="100000"/>
+              </a:lnSpc>
+              <a:spcBef>
+                <a:spcPts val="0"/>
+              </a:spcBef>
+              <a:spcAft>
+                <a:spcPts val="0"/>
+              </a:spcAft>
+              <a:buClr>
+                <a:schemeClr val="dk1"/>
+              </a:buClr>
+              <a:buSzPct val="25000"/>
+              <a:buFont typeface="Arial"/>
+              <a:buNone/>
+            </a:pPr>
+            <a:r>
+              <a:rPr lang="vi" sz="2800" b="1" i="0" u="none" strike="noStrike" cap="none">
+                <a:solidFill>
+                  <a:srgbClr val="FFFFFF"/>
+                </a:solidFill>
+                <a:latin typeface="Arial"/>
+                <a:ea typeface="Arial"/>
+                <a:cs typeface="Arial"/>
+                <a:sym typeface="Arial"/>
+              </a:rPr>
+              <a:t>Fragment</a:t>
+            </a:r>
+          </a:p>
+        </p:txBody>
+      </p:sp>
+      <p:sp>
+        <p:nvSpPr>
+          <p:cNvPr id="203" name="Shape 203"/>
+          <p:cNvSpPr/>
+          <p:nvPr/>
+        </p:nvSpPr>
+        <p:spPr>
+          <a:xfrm>
+            <a:off x="146050" y="4657725"/>
+            <a:ext cx="457200" cy="342899"/>
+          </a:xfrm>
+          <a:prstGeom prst="ellipse">
+            <a:avLst/>
+          </a:prstGeom>
+          <a:solidFill>
+            <a:srgbClr val="0A59B0"/>
+          </a:solidFill>
+          <a:ln>
+            <a:noFill/>
+          </a:ln>
+        </p:spPr>
+        <p:txBody>
+          <a:bodyPr lIns="0" tIns="0" rIns="0" bIns="0" anchor="ctr" anchorCtr="1">
+            <a:noAutofit/>
+          </a:bodyPr>
+          <a:lstStyle/>
+          <a:p>
+            <a:pPr marL="0" marR="0" lvl="0" indent="0" algn="ctr" rtl="0">
+              <a:lnSpc>
+                <a:spcPct val="100000"/>
+              </a:lnSpc>
+              <a:spcBef>
+                <a:spcPts val="0"/>
+              </a:spcBef>
+              <a:spcAft>
+                <a:spcPts val="0"/>
+              </a:spcAft>
+              <a:buClr>
+                <a:srgbClr val="000000"/>
+              </a:buClr>
+              <a:buSzPct val="25000"/>
+              <a:buFont typeface="Arial"/>
+              <a:buNone/>
+            </a:pPr>
+            <a:r>
+              <a:rPr lang="vi" sz="1400" b="0" i="0" u="none" strike="noStrike" cap="none">
+                <a:solidFill>
+                  <a:srgbClr val="000000"/>
+                </a:solidFill>
+                <a:latin typeface="Arial"/>
+                <a:ea typeface="Arial"/>
+                <a:cs typeface="Arial"/>
+                <a:sym typeface="Arial"/>
+              </a:rPr>
+              <a:t> </a:t>
+            </a:r>
+          </a:p>
+        </p:txBody>
+      </p:sp>
+    </p:spTree>
+    <p:extLst>
+      <p:ext uri="{BB962C8B-B14F-4D97-AF65-F5344CB8AC3E}">
+        <p14:creationId xmlns:p14="http://schemas.microsoft.com/office/powerpoint/2010/main" val="822890675"/>
+      </p:ext>
+    </p:extLst>
+  </p:cSld>
+  <p:clrMapOvr>
+    <a:masterClrMapping/>
+  </p:clrMapOvr>
+</p:sld>
+</file>
+
+<file path=ppt/slides/slide26.xml><?xml version="1.0" encoding="utf-8"?>
+<p:sld xmlns:a="http://schemas.openxmlformats.org/drawingml/2006/main" xmlns:r="http://schemas.openxmlformats.org/officeDocument/2006/relationships" xmlns:p="http://schemas.openxmlformats.org/presentationml/2006/main">
+  <p:cSld>
+    <p:spTree>
+      <p:nvGrpSpPr>
+        <p:cNvPr id="1" name="Shape 199"/>
+        <p:cNvGrpSpPr/>
+        <p:nvPr/>
+      </p:nvGrpSpPr>
+      <p:grpSpPr>
+        <a:xfrm>
+          <a:off x="0" y="0"/>
+          <a:ext cx="0" cy="0"/>
+          <a:chOff x="0" y="0"/>
+          <a:chExt cx="0" cy="0"/>
+        </a:xfrm>
+      </p:grpSpPr>
+      <p:sp>
+        <p:nvSpPr>
+          <p:cNvPr id="200" name="Shape 200"/>
+          <p:cNvSpPr txBox="1">
+            <a:spLocks noGrp="1"/>
+          </p:cNvSpPr>
+          <p:nvPr>
+            <p:ph type="title"/>
+          </p:nvPr>
+        </p:nvSpPr>
+        <p:spPr>
+          <a:xfrm>
+            <a:off x="311700" y="898775"/>
+            <a:ext cx="8626800" cy="572699"/>
+          </a:xfrm>
+          <a:prstGeom prst="rect">
+            <a:avLst/>
+          </a:prstGeom>
+          <a:noFill/>
+          <a:ln>
+            <a:noFill/>
+          </a:ln>
+        </p:spPr>
+        <p:txBody>
+          <a:bodyPr lIns="91425" tIns="91425" rIns="91425" bIns="91425" anchor="t" anchorCtr="0">
+            <a:noAutofit/>
+          </a:bodyPr>
+          <a:lstStyle/>
+          <a:p>
+            <a:pPr marL="457200" marR="0" lvl="0" indent="-228600" algn="l" rtl="0">
+              <a:lnSpc>
+                <a:spcPct val="100000"/>
+              </a:lnSpc>
+              <a:spcBef>
+                <a:spcPts val="0"/>
+              </a:spcBef>
+              <a:spcAft>
+                <a:spcPts val="0"/>
+              </a:spcAft>
+              <a:buClr>
+                <a:schemeClr val="dk1"/>
+              </a:buClr>
+              <a:buSzPct val="100000"/>
+              <a:buFont typeface="Arial"/>
+              <a:buChar char="❖"/>
+            </a:pPr>
+            <a:r>
+              <a:rPr lang="en-US" sz="2800" b="1" i="0" u="none" strike="noStrike" cap="none" dirty="0" smtClean="0">
+                <a:solidFill>
+                  <a:schemeClr val="dk1"/>
+                </a:solidFill>
+                <a:latin typeface="Arial"/>
+                <a:ea typeface="Arial"/>
+                <a:cs typeface="Arial"/>
+                <a:sym typeface="Arial"/>
+              </a:rPr>
+              <a:t>Communicate with Fragment</a:t>
+            </a:r>
+            <a:endParaRPr lang="vi" sz="2800" b="1" i="0" u="none" strike="noStrike" cap="none" dirty="0">
+              <a:solidFill>
+                <a:schemeClr val="dk1"/>
+              </a:solidFill>
+              <a:latin typeface="Arial"/>
+              <a:ea typeface="Arial"/>
+              <a:cs typeface="Arial"/>
+              <a:sym typeface="Arial"/>
+            </a:endParaRPr>
+          </a:p>
+        </p:txBody>
+      </p:sp>
+      <p:sp>
+        <p:nvSpPr>
+          <p:cNvPr id="201" name="Shape 201"/>
+          <p:cNvSpPr txBox="1">
+            <a:spLocks noGrp="1"/>
+          </p:cNvSpPr>
+          <p:nvPr>
+            <p:ph type="body" idx="1"/>
+          </p:nvPr>
+        </p:nvSpPr>
+        <p:spPr>
+          <a:xfrm>
+            <a:off x="311700" y="1471475"/>
+            <a:ext cx="8520599" cy="3097500"/>
+          </a:xfrm>
+          <a:prstGeom prst="rect">
+            <a:avLst/>
+          </a:prstGeom>
+          <a:noFill/>
+          <a:ln>
+            <a:noFill/>
+          </a:ln>
+        </p:spPr>
+        <p:txBody>
+          <a:bodyPr lIns="91425" tIns="91425" rIns="91425" bIns="91425" anchor="t" anchorCtr="0">
+            <a:noAutofit/>
+          </a:bodyPr>
+          <a:lstStyle/>
+          <a:p>
+            <a:pPr marL="457200" marR="0" lvl="0" indent="-393700" algn="l" rtl="0">
+              <a:lnSpc>
+                <a:spcPct val="115000"/>
+              </a:lnSpc>
+              <a:spcBef>
+                <a:spcPts val="1600"/>
+              </a:spcBef>
+              <a:spcAft>
+                <a:spcPts val="0"/>
+              </a:spcAft>
+              <a:buClr>
+                <a:schemeClr val="dk2"/>
+              </a:buClr>
+              <a:buSzPct val="100000"/>
+              <a:buFont typeface="Arial"/>
+              <a:buChar char="●"/>
+            </a:pPr>
+            <a:r>
+              <a:rPr lang="vi-VN" sz="2500" dirty="0" smtClean="0">
+                <a:solidFill>
+                  <a:srgbClr val="FF0000"/>
+                </a:solidFill>
+              </a:rPr>
+              <a:t>Từ Fragment đến Activity</a:t>
+            </a:r>
+          </a:p>
+          <a:p>
+            <a:pPr marL="457200" marR="0" lvl="0" indent="-393700" algn="l" rtl="0">
+              <a:lnSpc>
+                <a:spcPct val="115000"/>
+              </a:lnSpc>
+              <a:spcBef>
+                <a:spcPts val="1600"/>
+              </a:spcBef>
+              <a:spcAft>
+                <a:spcPts val="0"/>
+              </a:spcAft>
+              <a:buClr>
+                <a:schemeClr val="dk2"/>
+              </a:buClr>
+              <a:buSzPct val="100000"/>
+              <a:buFont typeface="Arial"/>
+              <a:buChar char="●"/>
+            </a:pPr>
+            <a:r>
+              <a:rPr lang="vi-VN" sz="2500" b="0" i="0" u="none" strike="noStrike" cap="none" dirty="0" smtClean="0">
+                <a:solidFill>
+                  <a:srgbClr val="FF0000"/>
+                </a:solidFill>
+                <a:latin typeface="Arial"/>
+                <a:ea typeface="Arial"/>
+                <a:cs typeface="Arial"/>
+                <a:sym typeface="Arial"/>
+              </a:rPr>
+              <a:t>Từ Activity đến Fragment</a:t>
+            </a:r>
+          </a:p>
+          <a:p>
+            <a:pPr marL="457200" marR="0" lvl="0" indent="-393700" algn="l" rtl="0">
+              <a:lnSpc>
+                <a:spcPct val="115000"/>
+              </a:lnSpc>
+              <a:spcBef>
+                <a:spcPts val="1600"/>
+              </a:spcBef>
+              <a:spcAft>
+                <a:spcPts val="0"/>
+              </a:spcAft>
+              <a:buClr>
+                <a:schemeClr val="dk2"/>
+              </a:buClr>
+              <a:buSzPct val="100000"/>
+              <a:buFont typeface="Arial"/>
+              <a:buChar char="●"/>
+            </a:pPr>
+            <a:r>
+              <a:rPr lang="vi-VN" sz="2500" dirty="0" smtClean="0">
+                <a:solidFill>
+                  <a:srgbClr val="FF0000"/>
+                </a:solidFill>
+              </a:rPr>
+              <a:t>Giữa 2 Fragment trong cùng Activity</a:t>
+            </a:r>
+            <a:endParaRPr lang="vi" sz="2500" b="0" i="0" u="none" strike="noStrike" cap="none" dirty="0">
+              <a:solidFill>
+                <a:srgbClr val="FF0000"/>
+              </a:solidFill>
+              <a:latin typeface="Arial"/>
+              <a:ea typeface="Arial"/>
+              <a:cs typeface="Arial"/>
+              <a:sym typeface="Arial"/>
+            </a:endParaRPr>
+          </a:p>
+        </p:txBody>
+      </p:sp>
+      <p:sp>
+        <p:nvSpPr>
+          <p:cNvPr id="202" name="Shape 202"/>
+          <p:cNvSpPr txBox="1">
+            <a:spLocks noGrp="1"/>
+          </p:cNvSpPr>
+          <p:nvPr>
+            <p:ph type="title"/>
+          </p:nvPr>
+        </p:nvSpPr>
+        <p:spPr>
+          <a:xfrm>
+            <a:off x="242775" y="77425"/>
+            <a:ext cx="8520599" cy="572699"/>
+          </a:xfrm>
+          <a:prstGeom prst="rect">
+            <a:avLst/>
+          </a:prstGeom>
+          <a:solidFill>
+            <a:srgbClr val="0A59B0"/>
+          </a:solidFill>
+          <a:ln>
+            <a:noFill/>
+          </a:ln>
+        </p:spPr>
+        <p:txBody>
+          <a:bodyPr lIns="91425" tIns="91425" rIns="91425" bIns="91425" anchor="t" anchorCtr="0">
+            <a:noAutofit/>
+          </a:bodyPr>
+          <a:lstStyle/>
+          <a:p>
+            <a:pPr marL="0" marR="0" lvl="0" indent="0" algn="l" rtl="0">
+              <a:lnSpc>
+                <a:spcPct val="100000"/>
+              </a:lnSpc>
+              <a:spcBef>
+                <a:spcPts val="0"/>
+              </a:spcBef>
+              <a:spcAft>
+                <a:spcPts val="0"/>
+              </a:spcAft>
+              <a:buClr>
+                <a:schemeClr val="dk1"/>
+              </a:buClr>
+              <a:buSzPct val="25000"/>
+              <a:buFont typeface="Arial"/>
+              <a:buNone/>
+            </a:pPr>
+            <a:r>
+              <a:rPr lang="vi" sz="2800" b="1" i="0" u="none" strike="noStrike" cap="none">
+                <a:solidFill>
+                  <a:srgbClr val="FFFFFF"/>
+                </a:solidFill>
+                <a:latin typeface="Arial"/>
+                <a:ea typeface="Arial"/>
+                <a:cs typeface="Arial"/>
+                <a:sym typeface="Arial"/>
+              </a:rPr>
+              <a:t>Fragment</a:t>
+            </a:r>
+          </a:p>
+        </p:txBody>
+      </p:sp>
+      <p:sp>
+        <p:nvSpPr>
+          <p:cNvPr id="203" name="Shape 203"/>
+          <p:cNvSpPr/>
+          <p:nvPr/>
+        </p:nvSpPr>
+        <p:spPr>
+          <a:xfrm>
+            <a:off x="146050" y="4657725"/>
+            <a:ext cx="457200" cy="342899"/>
+          </a:xfrm>
+          <a:prstGeom prst="ellipse">
+            <a:avLst/>
+          </a:prstGeom>
+          <a:solidFill>
+            <a:srgbClr val="0A59B0"/>
+          </a:solidFill>
+          <a:ln>
+            <a:noFill/>
+          </a:ln>
+        </p:spPr>
+        <p:txBody>
+          <a:bodyPr lIns="0" tIns="0" rIns="0" bIns="0" anchor="ctr" anchorCtr="1">
+            <a:noAutofit/>
+          </a:bodyPr>
+          <a:lstStyle/>
+          <a:p>
+            <a:pPr marL="0" marR="0" lvl="0" indent="0" algn="ctr" rtl="0">
+              <a:lnSpc>
+                <a:spcPct val="100000"/>
+              </a:lnSpc>
+              <a:spcBef>
+                <a:spcPts val="0"/>
+              </a:spcBef>
+              <a:spcAft>
+                <a:spcPts val="0"/>
+              </a:spcAft>
+              <a:buClr>
+                <a:srgbClr val="000000"/>
+              </a:buClr>
+              <a:buSzPct val="25000"/>
+              <a:buFont typeface="Arial"/>
+              <a:buNone/>
+            </a:pPr>
+            <a:r>
+              <a:rPr lang="vi" sz="1400" b="0" i="0" u="none" strike="noStrike" cap="none">
+                <a:solidFill>
+                  <a:srgbClr val="000000"/>
+                </a:solidFill>
+                <a:latin typeface="Arial"/>
+                <a:ea typeface="Arial"/>
+                <a:cs typeface="Arial"/>
+                <a:sym typeface="Arial"/>
+              </a:rPr>
+              <a:t> </a:t>
+            </a:r>
+          </a:p>
+        </p:txBody>
+      </p:sp>
+    </p:spTree>
+    <p:extLst>
+      <p:ext uri="{BB962C8B-B14F-4D97-AF65-F5344CB8AC3E}">
+        <p14:creationId xmlns:p14="http://schemas.microsoft.com/office/powerpoint/2010/main" val="1037127828"/>
+      </p:ext>
+    </p:extLst>
   </p:cSld>
   <p:clrMapOvr>
     <a:masterClrMapping/>
